--- a/Telearn - 剪刀_石頭_布.pptx
+++ b/Telearn - 剪刀_石頭_布.pptx
@@ -1,39 +1,39 @@
 
 <file path=ppt/presentation.xml><?xml version="1.0" encoding="utf-8"?>
-<p:presentation xmlns:a="http://schemas.openxmlformats.org/drawingml/2006/main" xmlns:r="http://schemas.openxmlformats.org/officeDocument/2006/relationships" xmlns:mc="http://schemas.openxmlformats.org/markup-compatibility/2006" xmlns:mv="urn:schemas-microsoft-com:mac:vml" xmlns:p="http://schemas.openxmlformats.org/presentationml/2006/main" xmlns:c="http://schemas.openxmlformats.org/drawingml/2006/chart" xmlns:dgm="http://schemas.openxmlformats.org/drawingml/2006/diagram" xmlns:o="urn:schemas-microsoft-com:office:office" xmlns:v="urn:schemas-microsoft-com:vml" xmlns:pvml="urn:schemas-microsoft-com:office:powerpoint" xmlns:com="http://schemas.openxmlformats.org/drawingml/2006/compatibility" xmlns:p14="http://schemas.microsoft.com/office/powerpoint/2010/main" xmlns:p15="http://schemas.microsoft.com/office/powerpoint/2012/main" xmlns:ahyp="http://schemas.microsoft.com/office/drawing/2018/hyperlinkcolor" autoCompressPictures="0" embedTrueTypeFonts="1" strictFirstAndLastChars="0" saveSubsetFonts="1">
+<p:presentation xmlns:a="http://schemas.openxmlformats.org/drawingml/2006/main" xmlns:r="http://schemas.openxmlformats.org/officeDocument/2006/relationships" xmlns:p="http://schemas.openxmlformats.org/presentationml/2006/main" strictFirstAndLastChars="0" embedTrueTypeFonts="1" saveSubsetFonts="1" autoCompressPictures="0">
   <p:sldMasterIdLst>
-    <p:sldMasterId id="2147483659" r:id="rId4"/>
+    <p:sldMasterId id="2147483659" r:id="rId1"/>
   </p:sldMasterIdLst>
   <p:notesMasterIdLst>
-    <p:notesMasterId r:id="rId5"/>
+    <p:notesMasterId r:id="rId10"/>
   </p:notesMasterIdLst>
   <p:sldIdLst>
-    <p:sldId id="256" r:id="rId6"/>
-    <p:sldId id="257" r:id="rId7"/>
-    <p:sldId id="258" r:id="rId8"/>
-    <p:sldId id="259" r:id="rId9"/>
-    <p:sldId id="260" r:id="rId10"/>
-    <p:sldId id="261" r:id="rId11"/>
-    <p:sldId id="262" r:id="rId12"/>
-    <p:sldId id="263" r:id="rId13"/>
+    <p:sldId id="256" r:id="rId2"/>
+    <p:sldId id="257" r:id="rId3"/>
+    <p:sldId id="258" r:id="rId4"/>
+    <p:sldId id="259" r:id="rId5"/>
+    <p:sldId id="260" r:id="rId6"/>
+    <p:sldId id="261" r:id="rId7"/>
+    <p:sldId id="262" r:id="rId8"/>
+    <p:sldId id="263" r:id="rId9"/>
   </p:sldIdLst>
-  <p:sldSz cy="10692000" cx="7560000"/>
+  <p:sldSz cx="7559675" cy="10691813"/>
   <p:notesSz cx="6858000" cy="9144000"/>
   <p:embeddedFontLst>
     <p:embeddedFont>
-      <p:font typeface="DotGothic16"/>
-      <p:regular r:id="rId14"/>
+      <p:font typeface="DotGothic16" panose="02020900000000000000" pitchFamily="18" charset="-128"/>
+      <p:regular r:id="rId11"/>
     </p:embeddedFont>
     <p:embeddedFont>
-      <p:font typeface="Open Sans"/>
-      <p:regular r:id="rId15"/>
-      <p:bold r:id="rId16"/>
-      <p:italic r:id="rId17"/>
-      <p:boldItalic r:id="rId18"/>
+      <p:font typeface="Open Sans" panose="020B0606030504020204" pitchFamily="34" charset="0"/>
+      <p:regular r:id="rId12"/>
+      <p:bold r:id="rId13"/>
+      <p:italic r:id="rId14"/>
+      <p:boldItalic r:id="rId15"/>
     </p:embeddedFont>
   </p:embeddedFontLst>
   <p:defaultTextStyle>
-    <a:defPPr lvl="0" marR="0" rtl="0" algn="l">
+    <a:defPPr marR="0" lvl="0" algn="l" rtl="0">
       <a:lnSpc>
         <a:spcPct val="100000"/>
       </a:lnSpc>
@@ -44,7 +44,7 @@
         <a:spcPts val="0"/>
       </a:spcAft>
     </a:defPPr>
-    <a:lvl1pPr lvl="0" marR="0" rtl="0" algn="l">
+    <a:lvl1pPr marR="0" lvl="0" algn="l" rtl="0">
       <a:lnSpc>
         <a:spcPct val="100000"/>
       </a:lnSpc>
@@ -58,7 +58,7 @@
         <a:srgbClr val="000000"/>
       </a:buClr>
       <a:buFont typeface="Arial"/>
-      <a:defRPr b="0" i="0" sz="1400" u="none" cap="none" strike="noStrike">
+      <a:defRPr sz="1400" b="0" i="0" u="none" strike="noStrike" cap="none">
         <a:solidFill>
           <a:srgbClr val="000000"/>
         </a:solidFill>
@@ -68,7 +68,7 @@
         <a:sym typeface="Arial"/>
       </a:defRPr>
     </a:lvl1pPr>
-    <a:lvl2pPr lvl="1" marR="0" rtl="0" algn="l">
+    <a:lvl2pPr marR="0" lvl="1" algn="l" rtl="0">
       <a:lnSpc>
         <a:spcPct val="100000"/>
       </a:lnSpc>
@@ -82,7 +82,7 @@
         <a:srgbClr val="000000"/>
       </a:buClr>
       <a:buFont typeface="Arial"/>
-      <a:defRPr b="0" i="0" sz="1400" u="none" cap="none" strike="noStrike">
+      <a:defRPr sz="1400" b="0" i="0" u="none" strike="noStrike" cap="none">
         <a:solidFill>
           <a:srgbClr val="000000"/>
         </a:solidFill>
@@ -92,7 +92,7 @@
         <a:sym typeface="Arial"/>
       </a:defRPr>
     </a:lvl2pPr>
-    <a:lvl3pPr lvl="2" marR="0" rtl="0" algn="l">
+    <a:lvl3pPr marR="0" lvl="2" algn="l" rtl="0">
       <a:lnSpc>
         <a:spcPct val="100000"/>
       </a:lnSpc>
@@ -106,7 +106,7 @@
         <a:srgbClr val="000000"/>
       </a:buClr>
       <a:buFont typeface="Arial"/>
-      <a:defRPr b="0" i="0" sz="1400" u="none" cap="none" strike="noStrike">
+      <a:defRPr sz="1400" b="0" i="0" u="none" strike="noStrike" cap="none">
         <a:solidFill>
           <a:srgbClr val="000000"/>
         </a:solidFill>
@@ -116,7 +116,7 @@
         <a:sym typeface="Arial"/>
       </a:defRPr>
     </a:lvl3pPr>
-    <a:lvl4pPr lvl="3" marR="0" rtl="0" algn="l">
+    <a:lvl4pPr marR="0" lvl="3" algn="l" rtl="0">
       <a:lnSpc>
         <a:spcPct val="100000"/>
       </a:lnSpc>
@@ -130,7 +130,7 @@
         <a:srgbClr val="000000"/>
       </a:buClr>
       <a:buFont typeface="Arial"/>
-      <a:defRPr b="0" i="0" sz="1400" u="none" cap="none" strike="noStrike">
+      <a:defRPr sz="1400" b="0" i="0" u="none" strike="noStrike" cap="none">
         <a:solidFill>
           <a:srgbClr val="000000"/>
         </a:solidFill>
@@ -140,7 +140,7 @@
         <a:sym typeface="Arial"/>
       </a:defRPr>
     </a:lvl4pPr>
-    <a:lvl5pPr lvl="4" marR="0" rtl="0" algn="l">
+    <a:lvl5pPr marR="0" lvl="4" algn="l" rtl="0">
       <a:lnSpc>
         <a:spcPct val="100000"/>
       </a:lnSpc>
@@ -154,7 +154,7 @@
         <a:srgbClr val="000000"/>
       </a:buClr>
       <a:buFont typeface="Arial"/>
-      <a:defRPr b="0" i="0" sz="1400" u="none" cap="none" strike="noStrike">
+      <a:defRPr sz="1400" b="0" i="0" u="none" strike="noStrike" cap="none">
         <a:solidFill>
           <a:srgbClr val="000000"/>
         </a:solidFill>
@@ -164,7 +164,7 @@
         <a:sym typeface="Arial"/>
       </a:defRPr>
     </a:lvl5pPr>
-    <a:lvl6pPr lvl="5" marR="0" rtl="0" algn="l">
+    <a:lvl6pPr marR="0" lvl="5" algn="l" rtl="0">
       <a:lnSpc>
         <a:spcPct val="100000"/>
       </a:lnSpc>
@@ -178,7 +178,7 @@
         <a:srgbClr val="000000"/>
       </a:buClr>
       <a:buFont typeface="Arial"/>
-      <a:defRPr b="0" i="0" sz="1400" u="none" cap="none" strike="noStrike">
+      <a:defRPr sz="1400" b="0" i="0" u="none" strike="noStrike" cap="none">
         <a:solidFill>
           <a:srgbClr val="000000"/>
         </a:solidFill>
@@ -188,7 +188,7 @@
         <a:sym typeface="Arial"/>
       </a:defRPr>
     </a:lvl6pPr>
-    <a:lvl7pPr lvl="6" marR="0" rtl="0" algn="l">
+    <a:lvl7pPr marR="0" lvl="6" algn="l" rtl="0">
       <a:lnSpc>
         <a:spcPct val="100000"/>
       </a:lnSpc>
@@ -202,7 +202,7 @@
         <a:srgbClr val="000000"/>
       </a:buClr>
       <a:buFont typeface="Arial"/>
-      <a:defRPr b="0" i="0" sz="1400" u="none" cap="none" strike="noStrike">
+      <a:defRPr sz="1400" b="0" i="0" u="none" strike="noStrike" cap="none">
         <a:solidFill>
           <a:srgbClr val="000000"/>
         </a:solidFill>
@@ -212,7 +212,7 @@
         <a:sym typeface="Arial"/>
       </a:defRPr>
     </a:lvl7pPr>
-    <a:lvl8pPr lvl="7" marR="0" rtl="0" algn="l">
+    <a:lvl8pPr marR="0" lvl="7" algn="l" rtl="0">
       <a:lnSpc>
         <a:spcPct val="100000"/>
       </a:lnSpc>
@@ -226,7 +226,7 @@
         <a:srgbClr val="000000"/>
       </a:buClr>
       <a:buFont typeface="Arial"/>
-      <a:defRPr b="0" i="0" sz="1400" u="none" cap="none" strike="noStrike">
+      <a:defRPr sz="1400" b="0" i="0" u="none" strike="noStrike" cap="none">
         <a:solidFill>
           <a:srgbClr val="000000"/>
         </a:solidFill>
@@ -236,7 +236,7 @@
         <a:sym typeface="Arial"/>
       </a:defRPr>
     </a:lvl8pPr>
-    <a:lvl9pPr lvl="8" marR="0" rtl="0" algn="l">
+    <a:lvl9pPr marR="0" lvl="8" algn="l" rtl="0">
       <a:lnSpc>
         <a:spcPct val="100000"/>
       </a:lnSpc>
@@ -250,7 +250,7 @@
         <a:srgbClr val="000000"/>
       </a:buClr>
       <a:buFont typeface="Arial"/>
-      <a:defRPr b="0" i="0" sz="1400" u="none" cap="none" strike="noStrike">
+      <a:defRPr sz="1400" b="0" i="0" u="none" strike="noStrike" cap="none">
         <a:solidFill>
           <a:srgbClr val="000000"/>
         </a:solidFill>
@@ -263,7 +263,7 @@
   </p:defaultTextStyle>
   <p:extLst>
     <p:ext uri="{EFAFB233-063F-42B5-8137-9DF3F51BA10A}">
-      <p15:sldGuideLst>
+      <p15:sldGuideLst xmlns:p15="http://schemas.microsoft.com/office/powerpoint/2012/main">
         <p15:guide id="1" orient="horz" pos="3368">
           <p15:clr>
             <a:srgbClr val="A4A3A4"/>
@@ -281,11 +281,16 @@
 </file>
 
 <file path=ppt/notesMasters/notesMaster1.xml><?xml version="1.0" encoding="utf-8"?>
-<p:notesMaster xmlns:a="http://schemas.openxmlformats.org/drawingml/2006/main" xmlns:r="http://schemas.openxmlformats.org/officeDocument/2006/relationships" xmlns:mc="http://schemas.openxmlformats.org/markup-compatibility/2006" xmlns:mv="urn:schemas-microsoft-com:mac:vml" xmlns:p="http://schemas.openxmlformats.org/presentationml/2006/main" xmlns:c="http://schemas.openxmlformats.org/drawingml/2006/chart" xmlns:dgm="http://schemas.openxmlformats.org/drawingml/2006/diagram" xmlns:o="urn:schemas-microsoft-com:office:office" xmlns:v="urn:schemas-microsoft-com:vml" xmlns:pvml="urn:schemas-microsoft-com:office:powerpoint" xmlns:com="http://schemas.openxmlformats.org/drawingml/2006/compatibility" xmlns:p14="http://schemas.microsoft.com/office/powerpoint/2010/main" xmlns:p15="http://schemas.microsoft.com/office/powerpoint/2012/main" xmlns:ahyp="http://schemas.microsoft.com/office/drawing/2018/hyperlinkcolor">
+<p:notesMaster xmlns:a="http://schemas.openxmlformats.org/drawingml/2006/main" xmlns:r="http://schemas.openxmlformats.org/officeDocument/2006/relationships" xmlns:p="http://schemas.openxmlformats.org/presentationml/2006/main">
   <p:cSld>
+    <p:bg>
+      <p:bgRef idx="1001">
+        <a:schemeClr val="bg1"/>
+      </p:bgRef>
+    </p:bg>
     <p:spTree>
       <p:nvGrpSpPr>
-        <p:cNvPr id="2" name="Shape 2"/>
+        <p:cNvPr id="1" name="Shape 2"/>
         <p:cNvGrpSpPr/>
         <p:nvPr/>
       </p:nvGrpSpPr>
@@ -300,9 +305,11 @@
       <p:sp>
         <p:nvSpPr>
           <p:cNvPr id="3" name="Google Shape;3;n"/>
-          <p:cNvSpPr/>
+          <p:cNvSpPr>
+            <a:spLocks noGrp="1" noRot="1" noChangeAspect="1"/>
+          </p:cNvSpPr>
           <p:nvPr>
-            <p:ph idx="2" type="sldImg"/>
+            <p:ph type="sldImg" idx="2"/>
           </p:nvPr>
         </p:nvSpPr>
         <p:spPr>
@@ -311,9 +318,13 @@
             <a:ext cx="2424600" cy="3429000"/>
           </a:xfrm>
           <a:custGeom>
-            <a:rect b="b" l="l" r="r" t="t"/>
+            <a:avLst/>
+            <a:gdLst/>
+            <a:ahLst/>
+            <a:cxnLst/>
+            <a:rect l="l" t="t" r="r" b="b"/>
             <a:pathLst>
-              <a:path extrusionOk="0" h="120000" w="120000">
+              <a:path w="120000" h="120000" extrusionOk="0">
                 <a:moveTo>
                   <a:pt x="0" y="0"/>
                 </a:moveTo>
@@ -331,23 +342,25 @@
             </a:pathLst>
           </a:custGeom>
           <a:noFill/>
-          <a:ln cap="flat" cmpd="sng" w="9525">
+          <a:ln w="9525" cap="flat" cmpd="sng">
             <a:solidFill>
               <a:srgbClr val="000000"/>
             </a:solidFill>
             <a:prstDash val="solid"/>
             <a:round/>
-            <a:headEnd len="sm" w="sm" type="none"/>
-            <a:tailEnd len="sm" w="sm" type="none"/>
+            <a:headEnd type="none" w="sm" len="sm"/>
+            <a:tailEnd type="none" w="sm" len="sm"/>
           </a:ln>
         </p:spPr>
       </p:sp>
       <p:sp>
         <p:nvSpPr>
           <p:cNvPr id="4" name="Google Shape;4;n"/>
-          <p:cNvSpPr txBox="1"/>
+          <p:cNvSpPr txBox="1">
+            <a:spLocks noGrp="1"/>
+          </p:cNvSpPr>
           <p:nvPr>
-            <p:ph idx="1" type="body"/>
+            <p:ph type="body" idx="1"/>
           </p:nvPr>
         </p:nvSpPr>
         <p:spPr>
@@ -364,11 +377,11 @@
           </a:ln>
         </p:spPr>
         <p:txBody>
-          <a:bodyPr anchorCtr="0" anchor="t" bIns="91425" lIns="91425" spcFirstLastPara="1" rIns="91425" wrap="square" tIns="91425">
+          <a:bodyPr spcFirstLastPara="1" wrap="square" lIns="91425" tIns="91425" rIns="91425" bIns="91425" anchor="t" anchorCtr="0">
             <a:noAutofit/>
           </a:bodyPr>
           <a:lstStyle>
-            <a:lvl1pPr indent="-298450" lvl="0" marL="457200">
+            <a:lvl1pPr marL="457200" lvl="0" indent="-298450">
               <a:spcBef>
                 <a:spcPts val="0"/>
               </a:spcBef>
@@ -379,7 +392,7 @@
               <a:buChar char="●"/>
               <a:defRPr sz="1100"/>
             </a:lvl1pPr>
-            <a:lvl2pPr indent="-298450" lvl="1" marL="914400">
+            <a:lvl2pPr marL="914400" lvl="1" indent="-298450">
               <a:spcBef>
                 <a:spcPts val="0"/>
               </a:spcBef>
@@ -390,7 +403,7 @@
               <a:buChar char="○"/>
               <a:defRPr sz="1100"/>
             </a:lvl2pPr>
-            <a:lvl3pPr indent="-298450" lvl="2" marL="1371600">
+            <a:lvl3pPr marL="1371600" lvl="2" indent="-298450">
               <a:spcBef>
                 <a:spcPts val="0"/>
               </a:spcBef>
@@ -401,7 +414,7 @@
               <a:buChar char="■"/>
               <a:defRPr sz="1100"/>
             </a:lvl3pPr>
-            <a:lvl4pPr indent="-298450" lvl="3" marL="1828800">
+            <a:lvl4pPr marL="1828800" lvl="3" indent="-298450">
               <a:spcBef>
                 <a:spcPts val="0"/>
               </a:spcBef>
@@ -412,7 +425,7 @@
               <a:buChar char="●"/>
               <a:defRPr sz="1100"/>
             </a:lvl4pPr>
-            <a:lvl5pPr indent="-298450" lvl="4" marL="2286000">
+            <a:lvl5pPr marL="2286000" lvl="4" indent="-298450">
               <a:spcBef>
                 <a:spcPts val="0"/>
               </a:spcBef>
@@ -423,7 +436,7 @@
               <a:buChar char="○"/>
               <a:defRPr sz="1100"/>
             </a:lvl5pPr>
-            <a:lvl6pPr indent="-298450" lvl="5" marL="2743200">
+            <a:lvl6pPr marL="2743200" lvl="5" indent="-298450">
               <a:spcBef>
                 <a:spcPts val="0"/>
               </a:spcBef>
@@ -434,7 +447,7 @@
               <a:buChar char="■"/>
               <a:defRPr sz="1100"/>
             </a:lvl6pPr>
-            <a:lvl7pPr indent="-298450" lvl="6" marL="3200400">
+            <a:lvl7pPr marL="3200400" lvl="6" indent="-298450">
               <a:spcBef>
                 <a:spcPts val="0"/>
               </a:spcBef>
@@ -445,7 +458,7 @@
               <a:buChar char="●"/>
               <a:defRPr sz="1100"/>
             </a:lvl7pPr>
-            <a:lvl8pPr indent="-298450" lvl="7" marL="3657600">
+            <a:lvl8pPr marL="3657600" lvl="7" indent="-298450">
               <a:spcBef>
                 <a:spcPts val="0"/>
               </a:spcBef>
@@ -456,7 +469,7 @@
               <a:buChar char="○"/>
               <a:defRPr sz="1100"/>
             </a:lvl8pPr>
-            <a:lvl9pPr indent="-298450" lvl="8" marL="4114800">
+            <a:lvl9pPr marL="4114800" lvl="8" indent="-298450">
               <a:spcBef>
                 <a:spcPts val="0"/>
               </a:spcBef>
@@ -468,14 +481,16 @@
               <a:defRPr sz="1100"/>
             </a:lvl9pPr>
           </a:lstStyle>
-          <a:p/>
+          <a:p>
+            <a:endParaRPr/>
+          </a:p>
         </p:txBody>
       </p:sp>
     </p:spTree>
   </p:cSld>
-  <p:clrMap accent1="accent1" accent2="accent2" accent3="accent3" accent4="accent4" accent5="accent5" accent6="accent6" bg1="lt1" bg2="dk2" tx1="dk1" tx2="lt2" folHlink="folHlink" hlink="hlink"/>
+  <p:clrMap bg1="lt1" tx1="dk1" bg2="dk2" tx2="lt2" accent1="accent1" accent2="accent2" accent3="accent3" accent4="accent4" accent5="accent5" accent6="accent6" hlink="hlink" folHlink="folHlink"/>
   <p:notesStyle>
-    <a:defPPr lvl="0" marR="0" rtl="0" algn="l">
+    <a:defPPr marR="0" lvl="0" algn="l" rtl="0">
       <a:lnSpc>
         <a:spcPct val="100000"/>
       </a:lnSpc>
@@ -486,7 +501,7 @@
         <a:spcPts val="0"/>
       </a:spcAft>
     </a:defPPr>
-    <a:lvl1pPr lvl="0" marR="0" rtl="0" algn="l">
+    <a:lvl1pPr marR="0" lvl="0" algn="l" rtl="0">
       <a:lnSpc>
         <a:spcPct val="100000"/>
       </a:lnSpc>
@@ -500,7 +515,7 @@
         <a:srgbClr val="000000"/>
       </a:buClr>
       <a:buFont typeface="Arial"/>
-      <a:defRPr b="0" i="0" sz="1400" u="none" cap="none" strike="noStrike">
+      <a:defRPr sz="1400" b="0" i="0" u="none" strike="noStrike" cap="none">
         <a:solidFill>
           <a:srgbClr val="000000"/>
         </a:solidFill>
@@ -510,7 +525,7 @@
         <a:sym typeface="Arial"/>
       </a:defRPr>
     </a:lvl1pPr>
-    <a:lvl2pPr lvl="1" marR="0" rtl="0" algn="l">
+    <a:lvl2pPr marR="0" lvl="1" algn="l" rtl="0">
       <a:lnSpc>
         <a:spcPct val="100000"/>
       </a:lnSpc>
@@ -524,7 +539,7 @@
         <a:srgbClr val="000000"/>
       </a:buClr>
       <a:buFont typeface="Arial"/>
-      <a:defRPr b="0" i="0" sz="1400" u="none" cap="none" strike="noStrike">
+      <a:defRPr sz="1400" b="0" i="0" u="none" strike="noStrike" cap="none">
         <a:solidFill>
           <a:srgbClr val="000000"/>
         </a:solidFill>
@@ -534,7 +549,7 @@
         <a:sym typeface="Arial"/>
       </a:defRPr>
     </a:lvl2pPr>
-    <a:lvl3pPr lvl="2" marR="0" rtl="0" algn="l">
+    <a:lvl3pPr marR="0" lvl="2" algn="l" rtl="0">
       <a:lnSpc>
         <a:spcPct val="100000"/>
       </a:lnSpc>
@@ -548,7 +563,7 @@
         <a:srgbClr val="000000"/>
       </a:buClr>
       <a:buFont typeface="Arial"/>
-      <a:defRPr b="0" i="0" sz="1400" u="none" cap="none" strike="noStrike">
+      <a:defRPr sz="1400" b="0" i="0" u="none" strike="noStrike" cap="none">
         <a:solidFill>
           <a:srgbClr val="000000"/>
         </a:solidFill>
@@ -558,7 +573,7 @@
         <a:sym typeface="Arial"/>
       </a:defRPr>
     </a:lvl3pPr>
-    <a:lvl4pPr lvl="3" marR="0" rtl="0" algn="l">
+    <a:lvl4pPr marR="0" lvl="3" algn="l" rtl="0">
       <a:lnSpc>
         <a:spcPct val="100000"/>
       </a:lnSpc>
@@ -572,7 +587,7 @@
         <a:srgbClr val="000000"/>
       </a:buClr>
       <a:buFont typeface="Arial"/>
-      <a:defRPr b="0" i="0" sz="1400" u="none" cap="none" strike="noStrike">
+      <a:defRPr sz="1400" b="0" i="0" u="none" strike="noStrike" cap="none">
         <a:solidFill>
           <a:srgbClr val="000000"/>
         </a:solidFill>
@@ -582,7 +597,7 @@
         <a:sym typeface="Arial"/>
       </a:defRPr>
     </a:lvl4pPr>
-    <a:lvl5pPr lvl="4" marR="0" rtl="0" algn="l">
+    <a:lvl5pPr marR="0" lvl="4" algn="l" rtl="0">
       <a:lnSpc>
         <a:spcPct val="100000"/>
       </a:lnSpc>
@@ -596,7 +611,7 @@
         <a:srgbClr val="000000"/>
       </a:buClr>
       <a:buFont typeface="Arial"/>
-      <a:defRPr b="0" i="0" sz="1400" u="none" cap="none" strike="noStrike">
+      <a:defRPr sz="1400" b="0" i="0" u="none" strike="noStrike" cap="none">
         <a:solidFill>
           <a:srgbClr val="000000"/>
         </a:solidFill>
@@ -606,7 +621,7 @@
         <a:sym typeface="Arial"/>
       </a:defRPr>
     </a:lvl5pPr>
-    <a:lvl6pPr lvl="5" marR="0" rtl="0" algn="l">
+    <a:lvl6pPr marR="0" lvl="5" algn="l" rtl="0">
       <a:lnSpc>
         <a:spcPct val="100000"/>
       </a:lnSpc>
@@ -620,7 +635,7 @@
         <a:srgbClr val="000000"/>
       </a:buClr>
       <a:buFont typeface="Arial"/>
-      <a:defRPr b="0" i="0" sz="1400" u="none" cap="none" strike="noStrike">
+      <a:defRPr sz="1400" b="0" i="0" u="none" strike="noStrike" cap="none">
         <a:solidFill>
           <a:srgbClr val="000000"/>
         </a:solidFill>
@@ -630,7 +645,7 @@
         <a:sym typeface="Arial"/>
       </a:defRPr>
     </a:lvl6pPr>
-    <a:lvl7pPr lvl="6" marR="0" rtl="0" algn="l">
+    <a:lvl7pPr marR="0" lvl="6" algn="l" rtl="0">
       <a:lnSpc>
         <a:spcPct val="100000"/>
       </a:lnSpc>
@@ -644,7 +659,7 @@
         <a:srgbClr val="000000"/>
       </a:buClr>
       <a:buFont typeface="Arial"/>
-      <a:defRPr b="0" i="0" sz="1400" u="none" cap="none" strike="noStrike">
+      <a:defRPr sz="1400" b="0" i="0" u="none" strike="noStrike" cap="none">
         <a:solidFill>
           <a:srgbClr val="000000"/>
         </a:solidFill>
@@ -654,7 +669,7 @@
         <a:sym typeface="Arial"/>
       </a:defRPr>
     </a:lvl7pPr>
-    <a:lvl8pPr lvl="7" marR="0" rtl="0" algn="l">
+    <a:lvl8pPr marR="0" lvl="7" algn="l" rtl="0">
       <a:lnSpc>
         <a:spcPct val="100000"/>
       </a:lnSpc>
@@ -668,7 +683,7 @@
         <a:srgbClr val="000000"/>
       </a:buClr>
       <a:buFont typeface="Arial"/>
-      <a:defRPr b="0" i="0" sz="1400" u="none" cap="none" strike="noStrike">
+      <a:defRPr sz="1400" b="0" i="0" u="none" strike="noStrike" cap="none">
         <a:solidFill>
           <a:srgbClr val="000000"/>
         </a:solidFill>
@@ -678,7 +693,7 @@
         <a:sym typeface="Arial"/>
       </a:defRPr>
     </a:lvl8pPr>
-    <a:lvl9pPr lvl="8" marR="0" rtl="0" algn="l">
+    <a:lvl9pPr marR="0" lvl="8" algn="l" rtl="0">
       <a:lnSpc>
         <a:spcPct val="100000"/>
       </a:lnSpc>
@@ -692,7 +707,7 @@
         <a:srgbClr val="000000"/>
       </a:buClr>
       <a:buFont typeface="Arial"/>
-      <a:defRPr b="0" i="0" sz="1400" u="none" cap="none" strike="noStrike">
+      <a:defRPr sz="1400" b="0" i="0" u="none" strike="noStrike" cap="none">
         <a:solidFill>
           <a:srgbClr val="000000"/>
         </a:solidFill>
@@ -707,11 +722,11 @@
 </file>
 
 <file path=ppt/notesSlides/notesSlide1.xml><?xml version="1.0" encoding="utf-8"?>
-<p:notes xmlns:a="http://schemas.openxmlformats.org/drawingml/2006/main" xmlns:r="http://schemas.openxmlformats.org/officeDocument/2006/relationships" xmlns:mc="http://schemas.openxmlformats.org/markup-compatibility/2006" xmlns:mv="urn:schemas-microsoft-com:mac:vml" xmlns:p="http://schemas.openxmlformats.org/presentationml/2006/main" xmlns:c="http://schemas.openxmlformats.org/drawingml/2006/chart" xmlns:dgm="http://schemas.openxmlformats.org/drawingml/2006/diagram" xmlns:o="urn:schemas-microsoft-com:office:office" xmlns:v="urn:schemas-microsoft-com:vml" xmlns:pvml="urn:schemas-microsoft-com:office:powerpoint" xmlns:com="http://schemas.openxmlformats.org/drawingml/2006/compatibility" xmlns:p14="http://schemas.microsoft.com/office/powerpoint/2010/main" xmlns:p15="http://schemas.microsoft.com/office/powerpoint/2012/main" xmlns:ahyp="http://schemas.microsoft.com/office/drawing/2018/hyperlinkcolor" showMasterPhAnim="0" showMasterSp="0">
+<p:notes xmlns:a="http://schemas.openxmlformats.org/drawingml/2006/main" xmlns:r="http://schemas.openxmlformats.org/officeDocument/2006/relationships" xmlns:p="http://schemas.openxmlformats.org/presentationml/2006/main" showMasterSp="0" showMasterPhAnim="0">
   <p:cSld>
     <p:spTree>
       <p:nvGrpSpPr>
-        <p:cNvPr id="52" name="Shape 52"/>
+        <p:cNvPr id="1" name="Shape 52"/>
         <p:cNvGrpSpPr/>
         <p:nvPr/>
       </p:nvGrpSpPr>
@@ -726,9 +741,11 @@
       <p:sp>
         <p:nvSpPr>
           <p:cNvPr id="53" name="Google Shape;53;g19dbd595322_0_24:notes"/>
-          <p:cNvSpPr/>
+          <p:cNvSpPr>
+            <a:spLocks noGrp="1" noRot="1" noChangeAspect="1"/>
+          </p:cNvSpPr>
           <p:nvPr>
-            <p:ph idx="2" type="sldImg"/>
+            <p:ph type="sldImg" idx="2"/>
           </p:nvPr>
         </p:nvSpPr>
         <p:spPr>
@@ -737,9 +754,13 @@
             <a:ext cx="2424600" cy="3429000"/>
           </a:xfrm>
           <a:custGeom>
-            <a:rect b="b" l="l" r="r" t="t"/>
+            <a:avLst/>
+            <a:gdLst/>
+            <a:ahLst/>
+            <a:cxnLst/>
+            <a:rect l="l" t="t" r="r" b="b"/>
             <a:pathLst>
-              <a:path extrusionOk="0" h="120000" w="120000">
+              <a:path w="120000" h="120000" extrusionOk="0">
                 <a:moveTo>
                   <a:pt x="0" y="0"/>
                 </a:moveTo>
@@ -761,9 +782,11 @@
       <p:sp>
         <p:nvSpPr>
           <p:cNvPr id="54" name="Google Shape;54;g19dbd595322_0_24:notes"/>
-          <p:cNvSpPr txBox="1"/>
+          <p:cNvSpPr txBox="1">
+            <a:spLocks noGrp="1"/>
+          </p:cNvSpPr>
           <p:nvPr>
-            <p:ph idx="1" type="body"/>
+            <p:ph type="body" idx="1"/>
           </p:nvPr>
         </p:nvSpPr>
         <p:spPr>
@@ -776,12 +799,12 @@
           </a:prstGeom>
         </p:spPr>
         <p:txBody>
-          <a:bodyPr anchorCtr="0" anchor="t" bIns="91425" lIns="91425" spcFirstLastPara="1" rIns="91425" wrap="square" tIns="91425">
+          <a:bodyPr spcFirstLastPara="1" wrap="square" lIns="91425" tIns="91425" rIns="91425" bIns="91425" anchor="t" anchorCtr="0">
             <a:noAutofit/>
           </a:bodyPr>
           <a:lstStyle/>
           <a:p>
-            <a:pPr indent="0" lvl="0" marL="0" rtl="0" algn="l">
+            <a:pPr marL="0" lvl="0" indent="0" algn="l" rtl="0">
               <a:spcBef>
                 <a:spcPts val="0"/>
               </a:spcBef>
@@ -790,9 +813,6 @@
               </a:spcAft>
               <a:buNone/>
             </a:pPr>
-            <a:r>
-              <a:t/>
-            </a:r>
             <a:endParaRPr/>
           </a:p>
         </p:txBody>
@@ -806,11 +826,11 @@
 </file>
 
 <file path=ppt/notesSlides/notesSlide2.xml><?xml version="1.0" encoding="utf-8"?>
-<p:notes xmlns:a="http://schemas.openxmlformats.org/drawingml/2006/main" xmlns:r="http://schemas.openxmlformats.org/officeDocument/2006/relationships" xmlns:mc="http://schemas.openxmlformats.org/markup-compatibility/2006" xmlns:mv="urn:schemas-microsoft-com:mac:vml" xmlns:p="http://schemas.openxmlformats.org/presentationml/2006/main" xmlns:c="http://schemas.openxmlformats.org/drawingml/2006/chart" xmlns:dgm="http://schemas.openxmlformats.org/drawingml/2006/diagram" xmlns:o="urn:schemas-microsoft-com:office:office" xmlns:v="urn:schemas-microsoft-com:vml" xmlns:pvml="urn:schemas-microsoft-com:office:powerpoint" xmlns:com="http://schemas.openxmlformats.org/drawingml/2006/compatibility" xmlns:p14="http://schemas.microsoft.com/office/powerpoint/2010/main" xmlns:p15="http://schemas.microsoft.com/office/powerpoint/2012/main" xmlns:ahyp="http://schemas.microsoft.com/office/drawing/2018/hyperlinkcolor" showMasterPhAnim="0" showMasterSp="0">
+<p:notes xmlns:a="http://schemas.openxmlformats.org/drawingml/2006/main" xmlns:r="http://schemas.openxmlformats.org/officeDocument/2006/relationships" xmlns:p="http://schemas.openxmlformats.org/presentationml/2006/main" showMasterSp="0" showMasterPhAnim="0">
   <p:cSld>
     <p:spTree>
       <p:nvGrpSpPr>
-        <p:cNvPr id="63" name="Shape 63"/>
+        <p:cNvPr id="1" name="Shape 63"/>
         <p:cNvGrpSpPr/>
         <p:nvPr/>
       </p:nvGrpSpPr>
@@ -825,20 +845,26 @@
       <p:sp>
         <p:nvSpPr>
           <p:cNvPr id="64" name="Google Shape;64;g19dbd595322_0_177:notes"/>
-          <p:cNvSpPr/>
+          <p:cNvSpPr>
+            <a:spLocks noGrp="1" noRot="1" noChangeAspect="1"/>
+          </p:cNvSpPr>
           <p:nvPr>
-            <p:ph idx="2" type="sldImg"/>
+            <p:ph type="sldImg" idx="2"/>
           </p:nvPr>
         </p:nvSpPr>
         <p:spPr>
           <a:xfrm>
-            <a:off x="2217050" y="685800"/>
-            <a:ext cx="2424600" cy="3429000"/>
+            <a:off x="2217738" y="685800"/>
+            <a:ext cx="2424112" cy="3429000"/>
           </a:xfrm>
           <a:custGeom>
-            <a:rect b="b" l="l" r="r" t="t"/>
+            <a:avLst/>
+            <a:gdLst/>
+            <a:ahLst/>
+            <a:cxnLst/>
+            <a:rect l="l" t="t" r="r" b="b"/>
             <a:pathLst>
-              <a:path extrusionOk="0" h="120000" w="120000">
+              <a:path w="120000" h="120000" extrusionOk="0">
                 <a:moveTo>
                   <a:pt x="0" y="0"/>
                 </a:moveTo>
@@ -860,9 +886,11 @@
       <p:sp>
         <p:nvSpPr>
           <p:cNvPr id="65" name="Google Shape;65;g19dbd595322_0_177:notes"/>
-          <p:cNvSpPr txBox="1"/>
+          <p:cNvSpPr txBox="1">
+            <a:spLocks noGrp="1"/>
+          </p:cNvSpPr>
           <p:nvPr>
-            <p:ph idx="1" type="body"/>
+            <p:ph type="body" idx="1"/>
           </p:nvPr>
         </p:nvSpPr>
         <p:spPr>
@@ -875,12 +903,12 @@
           </a:prstGeom>
         </p:spPr>
         <p:txBody>
-          <a:bodyPr anchorCtr="0" anchor="t" bIns="91425" lIns="91425" spcFirstLastPara="1" rIns="91425" wrap="square" tIns="91425">
+          <a:bodyPr spcFirstLastPara="1" wrap="square" lIns="91425" tIns="91425" rIns="91425" bIns="91425" anchor="t" anchorCtr="0">
             <a:noAutofit/>
           </a:bodyPr>
           <a:lstStyle/>
           <a:p>
-            <a:pPr indent="0" lvl="0" marL="0" rtl="0" algn="l">
+            <a:pPr marL="0" lvl="0" indent="0" algn="l" rtl="0">
               <a:spcBef>
                 <a:spcPts val="0"/>
               </a:spcBef>
@@ -889,9 +917,6 @@
               </a:spcAft>
               <a:buNone/>
             </a:pPr>
-            <a:r>
-              <a:t/>
-            </a:r>
             <a:endParaRPr/>
           </a:p>
         </p:txBody>
@@ -905,11 +930,11 @@
 </file>
 
 <file path=ppt/notesSlides/notesSlide3.xml><?xml version="1.0" encoding="utf-8"?>
-<p:notes xmlns:a="http://schemas.openxmlformats.org/drawingml/2006/main" xmlns:r="http://schemas.openxmlformats.org/officeDocument/2006/relationships" xmlns:mc="http://schemas.openxmlformats.org/markup-compatibility/2006" xmlns:mv="urn:schemas-microsoft-com:mac:vml" xmlns:p="http://schemas.openxmlformats.org/presentationml/2006/main" xmlns:c="http://schemas.openxmlformats.org/drawingml/2006/chart" xmlns:dgm="http://schemas.openxmlformats.org/drawingml/2006/diagram" xmlns:o="urn:schemas-microsoft-com:office:office" xmlns:v="urn:schemas-microsoft-com:vml" xmlns:pvml="urn:schemas-microsoft-com:office:powerpoint" xmlns:com="http://schemas.openxmlformats.org/drawingml/2006/compatibility" xmlns:p14="http://schemas.microsoft.com/office/powerpoint/2010/main" xmlns:p15="http://schemas.microsoft.com/office/powerpoint/2012/main" xmlns:ahyp="http://schemas.microsoft.com/office/drawing/2018/hyperlinkcolor" showMasterPhAnim="0" showMasterSp="0">
+<p:notes xmlns:a="http://schemas.openxmlformats.org/drawingml/2006/main" xmlns:r="http://schemas.openxmlformats.org/officeDocument/2006/relationships" xmlns:p="http://schemas.openxmlformats.org/presentationml/2006/main" showMasterSp="0" showMasterPhAnim="0">
   <p:cSld>
     <p:spTree>
       <p:nvGrpSpPr>
-        <p:cNvPr id="96" name="Shape 96"/>
+        <p:cNvPr id="1" name="Shape 96"/>
         <p:cNvGrpSpPr/>
         <p:nvPr/>
       </p:nvGrpSpPr>
@@ -924,9 +949,11 @@
       <p:sp>
         <p:nvSpPr>
           <p:cNvPr id="97" name="Google Shape;97;g19dbd595322_0_245:notes"/>
-          <p:cNvSpPr/>
+          <p:cNvSpPr>
+            <a:spLocks noGrp="1" noRot="1" noChangeAspect="1"/>
+          </p:cNvSpPr>
           <p:nvPr>
-            <p:ph idx="2" type="sldImg"/>
+            <p:ph type="sldImg" idx="2"/>
           </p:nvPr>
         </p:nvSpPr>
         <p:spPr>
@@ -935,9 +962,13 @@
             <a:ext cx="2424600" cy="3429000"/>
           </a:xfrm>
           <a:custGeom>
-            <a:rect b="b" l="l" r="r" t="t"/>
+            <a:avLst/>
+            <a:gdLst/>
+            <a:ahLst/>
+            <a:cxnLst/>
+            <a:rect l="l" t="t" r="r" b="b"/>
             <a:pathLst>
-              <a:path extrusionOk="0" h="120000" w="120000">
+              <a:path w="120000" h="120000" extrusionOk="0">
                 <a:moveTo>
                   <a:pt x="0" y="0"/>
                 </a:moveTo>
@@ -959,9 +990,11 @@
       <p:sp>
         <p:nvSpPr>
           <p:cNvPr id="98" name="Google Shape;98;g19dbd595322_0_245:notes"/>
-          <p:cNvSpPr txBox="1"/>
+          <p:cNvSpPr txBox="1">
+            <a:spLocks noGrp="1"/>
+          </p:cNvSpPr>
           <p:nvPr>
-            <p:ph idx="1" type="body"/>
+            <p:ph type="body" idx="1"/>
           </p:nvPr>
         </p:nvSpPr>
         <p:spPr>
@@ -974,12 +1007,12 @@
           </a:prstGeom>
         </p:spPr>
         <p:txBody>
-          <a:bodyPr anchorCtr="0" anchor="t" bIns="91425" lIns="91425" spcFirstLastPara="1" rIns="91425" wrap="square" tIns="91425">
+          <a:bodyPr spcFirstLastPara="1" wrap="square" lIns="91425" tIns="91425" rIns="91425" bIns="91425" anchor="t" anchorCtr="0">
             <a:noAutofit/>
           </a:bodyPr>
           <a:lstStyle/>
           <a:p>
-            <a:pPr indent="0" lvl="0" marL="0" rtl="0" algn="l">
+            <a:pPr marL="0" lvl="0" indent="0" algn="l" rtl="0">
               <a:spcBef>
                 <a:spcPts val="0"/>
               </a:spcBef>
@@ -988,9 +1021,6 @@
               </a:spcAft>
               <a:buNone/>
             </a:pPr>
-            <a:r>
-              <a:t/>
-            </a:r>
             <a:endParaRPr/>
           </a:p>
         </p:txBody>
@@ -1004,11 +1034,11 @@
 </file>
 
 <file path=ppt/notesSlides/notesSlide4.xml><?xml version="1.0" encoding="utf-8"?>
-<p:notes xmlns:a="http://schemas.openxmlformats.org/drawingml/2006/main" xmlns:r="http://schemas.openxmlformats.org/officeDocument/2006/relationships" xmlns:mc="http://schemas.openxmlformats.org/markup-compatibility/2006" xmlns:mv="urn:schemas-microsoft-com:mac:vml" xmlns:p="http://schemas.openxmlformats.org/presentationml/2006/main" xmlns:c="http://schemas.openxmlformats.org/drawingml/2006/chart" xmlns:dgm="http://schemas.openxmlformats.org/drawingml/2006/diagram" xmlns:o="urn:schemas-microsoft-com:office:office" xmlns:v="urn:schemas-microsoft-com:vml" xmlns:pvml="urn:schemas-microsoft-com:office:powerpoint" xmlns:com="http://schemas.openxmlformats.org/drawingml/2006/compatibility" xmlns:p14="http://schemas.microsoft.com/office/powerpoint/2010/main" xmlns:p15="http://schemas.microsoft.com/office/powerpoint/2012/main" xmlns:ahyp="http://schemas.microsoft.com/office/drawing/2018/hyperlinkcolor" showMasterPhAnim="0" showMasterSp="0">
+<p:notes xmlns:a="http://schemas.openxmlformats.org/drawingml/2006/main" xmlns:r="http://schemas.openxmlformats.org/officeDocument/2006/relationships" xmlns:p="http://schemas.openxmlformats.org/presentationml/2006/main" showMasterSp="0" showMasterPhAnim="0">
   <p:cSld>
     <p:spTree>
       <p:nvGrpSpPr>
-        <p:cNvPr id="103" name="Shape 103"/>
+        <p:cNvPr id="1" name="Shape 103"/>
         <p:cNvGrpSpPr/>
         <p:nvPr/>
       </p:nvGrpSpPr>
@@ -1023,9 +1053,11 @@
       <p:sp>
         <p:nvSpPr>
           <p:cNvPr id="104" name="Google Shape;104;g19dbd595322_0_275:notes"/>
-          <p:cNvSpPr/>
+          <p:cNvSpPr>
+            <a:spLocks noGrp="1" noRot="1" noChangeAspect="1"/>
+          </p:cNvSpPr>
           <p:nvPr>
-            <p:ph idx="2" type="sldImg"/>
+            <p:ph type="sldImg" idx="2"/>
           </p:nvPr>
         </p:nvSpPr>
         <p:spPr>
@@ -1034,9 +1066,13 @@
             <a:ext cx="2424600" cy="3429000"/>
           </a:xfrm>
           <a:custGeom>
-            <a:rect b="b" l="l" r="r" t="t"/>
+            <a:avLst/>
+            <a:gdLst/>
+            <a:ahLst/>
+            <a:cxnLst/>
+            <a:rect l="l" t="t" r="r" b="b"/>
             <a:pathLst>
-              <a:path extrusionOk="0" h="120000" w="120000">
+              <a:path w="120000" h="120000" extrusionOk="0">
                 <a:moveTo>
                   <a:pt x="0" y="0"/>
                 </a:moveTo>
@@ -1058,9 +1094,11 @@
       <p:sp>
         <p:nvSpPr>
           <p:cNvPr id="105" name="Google Shape;105;g19dbd595322_0_275:notes"/>
-          <p:cNvSpPr txBox="1"/>
+          <p:cNvSpPr txBox="1">
+            <a:spLocks noGrp="1"/>
+          </p:cNvSpPr>
           <p:nvPr>
-            <p:ph idx="1" type="body"/>
+            <p:ph type="body" idx="1"/>
           </p:nvPr>
         </p:nvSpPr>
         <p:spPr>
@@ -1073,12 +1111,12 @@
           </a:prstGeom>
         </p:spPr>
         <p:txBody>
-          <a:bodyPr anchorCtr="0" anchor="t" bIns="91425" lIns="91425" spcFirstLastPara="1" rIns="91425" wrap="square" tIns="91425">
+          <a:bodyPr spcFirstLastPara="1" wrap="square" lIns="91425" tIns="91425" rIns="91425" bIns="91425" anchor="t" anchorCtr="0">
             <a:noAutofit/>
           </a:bodyPr>
           <a:lstStyle/>
           <a:p>
-            <a:pPr indent="0" lvl="0" marL="0" rtl="0" algn="l">
+            <a:pPr marL="0" lvl="0" indent="0" algn="l" rtl="0">
               <a:spcBef>
                 <a:spcPts val="0"/>
               </a:spcBef>
@@ -1087,9 +1125,6 @@
               </a:spcAft>
               <a:buNone/>
             </a:pPr>
-            <a:r>
-              <a:t/>
-            </a:r>
             <a:endParaRPr/>
           </a:p>
         </p:txBody>
@@ -1103,11 +1138,11 @@
 </file>
 
 <file path=ppt/notesSlides/notesSlide5.xml><?xml version="1.0" encoding="utf-8"?>
-<p:notes xmlns:a="http://schemas.openxmlformats.org/drawingml/2006/main" xmlns:r="http://schemas.openxmlformats.org/officeDocument/2006/relationships" xmlns:mc="http://schemas.openxmlformats.org/markup-compatibility/2006" xmlns:mv="urn:schemas-microsoft-com:mac:vml" xmlns:p="http://schemas.openxmlformats.org/presentationml/2006/main" xmlns:c="http://schemas.openxmlformats.org/drawingml/2006/chart" xmlns:dgm="http://schemas.openxmlformats.org/drawingml/2006/diagram" xmlns:o="urn:schemas-microsoft-com:office:office" xmlns:v="urn:schemas-microsoft-com:vml" xmlns:pvml="urn:schemas-microsoft-com:office:powerpoint" xmlns:com="http://schemas.openxmlformats.org/drawingml/2006/compatibility" xmlns:p14="http://schemas.microsoft.com/office/powerpoint/2010/main" xmlns:p15="http://schemas.microsoft.com/office/powerpoint/2012/main" xmlns:ahyp="http://schemas.microsoft.com/office/drawing/2018/hyperlinkcolor" showMasterPhAnim="0" showMasterSp="0">
+<p:notes xmlns:a="http://schemas.openxmlformats.org/drawingml/2006/main" xmlns:r="http://schemas.openxmlformats.org/officeDocument/2006/relationships" xmlns:p="http://schemas.openxmlformats.org/presentationml/2006/main" showMasterSp="0" showMasterPhAnim="0">
   <p:cSld>
     <p:spTree>
       <p:nvGrpSpPr>
-        <p:cNvPr id="110" name="Shape 110"/>
+        <p:cNvPr id="1" name="Shape 110"/>
         <p:cNvGrpSpPr/>
         <p:nvPr/>
       </p:nvGrpSpPr>
@@ -1122,9 +1157,11 @@
       <p:sp>
         <p:nvSpPr>
           <p:cNvPr id="111" name="Google Shape;111;g19f0e8af2ff_0_2:notes"/>
-          <p:cNvSpPr/>
+          <p:cNvSpPr>
+            <a:spLocks noGrp="1" noRot="1" noChangeAspect="1"/>
+          </p:cNvSpPr>
           <p:nvPr>
-            <p:ph idx="2" type="sldImg"/>
+            <p:ph type="sldImg" idx="2"/>
           </p:nvPr>
         </p:nvSpPr>
         <p:spPr>
@@ -1133,9 +1170,13 @@
             <a:ext cx="2424600" cy="3429000"/>
           </a:xfrm>
           <a:custGeom>
-            <a:rect b="b" l="l" r="r" t="t"/>
+            <a:avLst/>
+            <a:gdLst/>
+            <a:ahLst/>
+            <a:cxnLst/>
+            <a:rect l="l" t="t" r="r" b="b"/>
             <a:pathLst>
-              <a:path extrusionOk="0" h="120000" w="120000">
+              <a:path w="120000" h="120000" extrusionOk="0">
                 <a:moveTo>
                   <a:pt x="0" y="0"/>
                 </a:moveTo>
@@ -1157,9 +1198,11 @@
       <p:sp>
         <p:nvSpPr>
           <p:cNvPr id="112" name="Google Shape;112;g19f0e8af2ff_0_2:notes"/>
-          <p:cNvSpPr txBox="1"/>
+          <p:cNvSpPr txBox="1">
+            <a:spLocks noGrp="1"/>
+          </p:cNvSpPr>
           <p:nvPr>
-            <p:ph idx="1" type="body"/>
+            <p:ph type="body" idx="1"/>
           </p:nvPr>
         </p:nvSpPr>
         <p:spPr>
@@ -1172,12 +1215,12 @@
           </a:prstGeom>
         </p:spPr>
         <p:txBody>
-          <a:bodyPr anchorCtr="0" anchor="t" bIns="91425" lIns="91425" spcFirstLastPara="1" rIns="91425" wrap="square" tIns="91425">
+          <a:bodyPr spcFirstLastPara="1" wrap="square" lIns="91425" tIns="91425" rIns="91425" bIns="91425" anchor="t" anchorCtr="0">
             <a:noAutofit/>
           </a:bodyPr>
           <a:lstStyle/>
           <a:p>
-            <a:pPr indent="0" lvl="0" marL="0" rtl="0" algn="l">
+            <a:pPr marL="0" lvl="0" indent="0" algn="l" rtl="0">
               <a:spcBef>
                 <a:spcPts val="0"/>
               </a:spcBef>
@@ -1186,9 +1229,6 @@
               </a:spcAft>
               <a:buNone/>
             </a:pPr>
-            <a:r>
-              <a:t/>
-            </a:r>
             <a:endParaRPr/>
           </a:p>
         </p:txBody>
@@ -1202,11 +1242,11 @@
 </file>
 
 <file path=ppt/notesSlides/notesSlide6.xml><?xml version="1.0" encoding="utf-8"?>
-<p:notes xmlns:a="http://schemas.openxmlformats.org/drawingml/2006/main" xmlns:r="http://schemas.openxmlformats.org/officeDocument/2006/relationships" xmlns:mc="http://schemas.openxmlformats.org/markup-compatibility/2006" xmlns:mv="urn:schemas-microsoft-com:mac:vml" xmlns:p="http://schemas.openxmlformats.org/presentationml/2006/main" xmlns:c="http://schemas.openxmlformats.org/drawingml/2006/chart" xmlns:dgm="http://schemas.openxmlformats.org/drawingml/2006/diagram" xmlns:o="urn:schemas-microsoft-com:office:office" xmlns:v="urn:schemas-microsoft-com:vml" xmlns:pvml="urn:schemas-microsoft-com:office:powerpoint" xmlns:com="http://schemas.openxmlformats.org/drawingml/2006/compatibility" xmlns:p14="http://schemas.microsoft.com/office/powerpoint/2010/main" xmlns:p15="http://schemas.microsoft.com/office/powerpoint/2012/main" xmlns:ahyp="http://schemas.microsoft.com/office/drawing/2018/hyperlinkcolor" showMasterPhAnim="0" showMasterSp="0">
+<p:notes xmlns:a="http://schemas.openxmlformats.org/drawingml/2006/main" xmlns:r="http://schemas.openxmlformats.org/officeDocument/2006/relationships" xmlns:p="http://schemas.openxmlformats.org/presentationml/2006/main" showMasterSp="0" showMasterPhAnim="0">
   <p:cSld>
     <p:spTree>
       <p:nvGrpSpPr>
-        <p:cNvPr id="121" name="Shape 121"/>
+        <p:cNvPr id="1" name="Shape 121"/>
         <p:cNvGrpSpPr/>
         <p:nvPr/>
       </p:nvGrpSpPr>
@@ -1221,9 +1261,11 @@
       <p:sp>
         <p:nvSpPr>
           <p:cNvPr id="122" name="Google Shape;122;g19f0e8af2ff_0_23:notes"/>
-          <p:cNvSpPr/>
+          <p:cNvSpPr>
+            <a:spLocks noGrp="1" noRot="1" noChangeAspect="1"/>
+          </p:cNvSpPr>
           <p:nvPr>
-            <p:ph idx="2" type="sldImg"/>
+            <p:ph type="sldImg" idx="2"/>
           </p:nvPr>
         </p:nvSpPr>
         <p:spPr>
@@ -1232,9 +1274,13 @@
             <a:ext cx="2424600" cy="3429000"/>
           </a:xfrm>
           <a:custGeom>
-            <a:rect b="b" l="l" r="r" t="t"/>
+            <a:avLst/>
+            <a:gdLst/>
+            <a:ahLst/>
+            <a:cxnLst/>
+            <a:rect l="l" t="t" r="r" b="b"/>
             <a:pathLst>
-              <a:path extrusionOk="0" h="120000" w="120000">
+              <a:path w="120000" h="120000" extrusionOk="0">
                 <a:moveTo>
                   <a:pt x="0" y="0"/>
                 </a:moveTo>
@@ -1256,9 +1302,11 @@
       <p:sp>
         <p:nvSpPr>
           <p:cNvPr id="123" name="Google Shape;123;g19f0e8af2ff_0_23:notes"/>
-          <p:cNvSpPr txBox="1"/>
+          <p:cNvSpPr txBox="1">
+            <a:spLocks noGrp="1"/>
+          </p:cNvSpPr>
           <p:nvPr>
-            <p:ph idx="1" type="body"/>
+            <p:ph type="body" idx="1"/>
           </p:nvPr>
         </p:nvSpPr>
         <p:spPr>
@@ -1271,12 +1319,12 @@
           </a:prstGeom>
         </p:spPr>
         <p:txBody>
-          <a:bodyPr anchorCtr="0" anchor="t" bIns="91425" lIns="91425" spcFirstLastPara="1" rIns="91425" wrap="square" tIns="91425">
+          <a:bodyPr spcFirstLastPara="1" wrap="square" lIns="91425" tIns="91425" rIns="91425" bIns="91425" anchor="t" anchorCtr="0">
             <a:noAutofit/>
           </a:bodyPr>
           <a:lstStyle/>
           <a:p>
-            <a:pPr indent="0" lvl="0" marL="0" rtl="0" algn="l">
+            <a:pPr marL="0" lvl="0" indent="0" algn="l" rtl="0">
               <a:spcBef>
                 <a:spcPts val="0"/>
               </a:spcBef>
@@ -1285,9 +1333,6 @@
               </a:spcAft>
               <a:buNone/>
             </a:pPr>
-            <a:r>
-              <a:t/>
-            </a:r>
             <a:endParaRPr/>
           </a:p>
         </p:txBody>
@@ -1301,11 +1346,11 @@
 </file>
 
 <file path=ppt/notesSlides/notesSlide7.xml><?xml version="1.0" encoding="utf-8"?>
-<p:notes xmlns:a="http://schemas.openxmlformats.org/drawingml/2006/main" xmlns:r="http://schemas.openxmlformats.org/officeDocument/2006/relationships" xmlns:mc="http://schemas.openxmlformats.org/markup-compatibility/2006" xmlns:mv="urn:schemas-microsoft-com:mac:vml" xmlns:p="http://schemas.openxmlformats.org/presentationml/2006/main" xmlns:c="http://schemas.openxmlformats.org/drawingml/2006/chart" xmlns:dgm="http://schemas.openxmlformats.org/drawingml/2006/diagram" xmlns:o="urn:schemas-microsoft-com:office:office" xmlns:v="urn:schemas-microsoft-com:vml" xmlns:pvml="urn:schemas-microsoft-com:office:powerpoint" xmlns:com="http://schemas.openxmlformats.org/drawingml/2006/compatibility" xmlns:p14="http://schemas.microsoft.com/office/powerpoint/2010/main" xmlns:p15="http://schemas.microsoft.com/office/powerpoint/2012/main" xmlns:ahyp="http://schemas.microsoft.com/office/drawing/2018/hyperlinkcolor" showMasterPhAnim="0" showMasterSp="0">
+<p:notes xmlns:a="http://schemas.openxmlformats.org/drawingml/2006/main" xmlns:r="http://schemas.openxmlformats.org/officeDocument/2006/relationships" xmlns:p="http://schemas.openxmlformats.org/presentationml/2006/main" showMasterSp="0" showMasterPhAnim="0">
   <p:cSld>
     <p:spTree>
       <p:nvGrpSpPr>
-        <p:cNvPr id="130" name="Shape 130"/>
+        <p:cNvPr id="1" name="Shape 130"/>
         <p:cNvGrpSpPr/>
         <p:nvPr/>
       </p:nvGrpSpPr>
@@ -1320,9 +1365,11 @@
       <p:sp>
         <p:nvSpPr>
           <p:cNvPr id="131" name="Google Shape;131;g2f2d6b78d77_0_8:notes"/>
-          <p:cNvSpPr/>
+          <p:cNvSpPr>
+            <a:spLocks noGrp="1" noRot="1" noChangeAspect="1"/>
+          </p:cNvSpPr>
           <p:nvPr>
-            <p:ph idx="2" type="sldImg"/>
+            <p:ph type="sldImg" idx="2"/>
           </p:nvPr>
         </p:nvSpPr>
         <p:spPr>
@@ -1331,9 +1378,13 @@
             <a:ext cx="2424600" cy="3429000"/>
           </a:xfrm>
           <a:custGeom>
-            <a:rect b="b" l="l" r="r" t="t"/>
+            <a:avLst/>
+            <a:gdLst/>
+            <a:ahLst/>
+            <a:cxnLst/>
+            <a:rect l="l" t="t" r="r" b="b"/>
             <a:pathLst>
-              <a:path extrusionOk="0" h="120000" w="120000">
+              <a:path w="120000" h="120000" extrusionOk="0">
                 <a:moveTo>
                   <a:pt x="0" y="0"/>
                 </a:moveTo>
@@ -1355,9 +1406,11 @@
       <p:sp>
         <p:nvSpPr>
           <p:cNvPr id="132" name="Google Shape;132;g2f2d6b78d77_0_8:notes"/>
-          <p:cNvSpPr txBox="1"/>
+          <p:cNvSpPr txBox="1">
+            <a:spLocks noGrp="1"/>
+          </p:cNvSpPr>
           <p:nvPr>
-            <p:ph idx="1" type="body"/>
+            <p:ph type="body" idx="1"/>
           </p:nvPr>
         </p:nvSpPr>
         <p:spPr>
@@ -1370,12 +1423,12 @@
           </a:prstGeom>
         </p:spPr>
         <p:txBody>
-          <a:bodyPr anchorCtr="0" anchor="t" bIns="91425" lIns="91425" spcFirstLastPara="1" rIns="91425" wrap="square" tIns="91425">
+          <a:bodyPr spcFirstLastPara="1" wrap="square" lIns="91425" tIns="91425" rIns="91425" bIns="91425" anchor="t" anchorCtr="0">
             <a:noAutofit/>
           </a:bodyPr>
           <a:lstStyle/>
           <a:p>
-            <a:pPr indent="0" lvl="0" marL="0" rtl="0" algn="l">
+            <a:pPr marL="0" lvl="0" indent="0" algn="l" rtl="0">
               <a:spcBef>
                 <a:spcPts val="0"/>
               </a:spcBef>
@@ -1384,9 +1437,6 @@
               </a:spcAft>
               <a:buNone/>
             </a:pPr>
-            <a:r>
-              <a:t/>
-            </a:r>
             <a:endParaRPr/>
           </a:p>
         </p:txBody>
@@ -1400,11 +1450,11 @@
 </file>
 
 <file path=ppt/notesSlides/notesSlide8.xml><?xml version="1.0" encoding="utf-8"?>
-<p:notes xmlns:a="http://schemas.openxmlformats.org/drawingml/2006/main" xmlns:r="http://schemas.openxmlformats.org/officeDocument/2006/relationships" xmlns:mc="http://schemas.openxmlformats.org/markup-compatibility/2006" xmlns:mv="urn:schemas-microsoft-com:mac:vml" xmlns:p="http://schemas.openxmlformats.org/presentationml/2006/main" xmlns:c="http://schemas.openxmlformats.org/drawingml/2006/chart" xmlns:dgm="http://schemas.openxmlformats.org/drawingml/2006/diagram" xmlns:o="urn:schemas-microsoft-com:office:office" xmlns:v="urn:schemas-microsoft-com:vml" xmlns:pvml="urn:schemas-microsoft-com:office:powerpoint" xmlns:com="http://schemas.openxmlformats.org/drawingml/2006/compatibility" xmlns:p14="http://schemas.microsoft.com/office/powerpoint/2010/main" xmlns:p15="http://schemas.microsoft.com/office/powerpoint/2012/main" xmlns:ahyp="http://schemas.microsoft.com/office/drawing/2018/hyperlinkcolor" showMasterPhAnim="0" showMasterSp="0">
+<p:notes xmlns:a="http://schemas.openxmlformats.org/drawingml/2006/main" xmlns:r="http://schemas.openxmlformats.org/officeDocument/2006/relationships" xmlns:p="http://schemas.openxmlformats.org/presentationml/2006/main" showMasterSp="0" showMasterPhAnim="0">
   <p:cSld>
     <p:spTree>
       <p:nvGrpSpPr>
-        <p:cNvPr id="140" name="Shape 140"/>
+        <p:cNvPr id="1" name="Shape 140"/>
         <p:cNvGrpSpPr/>
         <p:nvPr/>
       </p:nvGrpSpPr>
@@ -1419,9 +1469,11 @@
       <p:sp>
         <p:nvSpPr>
           <p:cNvPr id="141" name="Google Shape;141;g19f0e8af2ff_0_37:notes"/>
-          <p:cNvSpPr/>
+          <p:cNvSpPr>
+            <a:spLocks noGrp="1" noRot="1" noChangeAspect="1"/>
+          </p:cNvSpPr>
           <p:nvPr>
-            <p:ph idx="2" type="sldImg"/>
+            <p:ph type="sldImg" idx="2"/>
           </p:nvPr>
         </p:nvSpPr>
         <p:spPr>
@@ -1430,9 +1482,13 @@
             <a:ext cx="2424600" cy="3429000"/>
           </a:xfrm>
           <a:custGeom>
-            <a:rect b="b" l="l" r="r" t="t"/>
+            <a:avLst/>
+            <a:gdLst/>
+            <a:ahLst/>
+            <a:cxnLst/>
+            <a:rect l="l" t="t" r="r" b="b"/>
             <a:pathLst>
-              <a:path extrusionOk="0" h="120000" w="120000">
+              <a:path w="120000" h="120000" extrusionOk="0">
                 <a:moveTo>
                   <a:pt x="0" y="0"/>
                 </a:moveTo>
@@ -1454,9 +1510,11 @@
       <p:sp>
         <p:nvSpPr>
           <p:cNvPr id="142" name="Google Shape;142;g19f0e8af2ff_0_37:notes"/>
-          <p:cNvSpPr txBox="1"/>
+          <p:cNvSpPr txBox="1">
+            <a:spLocks noGrp="1"/>
+          </p:cNvSpPr>
           <p:nvPr>
-            <p:ph idx="1" type="body"/>
+            <p:ph type="body" idx="1"/>
           </p:nvPr>
         </p:nvSpPr>
         <p:spPr>
@@ -1469,12 +1527,12 @@
           </a:prstGeom>
         </p:spPr>
         <p:txBody>
-          <a:bodyPr anchorCtr="0" anchor="t" bIns="91425" lIns="91425" spcFirstLastPara="1" rIns="91425" wrap="square" tIns="91425">
+          <a:bodyPr spcFirstLastPara="1" wrap="square" lIns="91425" tIns="91425" rIns="91425" bIns="91425" anchor="t" anchorCtr="0">
             <a:noAutofit/>
           </a:bodyPr>
           <a:lstStyle/>
           <a:p>
-            <a:pPr indent="0" lvl="0" marL="0" rtl="0" algn="l">
+            <a:pPr marL="0" lvl="0" indent="0" algn="l" rtl="0">
               <a:spcBef>
                 <a:spcPts val="0"/>
               </a:spcBef>
@@ -1483,9 +1541,6 @@
               </a:spcAft>
               <a:buNone/>
             </a:pPr>
-            <a:r>
-              <a:t/>
-            </a:r>
             <a:endParaRPr/>
           </a:p>
         </p:txBody>
@@ -1499,11 +1554,11 @@
 </file>
 
 <file path=ppt/slideLayouts/slideLayout1.xml><?xml version="1.0" encoding="utf-8"?>
-<p:sldLayout xmlns:a="http://schemas.openxmlformats.org/drawingml/2006/main" xmlns:r="http://schemas.openxmlformats.org/officeDocument/2006/relationships" xmlns:mc="http://schemas.openxmlformats.org/markup-compatibility/2006" xmlns:mv="urn:schemas-microsoft-com:mac:vml" xmlns:p="http://schemas.openxmlformats.org/presentationml/2006/main" xmlns:c="http://schemas.openxmlformats.org/drawingml/2006/chart" xmlns:dgm="http://schemas.openxmlformats.org/drawingml/2006/diagram" xmlns:o="urn:schemas-microsoft-com:office:office" xmlns:v="urn:schemas-microsoft-com:vml" xmlns:pvml="urn:schemas-microsoft-com:office:powerpoint" xmlns:com="http://schemas.openxmlformats.org/drawingml/2006/compatibility" xmlns:p14="http://schemas.microsoft.com/office/powerpoint/2010/main" xmlns:p15="http://schemas.microsoft.com/office/powerpoint/2012/main" xmlns:ahyp="http://schemas.microsoft.com/office/drawing/2018/hyperlinkcolor" matchingName="Title slide" type="title">
+<p:sldLayout xmlns:a="http://schemas.openxmlformats.org/drawingml/2006/main" xmlns:r="http://schemas.openxmlformats.org/officeDocument/2006/relationships" xmlns:p="http://schemas.openxmlformats.org/presentationml/2006/main" matchingName="Title slide" type="title">
   <p:cSld name="TITLE">
     <p:spTree>
       <p:nvGrpSpPr>
-        <p:cNvPr id="9" name="Shape 9"/>
+        <p:cNvPr id="1" name="Shape 9"/>
         <p:cNvGrpSpPr/>
         <p:nvPr/>
       </p:nvGrpSpPr>
@@ -1518,7 +1573,9 @@
       <p:sp>
         <p:nvSpPr>
           <p:cNvPr id="10" name="Google Shape;10;p2"/>
-          <p:cNvSpPr txBox="1"/>
+          <p:cNvSpPr txBox="1">
+            <a:spLocks noGrp="1"/>
+          </p:cNvSpPr>
           <p:nvPr>
             <p:ph type="ctrTitle"/>
           </p:nvPr>
@@ -1533,7 +1590,7 @@
           </a:prstGeom>
         </p:spPr>
         <p:txBody>
-          <a:bodyPr anchorCtr="0" anchor="b" bIns="91425" lIns="91425" spcFirstLastPara="1" rIns="91425" wrap="square" tIns="91425">
+          <a:bodyPr spcFirstLastPara="1" wrap="square" lIns="91425" tIns="91425" rIns="91425" bIns="91425" anchor="b" anchorCtr="0">
             <a:normAutofit/>
           </a:bodyPr>
           <a:lstStyle>
@@ -1637,15 +1694,19 @@
               <a:defRPr sz="5200"/>
             </a:lvl9pPr>
           </a:lstStyle>
-          <a:p/>
+          <a:p>
+            <a:endParaRPr/>
+          </a:p>
         </p:txBody>
       </p:sp>
       <p:sp>
         <p:nvSpPr>
           <p:cNvPr id="11" name="Google Shape;11;p2"/>
-          <p:cNvSpPr txBox="1"/>
+          <p:cNvSpPr txBox="1">
+            <a:spLocks noGrp="1"/>
+          </p:cNvSpPr>
           <p:nvPr>
-            <p:ph idx="1" type="subTitle"/>
+            <p:ph type="subTitle" idx="1"/>
           </p:nvPr>
         </p:nvSpPr>
         <p:spPr>
@@ -1658,7 +1719,7 @@
           </a:prstGeom>
         </p:spPr>
         <p:txBody>
-          <a:bodyPr anchorCtr="0" anchor="t" bIns="91425" lIns="91425" spcFirstLastPara="1" rIns="91425" wrap="square" tIns="91425">
+          <a:bodyPr spcFirstLastPara="1" wrap="square" lIns="91425" tIns="91425" rIns="91425" bIns="91425" anchor="t" anchorCtr="0">
             <a:normAutofit/>
           </a:bodyPr>
           <a:lstStyle>
@@ -1789,15 +1850,19 @@
               <a:defRPr sz="2800"/>
             </a:lvl9pPr>
           </a:lstStyle>
-          <a:p/>
+          <a:p>
+            <a:endParaRPr/>
+          </a:p>
         </p:txBody>
       </p:sp>
       <p:sp>
         <p:nvSpPr>
           <p:cNvPr id="12" name="Google Shape;12;p2"/>
-          <p:cNvSpPr txBox="1"/>
+          <p:cNvSpPr txBox="1">
+            <a:spLocks noGrp="1"/>
+          </p:cNvSpPr>
           <p:nvPr>
-            <p:ph idx="12" type="sldNum"/>
+            <p:ph type="sldNum" idx="12"/>
           </p:nvPr>
         </p:nvSpPr>
         <p:spPr>
@@ -1810,7 +1875,7 @@
           </a:prstGeom>
         </p:spPr>
         <p:txBody>
-          <a:bodyPr anchorCtr="0" anchor="t" bIns="91425" lIns="91425" spcFirstLastPara="1" rIns="91425" wrap="square" tIns="91425">
+          <a:bodyPr spcFirstLastPara="1" wrap="square" lIns="91425" tIns="91425" rIns="91425" bIns="91425" anchor="t" anchorCtr="0">
             <a:noAutofit/>
           </a:bodyPr>
           <a:lstStyle>
@@ -1852,7 +1917,7 @@
             </a:lvl9pPr>
           </a:lstStyle>
           <a:p>
-            <a:pPr indent="0" lvl="0" marL="0" rtl="0" algn="ctr">
+            <a:pPr marL="0" lvl="0" indent="0" algn="ctr" rtl="0">
               <a:spcBef>
                 <a:spcPts val="0"/>
               </a:spcBef>
@@ -1878,11 +1943,11 @@
 </file>
 
 <file path=ppt/slideLayouts/slideLayout10.xml><?xml version="1.0" encoding="utf-8"?>
-<p:sldLayout xmlns:a="http://schemas.openxmlformats.org/drawingml/2006/main" xmlns:r="http://schemas.openxmlformats.org/officeDocument/2006/relationships" xmlns:mc="http://schemas.openxmlformats.org/markup-compatibility/2006" xmlns:mv="urn:schemas-microsoft-com:mac:vml" xmlns:p="http://schemas.openxmlformats.org/presentationml/2006/main" xmlns:c="http://schemas.openxmlformats.org/drawingml/2006/chart" xmlns:dgm="http://schemas.openxmlformats.org/drawingml/2006/diagram" xmlns:o="urn:schemas-microsoft-com:office:office" xmlns:v="urn:schemas-microsoft-com:vml" xmlns:pvml="urn:schemas-microsoft-com:office:powerpoint" xmlns:com="http://schemas.openxmlformats.org/drawingml/2006/compatibility" xmlns:p14="http://schemas.microsoft.com/office/powerpoint/2010/main" xmlns:p15="http://schemas.microsoft.com/office/powerpoint/2012/main" xmlns:ahyp="http://schemas.microsoft.com/office/drawing/2018/hyperlinkcolor" matchingName="Big number">
+<p:sldLayout xmlns:a="http://schemas.openxmlformats.org/drawingml/2006/main" xmlns:r="http://schemas.openxmlformats.org/officeDocument/2006/relationships" xmlns:p="http://schemas.openxmlformats.org/presentationml/2006/main" matchingName="Big number">
   <p:cSld name="BIG_NUMBER">
     <p:spTree>
       <p:nvGrpSpPr>
-        <p:cNvPr id="46" name="Shape 46"/>
+        <p:cNvPr id="1" name="Shape 46"/>
         <p:cNvGrpSpPr/>
         <p:nvPr/>
       </p:nvGrpSpPr>
@@ -1897,9 +1962,11 @@
       <p:sp>
         <p:nvSpPr>
           <p:cNvPr id="47" name="Google Shape;47;p11"/>
-          <p:cNvSpPr txBox="1"/>
+          <p:cNvSpPr txBox="1">
+            <a:spLocks noGrp="1"/>
+          </p:cNvSpPr>
           <p:nvPr>
-            <p:ph hasCustomPrompt="1" type="title"/>
+            <p:ph type="title" hasCustomPrompt="1"/>
           </p:nvPr>
         </p:nvSpPr>
         <p:spPr>
@@ -1912,7 +1979,7 @@
           </a:prstGeom>
         </p:spPr>
         <p:txBody>
-          <a:bodyPr anchorCtr="0" anchor="b" bIns="91425" lIns="91425" spcFirstLastPara="1" rIns="91425" wrap="square" tIns="91425">
+          <a:bodyPr spcFirstLastPara="1" wrap="square" lIns="91425" tIns="91425" rIns="91425" bIns="91425" anchor="b" anchorCtr="0">
             <a:normAutofit/>
           </a:bodyPr>
           <a:lstStyle>
@@ -2026,9 +2093,11 @@
       <p:sp>
         <p:nvSpPr>
           <p:cNvPr id="48" name="Google Shape;48;p11"/>
-          <p:cNvSpPr txBox="1"/>
+          <p:cNvSpPr txBox="1">
+            <a:spLocks noGrp="1"/>
+          </p:cNvSpPr>
           <p:nvPr>
-            <p:ph idx="1" type="body"/>
+            <p:ph type="body" idx="1"/>
           </p:nvPr>
         </p:nvSpPr>
         <p:spPr>
@@ -2041,11 +2110,11 @@
           </a:prstGeom>
         </p:spPr>
         <p:txBody>
-          <a:bodyPr anchorCtr="0" anchor="t" bIns="91425" lIns="91425" spcFirstLastPara="1" rIns="91425" wrap="square" tIns="91425">
+          <a:bodyPr spcFirstLastPara="1" wrap="square" lIns="91425" tIns="91425" rIns="91425" bIns="91425" anchor="t" anchorCtr="0">
             <a:normAutofit/>
           </a:bodyPr>
           <a:lstStyle>
-            <a:lvl1pPr indent="-349250" lvl="0" marL="457200" algn="ctr">
+            <a:lvl1pPr marL="457200" lvl="0" indent="-349250" algn="ctr">
               <a:spcBef>
                 <a:spcPts val="0"/>
               </a:spcBef>
@@ -2056,7 +2125,7 @@
               <a:buChar char="●"/>
               <a:defRPr/>
             </a:lvl1pPr>
-            <a:lvl2pPr indent="-323850" lvl="1" marL="914400" algn="ctr">
+            <a:lvl2pPr marL="914400" lvl="1" indent="-323850" algn="ctr">
               <a:spcBef>
                 <a:spcPts val="0"/>
               </a:spcBef>
@@ -2067,7 +2136,7 @@
               <a:buChar char="○"/>
               <a:defRPr/>
             </a:lvl2pPr>
-            <a:lvl3pPr indent="-323850" lvl="2" marL="1371600" algn="ctr">
+            <a:lvl3pPr marL="1371600" lvl="2" indent="-323850" algn="ctr">
               <a:spcBef>
                 <a:spcPts val="0"/>
               </a:spcBef>
@@ -2078,7 +2147,7 @@
               <a:buChar char="■"/>
               <a:defRPr/>
             </a:lvl3pPr>
-            <a:lvl4pPr indent="-323850" lvl="3" marL="1828800" algn="ctr">
+            <a:lvl4pPr marL="1828800" lvl="3" indent="-323850" algn="ctr">
               <a:spcBef>
                 <a:spcPts val="0"/>
               </a:spcBef>
@@ -2089,7 +2158,7 @@
               <a:buChar char="●"/>
               <a:defRPr/>
             </a:lvl4pPr>
-            <a:lvl5pPr indent="-323850" lvl="4" marL="2286000" algn="ctr">
+            <a:lvl5pPr marL="2286000" lvl="4" indent="-323850" algn="ctr">
               <a:spcBef>
                 <a:spcPts val="0"/>
               </a:spcBef>
@@ -2100,7 +2169,7 @@
               <a:buChar char="○"/>
               <a:defRPr/>
             </a:lvl5pPr>
-            <a:lvl6pPr indent="-323850" lvl="5" marL="2743200" algn="ctr">
+            <a:lvl6pPr marL="2743200" lvl="5" indent="-323850" algn="ctr">
               <a:spcBef>
                 <a:spcPts val="0"/>
               </a:spcBef>
@@ -2111,7 +2180,7 @@
               <a:buChar char="■"/>
               <a:defRPr/>
             </a:lvl6pPr>
-            <a:lvl7pPr indent="-323850" lvl="6" marL="3200400" algn="ctr">
+            <a:lvl7pPr marL="3200400" lvl="6" indent="-323850" algn="ctr">
               <a:spcBef>
                 <a:spcPts val="0"/>
               </a:spcBef>
@@ -2122,7 +2191,7 @@
               <a:buChar char="●"/>
               <a:defRPr/>
             </a:lvl7pPr>
-            <a:lvl8pPr indent="-323850" lvl="7" marL="3657600" algn="ctr">
+            <a:lvl8pPr marL="3657600" lvl="7" indent="-323850" algn="ctr">
               <a:spcBef>
                 <a:spcPts val="0"/>
               </a:spcBef>
@@ -2133,7 +2202,7 @@
               <a:buChar char="○"/>
               <a:defRPr/>
             </a:lvl8pPr>
-            <a:lvl9pPr indent="-323850" lvl="8" marL="4114800" algn="ctr">
+            <a:lvl9pPr marL="4114800" lvl="8" indent="-323850" algn="ctr">
               <a:spcBef>
                 <a:spcPts val="0"/>
               </a:spcBef>
@@ -2145,15 +2214,19 @@
               <a:defRPr/>
             </a:lvl9pPr>
           </a:lstStyle>
-          <a:p/>
+          <a:p>
+            <a:endParaRPr/>
+          </a:p>
         </p:txBody>
       </p:sp>
       <p:sp>
         <p:nvSpPr>
           <p:cNvPr id="49" name="Google Shape;49;p11"/>
-          <p:cNvSpPr txBox="1"/>
+          <p:cNvSpPr txBox="1">
+            <a:spLocks noGrp="1"/>
+          </p:cNvSpPr>
           <p:nvPr>
-            <p:ph idx="12" type="sldNum"/>
+            <p:ph type="sldNum" idx="12"/>
           </p:nvPr>
         </p:nvSpPr>
         <p:spPr>
@@ -2166,7 +2239,7 @@
           </a:prstGeom>
         </p:spPr>
         <p:txBody>
-          <a:bodyPr anchorCtr="0" anchor="t" bIns="91425" lIns="91425" spcFirstLastPara="1" rIns="91425" wrap="square" tIns="91425">
+          <a:bodyPr spcFirstLastPara="1" wrap="square" lIns="91425" tIns="91425" rIns="91425" bIns="91425" anchor="t" anchorCtr="0">
             <a:noAutofit/>
           </a:bodyPr>
           <a:lstStyle>
@@ -2208,7 +2281,7 @@
             </a:lvl9pPr>
           </a:lstStyle>
           <a:p>
-            <a:pPr indent="0" lvl="0" marL="0" rtl="0" algn="ctr">
+            <a:pPr marL="0" lvl="0" indent="0" algn="ctr" rtl="0">
               <a:spcBef>
                 <a:spcPts val="0"/>
               </a:spcBef>
@@ -2234,11 +2307,11 @@
 </file>
 
 <file path=ppt/slideLayouts/slideLayout11.xml><?xml version="1.0" encoding="utf-8"?>
-<p:sldLayout xmlns:a="http://schemas.openxmlformats.org/drawingml/2006/main" xmlns:r="http://schemas.openxmlformats.org/officeDocument/2006/relationships" xmlns:mc="http://schemas.openxmlformats.org/markup-compatibility/2006" xmlns:mv="urn:schemas-microsoft-com:mac:vml" xmlns:p="http://schemas.openxmlformats.org/presentationml/2006/main" xmlns:c="http://schemas.openxmlformats.org/drawingml/2006/chart" xmlns:dgm="http://schemas.openxmlformats.org/drawingml/2006/diagram" xmlns:o="urn:schemas-microsoft-com:office:office" xmlns:v="urn:schemas-microsoft-com:vml" xmlns:pvml="urn:schemas-microsoft-com:office:powerpoint" xmlns:com="http://schemas.openxmlformats.org/drawingml/2006/compatibility" xmlns:p14="http://schemas.microsoft.com/office/powerpoint/2010/main" xmlns:p15="http://schemas.microsoft.com/office/powerpoint/2012/main" xmlns:ahyp="http://schemas.microsoft.com/office/drawing/2018/hyperlinkcolor" matchingName="Blank" type="blank">
+<p:sldLayout xmlns:a="http://schemas.openxmlformats.org/drawingml/2006/main" xmlns:r="http://schemas.openxmlformats.org/officeDocument/2006/relationships" xmlns:p="http://schemas.openxmlformats.org/presentationml/2006/main" matchingName="Blank" type="blank">
   <p:cSld name="BLANK">
     <p:spTree>
       <p:nvGrpSpPr>
-        <p:cNvPr id="50" name="Shape 50"/>
+        <p:cNvPr id="1" name="Shape 50"/>
         <p:cNvGrpSpPr/>
         <p:nvPr/>
       </p:nvGrpSpPr>
@@ -2253,9 +2326,11 @@
       <p:sp>
         <p:nvSpPr>
           <p:cNvPr id="51" name="Google Shape;51;p12"/>
-          <p:cNvSpPr txBox="1"/>
+          <p:cNvSpPr txBox="1">
+            <a:spLocks noGrp="1"/>
+          </p:cNvSpPr>
           <p:nvPr>
-            <p:ph idx="12" type="sldNum"/>
+            <p:ph type="sldNum" idx="12"/>
           </p:nvPr>
         </p:nvSpPr>
         <p:spPr>
@@ -2268,7 +2343,7 @@
           </a:prstGeom>
         </p:spPr>
         <p:txBody>
-          <a:bodyPr anchorCtr="0" anchor="t" bIns="91425" lIns="91425" spcFirstLastPara="1" rIns="91425" wrap="square" tIns="91425">
+          <a:bodyPr spcFirstLastPara="1" wrap="square" lIns="91425" tIns="91425" rIns="91425" bIns="91425" anchor="t" anchorCtr="0">
             <a:noAutofit/>
           </a:bodyPr>
           <a:lstStyle>
@@ -2310,7 +2385,7 @@
             </a:lvl9pPr>
           </a:lstStyle>
           <a:p>
-            <a:pPr indent="0" lvl="0" marL="0" rtl="0" algn="ctr">
+            <a:pPr marL="0" lvl="0" indent="0" algn="ctr" rtl="0">
               <a:spcBef>
                 <a:spcPts val="0"/>
               </a:spcBef>
@@ -2336,11 +2411,11 @@
 </file>
 
 <file path=ppt/slideLayouts/slideLayout2.xml><?xml version="1.0" encoding="utf-8"?>
-<p:sldLayout xmlns:a="http://schemas.openxmlformats.org/drawingml/2006/main" xmlns:r="http://schemas.openxmlformats.org/officeDocument/2006/relationships" xmlns:mc="http://schemas.openxmlformats.org/markup-compatibility/2006" xmlns:mv="urn:schemas-microsoft-com:mac:vml" xmlns:p="http://schemas.openxmlformats.org/presentationml/2006/main" xmlns:c="http://schemas.openxmlformats.org/drawingml/2006/chart" xmlns:dgm="http://schemas.openxmlformats.org/drawingml/2006/diagram" xmlns:o="urn:schemas-microsoft-com:office:office" xmlns:v="urn:schemas-microsoft-com:vml" xmlns:pvml="urn:schemas-microsoft-com:office:powerpoint" xmlns:com="http://schemas.openxmlformats.org/drawingml/2006/compatibility" xmlns:p14="http://schemas.microsoft.com/office/powerpoint/2010/main" xmlns:p15="http://schemas.microsoft.com/office/powerpoint/2012/main" xmlns:ahyp="http://schemas.microsoft.com/office/drawing/2018/hyperlinkcolor" matchingName="Section header" type="secHead">
+<p:sldLayout xmlns:a="http://schemas.openxmlformats.org/drawingml/2006/main" xmlns:r="http://schemas.openxmlformats.org/officeDocument/2006/relationships" xmlns:p="http://schemas.openxmlformats.org/presentationml/2006/main" matchingName="Section header" type="secHead">
   <p:cSld name="SECTION_HEADER">
     <p:spTree>
       <p:nvGrpSpPr>
-        <p:cNvPr id="13" name="Shape 13"/>
+        <p:cNvPr id="1" name="Shape 13"/>
         <p:cNvGrpSpPr/>
         <p:nvPr/>
       </p:nvGrpSpPr>
@@ -2355,7 +2430,9 @@
       <p:sp>
         <p:nvSpPr>
           <p:cNvPr id="14" name="Google Shape;14;p3"/>
-          <p:cNvSpPr txBox="1"/>
+          <p:cNvSpPr txBox="1">
+            <a:spLocks noGrp="1"/>
+          </p:cNvSpPr>
           <p:nvPr>
             <p:ph type="title"/>
           </p:nvPr>
@@ -2370,7 +2447,7 @@
           </a:prstGeom>
         </p:spPr>
         <p:txBody>
-          <a:bodyPr anchorCtr="0" anchor="ctr" bIns="91425" lIns="91425" spcFirstLastPara="1" rIns="91425" wrap="square" tIns="91425">
+          <a:bodyPr spcFirstLastPara="1" wrap="square" lIns="91425" tIns="91425" rIns="91425" bIns="91425" anchor="ctr" anchorCtr="0">
             <a:normAutofit/>
           </a:bodyPr>
           <a:lstStyle>
@@ -2474,15 +2551,19 @@
               <a:defRPr sz="3600"/>
             </a:lvl9pPr>
           </a:lstStyle>
-          <a:p/>
+          <a:p>
+            <a:endParaRPr/>
+          </a:p>
         </p:txBody>
       </p:sp>
       <p:sp>
         <p:nvSpPr>
           <p:cNvPr id="15" name="Google Shape;15;p3"/>
-          <p:cNvSpPr txBox="1"/>
+          <p:cNvSpPr txBox="1">
+            <a:spLocks noGrp="1"/>
+          </p:cNvSpPr>
           <p:nvPr>
-            <p:ph idx="12" type="sldNum"/>
+            <p:ph type="sldNum" idx="12"/>
           </p:nvPr>
         </p:nvSpPr>
         <p:spPr>
@@ -2495,7 +2576,7 @@
           </a:prstGeom>
         </p:spPr>
         <p:txBody>
-          <a:bodyPr anchorCtr="0" anchor="t" bIns="91425" lIns="91425" spcFirstLastPara="1" rIns="91425" wrap="square" tIns="91425">
+          <a:bodyPr spcFirstLastPara="1" wrap="square" lIns="91425" tIns="91425" rIns="91425" bIns="91425" anchor="t" anchorCtr="0">
             <a:noAutofit/>
           </a:bodyPr>
           <a:lstStyle>
@@ -2537,7 +2618,7 @@
             </a:lvl9pPr>
           </a:lstStyle>
           <a:p>
-            <a:pPr indent="0" lvl="0" marL="0" rtl="0" algn="ctr">
+            <a:pPr marL="0" lvl="0" indent="0" algn="ctr" rtl="0">
               <a:spcBef>
                 <a:spcPts val="0"/>
               </a:spcBef>
@@ -2563,11 +2644,11 @@
 </file>
 
 <file path=ppt/slideLayouts/slideLayout3.xml><?xml version="1.0" encoding="utf-8"?>
-<p:sldLayout xmlns:a="http://schemas.openxmlformats.org/drawingml/2006/main" xmlns:r="http://schemas.openxmlformats.org/officeDocument/2006/relationships" xmlns:mc="http://schemas.openxmlformats.org/markup-compatibility/2006" xmlns:mv="urn:schemas-microsoft-com:mac:vml" xmlns:p="http://schemas.openxmlformats.org/presentationml/2006/main" xmlns:c="http://schemas.openxmlformats.org/drawingml/2006/chart" xmlns:dgm="http://schemas.openxmlformats.org/drawingml/2006/diagram" xmlns:o="urn:schemas-microsoft-com:office:office" xmlns:v="urn:schemas-microsoft-com:vml" xmlns:pvml="urn:schemas-microsoft-com:office:powerpoint" xmlns:com="http://schemas.openxmlformats.org/drawingml/2006/compatibility" xmlns:p14="http://schemas.microsoft.com/office/powerpoint/2010/main" xmlns:p15="http://schemas.microsoft.com/office/powerpoint/2012/main" xmlns:ahyp="http://schemas.microsoft.com/office/drawing/2018/hyperlinkcolor" matchingName="Title and body" type="tx">
+<p:sldLayout xmlns:a="http://schemas.openxmlformats.org/drawingml/2006/main" xmlns:r="http://schemas.openxmlformats.org/officeDocument/2006/relationships" xmlns:p="http://schemas.openxmlformats.org/presentationml/2006/main" matchingName="Title and body" type="tx">
   <p:cSld name="TITLE_AND_BODY">
     <p:spTree>
       <p:nvGrpSpPr>
-        <p:cNvPr id="16" name="Shape 16"/>
+        <p:cNvPr id="1" name="Shape 16"/>
         <p:cNvGrpSpPr/>
         <p:nvPr/>
       </p:nvGrpSpPr>
@@ -2582,9 +2663,11 @@
       <p:sp>
         <p:nvSpPr>
           <p:cNvPr id="17" name="Google Shape;17;p4"/>
-          <p:cNvSpPr txBox="1"/>
+          <p:cNvSpPr txBox="1">
+            <a:spLocks noGrp="1"/>
+          </p:cNvSpPr>
           <p:nvPr>
-            <p:ph idx="1" type="body"/>
+            <p:ph type="body" idx="1"/>
           </p:nvPr>
         </p:nvSpPr>
         <p:spPr>
@@ -2597,11 +2680,11 @@
           </a:prstGeom>
         </p:spPr>
         <p:txBody>
-          <a:bodyPr anchorCtr="0" anchor="t" bIns="91425" lIns="91425" spcFirstLastPara="1" rIns="91425" wrap="square" tIns="91425">
+          <a:bodyPr spcFirstLastPara="1" wrap="square" lIns="91425" tIns="91425" rIns="91425" bIns="91425" anchor="t" anchorCtr="0">
             <a:normAutofit/>
           </a:bodyPr>
           <a:lstStyle>
-            <a:lvl1pPr indent="-349250" lvl="0" marL="457200">
+            <a:lvl1pPr marL="457200" lvl="0" indent="-349250">
               <a:spcBef>
                 <a:spcPts val="0"/>
               </a:spcBef>
@@ -2612,7 +2695,7 @@
               <a:buChar char="●"/>
               <a:defRPr/>
             </a:lvl1pPr>
-            <a:lvl2pPr indent="-323850" lvl="1" marL="914400">
+            <a:lvl2pPr marL="914400" lvl="1" indent="-323850">
               <a:spcBef>
                 <a:spcPts val="0"/>
               </a:spcBef>
@@ -2623,7 +2706,7 @@
               <a:buChar char="○"/>
               <a:defRPr/>
             </a:lvl2pPr>
-            <a:lvl3pPr indent="-323850" lvl="2" marL="1371600">
+            <a:lvl3pPr marL="1371600" lvl="2" indent="-323850">
               <a:spcBef>
                 <a:spcPts val="0"/>
               </a:spcBef>
@@ -2634,7 +2717,7 @@
               <a:buChar char="■"/>
               <a:defRPr/>
             </a:lvl3pPr>
-            <a:lvl4pPr indent="-323850" lvl="3" marL="1828800">
+            <a:lvl4pPr marL="1828800" lvl="3" indent="-323850">
               <a:spcBef>
                 <a:spcPts val="0"/>
               </a:spcBef>
@@ -2645,7 +2728,7 @@
               <a:buChar char="●"/>
               <a:defRPr/>
             </a:lvl4pPr>
-            <a:lvl5pPr indent="-323850" lvl="4" marL="2286000">
+            <a:lvl5pPr marL="2286000" lvl="4" indent="-323850">
               <a:spcBef>
                 <a:spcPts val="0"/>
               </a:spcBef>
@@ -2656,7 +2739,7 @@
               <a:buChar char="○"/>
               <a:defRPr/>
             </a:lvl5pPr>
-            <a:lvl6pPr indent="-323850" lvl="5" marL="2743200">
+            <a:lvl6pPr marL="2743200" lvl="5" indent="-323850">
               <a:spcBef>
                 <a:spcPts val="0"/>
               </a:spcBef>
@@ -2667,7 +2750,7 @@
               <a:buChar char="■"/>
               <a:defRPr/>
             </a:lvl6pPr>
-            <a:lvl7pPr indent="-323850" lvl="6" marL="3200400">
+            <a:lvl7pPr marL="3200400" lvl="6" indent="-323850">
               <a:spcBef>
                 <a:spcPts val="0"/>
               </a:spcBef>
@@ -2678,7 +2761,7 @@
               <a:buChar char="●"/>
               <a:defRPr/>
             </a:lvl7pPr>
-            <a:lvl8pPr indent="-323850" lvl="7" marL="3657600">
+            <a:lvl8pPr marL="3657600" lvl="7" indent="-323850">
               <a:spcBef>
                 <a:spcPts val="0"/>
               </a:spcBef>
@@ -2689,7 +2772,7 @@
               <a:buChar char="○"/>
               <a:defRPr/>
             </a:lvl8pPr>
-            <a:lvl9pPr indent="-323850" lvl="8" marL="4114800">
+            <a:lvl9pPr marL="4114800" lvl="8" indent="-323850">
               <a:spcBef>
                 <a:spcPts val="0"/>
               </a:spcBef>
@@ -2701,7 +2784,9 @@
               <a:defRPr/>
             </a:lvl9pPr>
           </a:lstStyle>
-          <a:p/>
+          <a:p>
+            <a:endParaRPr/>
+          </a:p>
         </p:txBody>
       </p:sp>
       <p:pic>
@@ -2780,12 +2865,12 @@
           </a:ln>
         </p:spPr>
         <p:txBody>
-          <a:bodyPr anchorCtr="0" anchor="ctr" bIns="91425" lIns="91425" spcFirstLastPara="1" rIns="91425" wrap="square" tIns="91425">
+          <a:bodyPr spcFirstLastPara="1" wrap="square" lIns="91425" tIns="91425" rIns="91425" bIns="91425" anchor="ctr" anchorCtr="0">
             <a:noAutofit/>
           </a:bodyPr>
           <a:lstStyle/>
           <a:p>
-            <a:pPr indent="0" lvl="0" marL="0" rtl="0" algn="l">
+            <a:pPr marL="0" lvl="0" indent="0" algn="l" rtl="0">
               <a:spcBef>
                 <a:spcPts val="0"/>
               </a:spcBef>
@@ -2795,7 +2880,7 @@
               <a:buNone/>
             </a:pPr>
             <a:r>
-              <a:rPr b="1" lang="zh-TW" sz="1800">
+              <a:rPr lang="zh-TW" sz="1800" b="1">
                 <a:solidFill>
                   <a:srgbClr val="134F5C"/>
                 </a:solidFill>
@@ -2804,33 +2889,9 @@
                 <a:cs typeface="DotGothic16"/>
                 <a:sym typeface="DotGothic16"/>
               </a:rPr>
-              <a:t>程式</a:t>
+              <a:t>程式思維班 - 圖形化介面專題 (剪刀/石頭/布)</a:t>
             </a:r>
-            <a:r>
-              <a:rPr b="1" lang="zh-TW" sz="1800">
-                <a:solidFill>
-                  <a:srgbClr val="134F5C"/>
-                </a:solidFill>
-                <a:latin typeface="DotGothic16"/>
-                <a:ea typeface="DotGothic16"/>
-                <a:cs typeface="DotGothic16"/>
-                <a:sym typeface="DotGothic16"/>
-              </a:rPr>
-              <a:t>思維班</a:t>
-            </a:r>
-            <a:r>
-              <a:rPr b="1" lang="zh-TW" sz="1800">
-                <a:solidFill>
-                  <a:srgbClr val="134F5C"/>
-                </a:solidFill>
-                <a:latin typeface="DotGothic16"/>
-                <a:ea typeface="DotGothic16"/>
-                <a:cs typeface="DotGothic16"/>
-                <a:sym typeface="DotGothic16"/>
-              </a:rPr>
-              <a:t> - 圖形化介面專題 (剪刀/石頭/布)</a:t>
-            </a:r>
-            <a:endParaRPr b="1" sz="1800">
+            <a:endParaRPr sz="1800" b="1">
               <a:solidFill>
                 <a:srgbClr val="134F5C"/>
               </a:solidFill>
@@ -2845,9 +2906,11 @@
       <p:sp>
         <p:nvSpPr>
           <p:cNvPr id="21" name="Google Shape;21;p4"/>
-          <p:cNvSpPr txBox="1"/>
+          <p:cNvSpPr txBox="1">
+            <a:spLocks noGrp="1"/>
+          </p:cNvSpPr>
           <p:nvPr>
-            <p:ph idx="12" type="sldNum"/>
+            <p:ph type="sldNum" idx="12"/>
           </p:nvPr>
         </p:nvSpPr>
         <p:spPr>
@@ -2860,7 +2923,7 @@
           </a:prstGeom>
         </p:spPr>
         <p:txBody>
-          <a:bodyPr anchorCtr="0" anchor="t" bIns="91425" lIns="91425" spcFirstLastPara="1" rIns="91425" wrap="square" tIns="91425">
+          <a:bodyPr spcFirstLastPara="1" wrap="square" lIns="91425" tIns="91425" rIns="91425" bIns="91425" anchor="t" anchorCtr="0">
             <a:noAutofit/>
           </a:bodyPr>
           <a:lstStyle>
@@ -2902,7 +2965,7 @@
             </a:lvl9pPr>
           </a:lstStyle>
           <a:p>
-            <a:pPr indent="0" lvl="0" marL="0" rtl="0" algn="ctr">
+            <a:pPr marL="0" lvl="0" indent="0" algn="ctr" rtl="0">
               <a:spcBef>
                 <a:spcPts val="0"/>
               </a:spcBef>
@@ -2928,11 +2991,11 @@
 </file>
 
 <file path=ppt/slideLayouts/slideLayout4.xml><?xml version="1.0" encoding="utf-8"?>
-<p:sldLayout xmlns:a="http://schemas.openxmlformats.org/drawingml/2006/main" xmlns:r="http://schemas.openxmlformats.org/officeDocument/2006/relationships" xmlns:mc="http://schemas.openxmlformats.org/markup-compatibility/2006" xmlns:mv="urn:schemas-microsoft-com:mac:vml" xmlns:p="http://schemas.openxmlformats.org/presentationml/2006/main" xmlns:c="http://schemas.openxmlformats.org/drawingml/2006/chart" xmlns:dgm="http://schemas.openxmlformats.org/drawingml/2006/diagram" xmlns:o="urn:schemas-microsoft-com:office:office" xmlns:v="urn:schemas-microsoft-com:vml" xmlns:pvml="urn:schemas-microsoft-com:office:powerpoint" xmlns:com="http://schemas.openxmlformats.org/drawingml/2006/compatibility" xmlns:p14="http://schemas.microsoft.com/office/powerpoint/2010/main" xmlns:p15="http://schemas.microsoft.com/office/powerpoint/2012/main" xmlns:ahyp="http://schemas.microsoft.com/office/drawing/2018/hyperlinkcolor" matchingName="Title and two columns" type="twoColTx">
+<p:sldLayout xmlns:a="http://schemas.openxmlformats.org/drawingml/2006/main" xmlns:r="http://schemas.openxmlformats.org/officeDocument/2006/relationships" xmlns:p="http://schemas.openxmlformats.org/presentationml/2006/main" matchingName="Title and two columns" type="twoColTx">
   <p:cSld name="TITLE_AND_TWO_COLUMNS">
     <p:spTree>
       <p:nvGrpSpPr>
-        <p:cNvPr id="22" name="Shape 22"/>
+        <p:cNvPr id="1" name="Shape 22"/>
         <p:cNvGrpSpPr/>
         <p:nvPr/>
       </p:nvGrpSpPr>
@@ -2947,7 +3010,9 @@
       <p:sp>
         <p:nvSpPr>
           <p:cNvPr id="23" name="Google Shape;23;p5"/>
-          <p:cNvSpPr txBox="1"/>
+          <p:cNvSpPr txBox="1">
+            <a:spLocks noGrp="1"/>
+          </p:cNvSpPr>
           <p:nvPr>
             <p:ph type="title"/>
           </p:nvPr>
@@ -2962,7 +3027,7 @@
           </a:prstGeom>
         </p:spPr>
         <p:txBody>
-          <a:bodyPr anchorCtr="0" anchor="t" bIns="91425" lIns="91425" spcFirstLastPara="1" rIns="91425" wrap="square" tIns="91425">
+          <a:bodyPr spcFirstLastPara="1" wrap="square" lIns="91425" tIns="91425" rIns="91425" bIns="91425" anchor="t" anchorCtr="0">
             <a:normAutofit/>
           </a:bodyPr>
           <a:lstStyle>
@@ -3066,15 +3131,19 @@
               <a:defRPr/>
             </a:lvl9pPr>
           </a:lstStyle>
-          <a:p/>
+          <a:p>
+            <a:endParaRPr/>
+          </a:p>
         </p:txBody>
       </p:sp>
       <p:sp>
         <p:nvSpPr>
           <p:cNvPr id="24" name="Google Shape;24;p5"/>
-          <p:cNvSpPr txBox="1"/>
+          <p:cNvSpPr txBox="1">
+            <a:spLocks noGrp="1"/>
+          </p:cNvSpPr>
           <p:nvPr>
-            <p:ph idx="1" type="body"/>
+            <p:ph type="body" idx="1"/>
           </p:nvPr>
         </p:nvSpPr>
         <p:spPr>
@@ -3087,11 +3156,11 @@
           </a:prstGeom>
         </p:spPr>
         <p:txBody>
-          <a:bodyPr anchorCtr="0" anchor="t" bIns="91425" lIns="91425" spcFirstLastPara="1" rIns="91425" wrap="square" tIns="91425">
+          <a:bodyPr spcFirstLastPara="1" wrap="square" lIns="91425" tIns="91425" rIns="91425" bIns="91425" anchor="t" anchorCtr="0">
             <a:normAutofit/>
           </a:bodyPr>
           <a:lstStyle>
-            <a:lvl1pPr indent="-317500" lvl="0" marL="457200">
+            <a:lvl1pPr marL="457200" lvl="0" indent="-317500">
               <a:spcBef>
                 <a:spcPts val="0"/>
               </a:spcBef>
@@ -3102,7 +3171,7 @@
               <a:buChar char="●"/>
               <a:defRPr sz="1400"/>
             </a:lvl1pPr>
-            <a:lvl2pPr indent="-304800" lvl="1" marL="914400">
+            <a:lvl2pPr marL="914400" lvl="1" indent="-304800">
               <a:spcBef>
                 <a:spcPts val="0"/>
               </a:spcBef>
@@ -3113,7 +3182,7 @@
               <a:buChar char="○"/>
               <a:defRPr sz="1200"/>
             </a:lvl2pPr>
-            <a:lvl3pPr indent="-304800" lvl="2" marL="1371600">
+            <a:lvl3pPr marL="1371600" lvl="2" indent="-304800">
               <a:spcBef>
                 <a:spcPts val="0"/>
               </a:spcBef>
@@ -3124,7 +3193,7 @@
               <a:buChar char="■"/>
               <a:defRPr sz="1200"/>
             </a:lvl3pPr>
-            <a:lvl4pPr indent="-304800" lvl="3" marL="1828800">
+            <a:lvl4pPr marL="1828800" lvl="3" indent="-304800">
               <a:spcBef>
                 <a:spcPts val="0"/>
               </a:spcBef>
@@ -3135,7 +3204,7 @@
               <a:buChar char="●"/>
               <a:defRPr sz="1200"/>
             </a:lvl4pPr>
-            <a:lvl5pPr indent="-304800" lvl="4" marL="2286000">
+            <a:lvl5pPr marL="2286000" lvl="4" indent="-304800">
               <a:spcBef>
                 <a:spcPts val="0"/>
               </a:spcBef>
@@ -3146,7 +3215,7 @@
               <a:buChar char="○"/>
               <a:defRPr sz="1200"/>
             </a:lvl5pPr>
-            <a:lvl6pPr indent="-304800" lvl="5" marL="2743200">
+            <a:lvl6pPr marL="2743200" lvl="5" indent="-304800">
               <a:spcBef>
                 <a:spcPts val="0"/>
               </a:spcBef>
@@ -3157,7 +3226,7 @@
               <a:buChar char="■"/>
               <a:defRPr sz="1200"/>
             </a:lvl6pPr>
-            <a:lvl7pPr indent="-304800" lvl="6" marL="3200400">
+            <a:lvl7pPr marL="3200400" lvl="6" indent="-304800">
               <a:spcBef>
                 <a:spcPts val="0"/>
               </a:spcBef>
@@ -3168,7 +3237,7 @@
               <a:buChar char="●"/>
               <a:defRPr sz="1200"/>
             </a:lvl7pPr>
-            <a:lvl8pPr indent="-304800" lvl="7" marL="3657600">
+            <a:lvl8pPr marL="3657600" lvl="7" indent="-304800">
               <a:spcBef>
                 <a:spcPts val="0"/>
               </a:spcBef>
@@ -3179,7 +3248,7 @@
               <a:buChar char="○"/>
               <a:defRPr sz="1200"/>
             </a:lvl8pPr>
-            <a:lvl9pPr indent="-304800" lvl="8" marL="4114800">
+            <a:lvl9pPr marL="4114800" lvl="8" indent="-304800">
               <a:spcBef>
                 <a:spcPts val="0"/>
               </a:spcBef>
@@ -3191,15 +3260,19 @@
               <a:defRPr sz="1200"/>
             </a:lvl9pPr>
           </a:lstStyle>
-          <a:p/>
+          <a:p>
+            <a:endParaRPr/>
+          </a:p>
         </p:txBody>
       </p:sp>
       <p:sp>
         <p:nvSpPr>
           <p:cNvPr id="25" name="Google Shape;25;p5"/>
-          <p:cNvSpPr txBox="1"/>
+          <p:cNvSpPr txBox="1">
+            <a:spLocks noGrp="1"/>
+          </p:cNvSpPr>
           <p:nvPr>
-            <p:ph idx="2" type="body"/>
+            <p:ph type="body" idx="2"/>
           </p:nvPr>
         </p:nvSpPr>
         <p:spPr>
@@ -3212,11 +3285,11 @@
           </a:prstGeom>
         </p:spPr>
         <p:txBody>
-          <a:bodyPr anchorCtr="0" anchor="t" bIns="91425" lIns="91425" spcFirstLastPara="1" rIns="91425" wrap="square" tIns="91425">
+          <a:bodyPr spcFirstLastPara="1" wrap="square" lIns="91425" tIns="91425" rIns="91425" bIns="91425" anchor="t" anchorCtr="0">
             <a:normAutofit/>
           </a:bodyPr>
           <a:lstStyle>
-            <a:lvl1pPr indent="-317500" lvl="0" marL="457200">
+            <a:lvl1pPr marL="457200" lvl="0" indent="-317500">
               <a:spcBef>
                 <a:spcPts val="0"/>
               </a:spcBef>
@@ -3227,7 +3300,7 @@
               <a:buChar char="●"/>
               <a:defRPr sz="1400"/>
             </a:lvl1pPr>
-            <a:lvl2pPr indent="-304800" lvl="1" marL="914400">
+            <a:lvl2pPr marL="914400" lvl="1" indent="-304800">
               <a:spcBef>
                 <a:spcPts val="0"/>
               </a:spcBef>
@@ -3238,7 +3311,7 @@
               <a:buChar char="○"/>
               <a:defRPr sz="1200"/>
             </a:lvl2pPr>
-            <a:lvl3pPr indent="-304800" lvl="2" marL="1371600">
+            <a:lvl3pPr marL="1371600" lvl="2" indent="-304800">
               <a:spcBef>
                 <a:spcPts val="0"/>
               </a:spcBef>
@@ -3249,7 +3322,7 @@
               <a:buChar char="■"/>
               <a:defRPr sz="1200"/>
             </a:lvl3pPr>
-            <a:lvl4pPr indent="-304800" lvl="3" marL="1828800">
+            <a:lvl4pPr marL="1828800" lvl="3" indent="-304800">
               <a:spcBef>
                 <a:spcPts val="0"/>
               </a:spcBef>
@@ -3260,7 +3333,7 @@
               <a:buChar char="●"/>
               <a:defRPr sz="1200"/>
             </a:lvl4pPr>
-            <a:lvl5pPr indent="-304800" lvl="4" marL="2286000">
+            <a:lvl5pPr marL="2286000" lvl="4" indent="-304800">
               <a:spcBef>
                 <a:spcPts val="0"/>
               </a:spcBef>
@@ -3271,7 +3344,7 @@
               <a:buChar char="○"/>
               <a:defRPr sz="1200"/>
             </a:lvl5pPr>
-            <a:lvl6pPr indent="-304800" lvl="5" marL="2743200">
+            <a:lvl6pPr marL="2743200" lvl="5" indent="-304800">
               <a:spcBef>
                 <a:spcPts val="0"/>
               </a:spcBef>
@@ -3282,7 +3355,7 @@
               <a:buChar char="■"/>
               <a:defRPr sz="1200"/>
             </a:lvl6pPr>
-            <a:lvl7pPr indent="-304800" lvl="6" marL="3200400">
+            <a:lvl7pPr marL="3200400" lvl="6" indent="-304800">
               <a:spcBef>
                 <a:spcPts val="0"/>
               </a:spcBef>
@@ -3293,7 +3366,7 @@
               <a:buChar char="●"/>
               <a:defRPr sz="1200"/>
             </a:lvl7pPr>
-            <a:lvl8pPr indent="-304800" lvl="7" marL="3657600">
+            <a:lvl8pPr marL="3657600" lvl="7" indent="-304800">
               <a:spcBef>
                 <a:spcPts val="0"/>
               </a:spcBef>
@@ -3304,7 +3377,7 @@
               <a:buChar char="○"/>
               <a:defRPr sz="1200"/>
             </a:lvl8pPr>
-            <a:lvl9pPr indent="-304800" lvl="8" marL="4114800">
+            <a:lvl9pPr marL="4114800" lvl="8" indent="-304800">
               <a:spcBef>
                 <a:spcPts val="0"/>
               </a:spcBef>
@@ -3316,15 +3389,19 @@
               <a:defRPr sz="1200"/>
             </a:lvl9pPr>
           </a:lstStyle>
-          <a:p/>
+          <a:p>
+            <a:endParaRPr/>
+          </a:p>
         </p:txBody>
       </p:sp>
       <p:sp>
         <p:nvSpPr>
           <p:cNvPr id="26" name="Google Shape;26;p5"/>
-          <p:cNvSpPr txBox="1"/>
+          <p:cNvSpPr txBox="1">
+            <a:spLocks noGrp="1"/>
+          </p:cNvSpPr>
           <p:nvPr>
-            <p:ph idx="12" type="sldNum"/>
+            <p:ph type="sldNum" idx="12"/>
           </p:nvPr>
         </p:nvSpPr>
         <p:spPr>
@@ -3337,7 +3414,7 @@
           </a:prstGeom>
         </p:spPr>
         <p:txBody>
-          <a:bodyPr anchorCtr="0" anchor="t" bIns="91425" lIns="91425" spcFirstLastPara="1" rIns="91425" wrap="square" tIns="91425">
+          <a:bodyPr spcFirstLastPara="1" wrap="square" lIns="91425" tIns="91425" rIns="91425" bIns="91425" anchor="t" anchorCtr="0">
             <a:noAutofit/>
           </a:bodyPr>
           <a:lstStyle>
@@ -3379,7 +3456,7 @@
             </a:lvl9pPr>
           </a:lstStyle>
           <a:p>
-            <a:pPr indent="0" lvl="0" marL="0" rtl="0" algn="ctr">
+            <a:pPr marL="0" lvl="0" indent="0" algn="ctr" rtl="0">
               <a:spcBef>
                 <a:spcPts val="0"/>
               </a:spcBef>
@@ -3405,11 +3482,11 @@
 </file>
 
 <file path=ppt/slideLayouts/slideLayout5.xml><?xml version="1.0" encoding="utf-8"?>
-<p:sldLayout xmlns:a="http://schemas.openxmlformats.org/drawingml/2006/main" xmlns:r="http://schemas.openxmlformats.org/officeDocument/2006/relationships" xmlns:mc="http://schemas.openxmlformats.org/markup-compatibility/2006" xmlns:mv="urn:schemas-microsoft-com:mac:vml" xmlns:p="http://schemas.openxmlformats.org/presentationml/2006/main" xmlns:c="http://schemas.openxmlformats.org/drawingml/2006/chart" xmlns:dgm="http://schemas.openxmlformats.org/drawingml/2006/diagram" xmlns:o="urn:schemas-microsoft-com:office:office" xmlns:v="urn:schemas-microsoft-com:vml" xmlns:pvml="urn:schemas-microsoft-com:office:powerpoint" xmlns:com="http://schemas.openxmlformats.org/drawingml/2006/compatibility" xmlns:p14="http://schemas.microsoft.com/office/powerpoint/2010/main" xmlns:p15="http://schemas.microsoft.com/office/powerpoint/2012/main" xmlns:ahyp="http://schemas.microsoft.com/office/drawing/2018/hyperlinkcolor" matchingName="Title only" type="titleOnly">
+<p:sldLayout xmlns:a="http://schemas.openxmlformats.org/drawingml/2006/main" xmlns:r="http://schemas.openxmlformats.org/officeDocument/2006/relationships" xmlns:p="http://schemas.openxmlformats.org/presentationml/2006/main" matchingName="Title only" type="titleOnly">
   <p:cSld name="TITLE_ONLY">
     <p:spTree>
       <p:nvGrpSpPr>
-        <p:cNvPr id="27" name="Shape 27"/>
+        <p:cNvPr id="1" name="Shape 27"/>
         <p:cNvGrpSpPr/>
         <p:nvPr/>
       </p:nvGrpSpPr>
@@ -3424,7 +3501,9 @@
       <p:sp>
         <p:nvSpPr>
           <p:cNvPr id="28" name="Google Shape;28;p6"/>
-          <p:cNvSpPr txBox="1"/>
+          <p:cNvSpPr txBox="1">
+            <a:spLocks noGrp="1"/>
+          </p:cNvSpPr>
           <p:nvPr>
             <p:ph type="title"/>
           </p:nvPr>
@@ -3439,7 +3518,7 @@
           </a:prstGeom>
         </p:spPr>
         <p:txBody>
-          <a:bodyPr anchorCtr="0" anchor="t" bIns="91425" lIns="91425" spcFirstLastPara="1" rIns="91425" wrap="square" tIns="91425">
+          <a:bodyPr spcFirstLastPara="1" wrap="square" lIns="91425" tIns="91425" rIns="91425" bIns="91425" anchor="t" anchorCtr="0">
             <a:normAutofit/>
           </a:bodyPr>
           <a:lstStyle>
@@ -3543,15 +3622,19 @@
               <a:defRPr/>
             </a:lvl9pPr>
           </a:lstStyle>
-          <a:p/>
+          <a:p>
+            <a:endParaRPr/>
+          </a:p>
         </p:txBody>
       </p:sp>
       <p:sp>
         <p:nvSpPr>
           <p:cNvPr id="29" name="Google Shape;29;p6"/>
-          <p:cNvSpPr txBox="1"/>
+          <p:cNvSpPr txBox="1">
+            <a:spLocks noGrp="1"/>
+          </p:cNvSpPr>
           <p:nvPr>
-            <p:ph idx="12" type="sldNum"/>
+            <p:ph type="sldNum" idx="12"/>
           </p:nvPr>
         </p:nvSpPr>
         <p:spPr>
@@ -3564,7 +3647,7 @@
           </a:prstGeom>
         </p:spPr>
         <p:txBody>
-          <a:bodyPr anchorCtr="0" anchor="t" bIns="91425" lIns="91425" spcFirstLastPara="1" rIns="91425" wrap="square" tIns="91425">
+          <a:bodyPr spcFirstLastPara="1" wrap="square" lIns="91425" tIns="91425" rIns="91425" bIns="91425" anchor="t" anchorCtr="0">
             <a:noAutofit/>
           </a:bodyPr>
           <a:lstStyle>
@@ -3606,7 +3689,7 @@
             </a:lvl9pPr>
           </a:lstStyle>
           <a:p>
-            <a:pPr indent="0" lvl="0" marL="0" rtl="0" algn="ctr">
+            <a:pPr marL="0" lvl="0" indent="0" algn="ctr" rtl="0">
               <a:spcBef>
                 <a:spcPts val="0"/>
               </a:spcBef>
@@ -3632,11 +3715,11 @@
 </file>
 
 <file path=ppt/slideLayouts/slideLayout6.xml><?xml version="1.0" encoding="utf-8"?>
-<p:sldLayout xmlns:a="http://schemas.openxmlformats.org/drawingml/2006/main" xmlns:r="http://schemas.openxmlformats.org/officeDocument/2006/relationships" xmlns:mc="http://schemas.openxmlformats.org/markup-compatibility/2006" xmlns:mv="urn:schemas-microsoft-com:mac:vml" xmlns:p="http://schemas.openxmlformats.org/presentationml/2006/main" xmlns:c="http://schemas.openxmlformats.org/drawingml/2006/chart" xmlns:dgm="http://schemas.openxmlformats.org/drawingml/2006/diagram" xmlns:o="urn:schemas-microsoft-com:office:office" xmlns:v="urn:schemas-microsoft-com:vml" xmlns:pvml="urn:schemas-microsoft-com:office:powerpoint" xmlns:com="http://schemas.openxmlformats.org/drawingml/2006/compatibility" xmlns:p14="http://schemas.microsoft.com/office/powerpoint/2010/main" xmlns:p15="http://schemas.microsoft.com/office/powerpoint/2012/main" xmlns:ahyp="http://schemas.microsoft.com/office/drawing/2018/hyperlinkcolor" matchingName="One column text">
+<p:sldLayout xmlns:a="http://schemas.openxmlformats.org/drawingml/2006/main" xmlns:r="http://schemas.openxmlformats.org/officeDocument/2006/relationships" xmlns:p="http://schemas.openxmlformats.org/presentationml/2006/main" matchingName="One column text">
   <p:cSld name="ONE_COLUMN_TEXT">
     <p:spTree>
       <p:nvGrpSpPr>
-        <p:cNvPr id="30" name="Shape 30"/>
+        <p:cNvPr id="1" name="Shape 30"/>
         <p:cNvGrpSpPr/>
         <p:nvPr/>
       </p:nvGrpSpPr>
@@ -3651,7 +3734,9 @@
       <p:sp>
         <p:nvSpPr>
           <p:cNvPr id="31" name="Google Shape;31;p7"/>
-          <p:cNvSpPr txBox="1"/>
+          <p:cNvSpPr txBox="1">
+            <a:spLocks noGrp="1"/>
+          </p:cNvSpPr>
           <p:nvPr>
             <p:ph type="title"/>
           </p:nvPr>
@@ -3666,7 +3751,7 @@
           </a:prstGeom>
         </p:spPr>
         <p:txBody>
-          <a:bodyPr anchorCtr="0" anchor="b" bIns="91425" lIns="91425" spcFirstLastPara="1" rIns="91425" wrap="square" tIns="91425">
+          <a:bodyPr spcFirstLastPara="1" wrap="square" lIns="91425" tIns="91425" rIns="91425" bIns="91425" anchor="b" anchorCtr="0">
             <a:normAutofit/>
           </a:bodyPr>
           <a:lstStyle>
@@ -3770,15 +3855,19 @@
               <a:defRPr sz="2400"/>
             </a:lvl9pPr>
           </a:lstStyle>
-          <a:p/>
+          <a:p>
+            <a:endParaRPr/>
+          </a:p>
         </p:txBody>
       </p:sp>
       <p:sp>
         <p:nvSpPr>
           <p:cNvPr id="32" name="Google Shape;32;p7"/>
-          <p:cNvSpPr txBox="1"/>
+          <p:cNvSpPr txBox="1">
+            <a:spLocks noGrp="1"/>
+          </p:cNvSpPr>
           <p:nvPr>
-            <p:ph idx="1" type="body"/>
+            <p:ph type="body" idx="1"/>
           </p:nvPr>
         </p:nvSpPr>
         <p:spPr>
@@ -3791,11 +3880,11 @@
           </a:prstGeom>
         </p:spPr>
         <p:txBody>
-          <a:bodyPr anchorCtr="0" anchor="t" bIns="91425" lIns="91425" spcFirstLastPara="1" rIns="91425" wrap="square" tIns="91425">
+          <a:bodyPr spcFirstLastPara="1" wrap="square" lIns="91425" tIns="91425" rIns="91425" bIns="91425" anchor="t" anchorCtr="0">
             <a:normAutofit/>
           </a:bodyPr>
           <a:lstStyle>
-            <a:lvl1pPr indent="-304800" lvl="0" marL="457200">
+            <a:lvl1pPr marL="457200" lvl="0" indent="-304800">
               <a:spcBef>
                 <a:spcPts val="0"/>
               </a:spcBef>
@@ -3806,7 +3895,7 @@
               <a:buChar char="●"/>
               <a:defRPr sz="1200"/>
             </a:lvl1pPr>
-            <a:lvl2pPr indent="-304800" lvl="1" marL="914400">
+            <a:lvl2pPr marL="914400" lvl="1" indent="-304800">
               <a:spcBef>
                 <a:spcPts val="0"/>
               </a:spcBef>
@@ -3817,7 +3906,7 @@
               <a:buChar char="○"/>
               <a:defRPr sz="1200"/>
             </a:lvl2pPr>
-            <a:lvl3pPr indent="-304800" lvl="2" marL="1371600">
+            <a:lvl3pPr marL="1371600" lvl="2" indent="-304800">
               <a:spcBef>
                 <a:spcPts val="0"/>
               </a:spcBef>
@@ -3828,7 +3917,7 @@
               <a:buChar char="■"/>
               <a:defRPr sz="1200"/>
             </a:lvl3pPr>
-            <a:lvl4pPr indent="-304800" lvl="3" marL="1828800">
+            <a:lvl4pPr marL="1828800" lvl="3" indent="-304800">
               <a:spcBef>
                 <a:spcPts val="0"/>
               </a:spcBef>
@@ -3839,7 +3928,7 @@
               <a:buChar char="●"/>
               <a:defRPr sz="1200"/>
             </a:lvl4pPr>
-            <a:lvl5pPr indent="-304800" lvl="4" marL="2286000">
+            <a:lvl5pPr marL="2286000" lvl="4" indent="-304800">
               <a:spcBef>
                 <a:spcPts val="0"/>
               </a:spcBef>
@@ -3850,7 +3939,7 @@
               <a:buChar char="○"/>
               <a:defRPr sz="1200"/>
             </a:lvl5pPr>
-            <a:lvl6pPr indent="-304800" lvl="5" marL="2743200">
+            <a:lvl6pPr marL="2743200" lvl="5" indent="-304800">
               <a:spcBef>
                 <a:spcPts val="0"/>
               </a:spcBef>
@@ -3861,7 +3950,7 @@
               <a:buChar char="■"/>
               <a:defRPr sz="1200"/>
             </a:lvl6pPr>
-            <a:lvl7pPr indent="-304800" lvl="6" marL="3200400">
+            <a:lvl7pPr marL="3200400" lvl="6" indent="-304800">
               <a:spcBef>
                 <a:spcPts val="0"/>
               </a:spcBef>
@@ -3872,7 +3961,7 @@
               <a:buChar char="●"/>
               <a:defRPr sz="1200"/>
             </a:lvl7pPr>
-            <a:lvl8pPr indent="-304800" lvl="7" marL="3657600">
+            <a:lvl8pPr marL="3657600" lvl="7" indent="-304800">
               <a:spcBef>
                 <a:spcPts val="0"/>
               </a:spcBef>
@@ -3883,7 +3972,7 @@
               <a:buChar char="○"/>
               <a:defRPr sz="1200"/>
             </a:lvl8pPr>
-            <a:lvl9pPr indent="-304800" lvl="8" marL="4114800">
+            <a:lvl9pPr marL="4114800" lvl="8" indent="-304800">
               <a:spcBef>
                 <a:spcPts val="0"/>
               </a:spcBef>
@@ -3895,15 +3984,19 @@
               <a:defRPr sz="1200"/>
             </a:lvl9pPr>
           </a:lstStyle>
-          <a:p/>
+          <a:p>
+            <a:endParaRPr/>
+          </a:p>
         </p:txBody>
       </p:sp>
       <p:sp>
         <p:nvSpPr>
           <p:cNvPr id="33" name="Google Shape;33;p7"/>
-          <p:cNvSpPr txBox="1"/>
+          <p:cNvSpPr txBox="1">
+            <a:spLocks noGrp="1"/>
+          </p:cNvSpPr>
           <p:nvPr>
-            <p:ph idx="12" type="sldNum"/>
+            <p:ph type="sldNum" idx="12"/>
           </p:nvPr>
         </p:nvSpPr>
         <p:spPr>
@@ -3916,7 +4009,7 @@
           </a:prstGeom>
         </p:spPr>
         <p:txBody>
-          <a:bodyPr anchorCtr="0" anchor="t" bIns="91425" lIns="91425" spcFirstLastPara="1" rIns="91425" wrap="square" tIns="91425">
+          <a:bodyPr spcFirstLastPara="1" wrap="square" lIns="91425" tIns="91425" rIns="91425" bIns="91425" anchor="t" anchorCtr="0">
             <a:noAutofit/>
           </a:bodyPr>
           <a:lstStyle>
@@ -3958,7 +4051,7 @@
             </a:lvl9pPr>
           </a:lstStyle>
           <a:p>
-            <a:pPr indent="0" lvl="0" marL="0" rtl="0" algn="ctr">
+            <a:pPr marL="0" lvl="0" indent="0" algn="ctr" rtl="0">
               <a:spcBef>
                 <a:spcPts val="0"/>
               </a:spcBef>
@@ -3984,11 +4077,11 @@
 </file>
 
 <file path=ppt/slideLayouts/slideLayout7.xml><?xml version="1.0" encoding="utf-8"?>
-<p:sldLayout xmlns:a="http://schemas.openxmlformats.org/drawingml/2006/main" xmlns:r="http://schemas.openxmlformats.org/officeDocument/2006/relationships" xmlns:mc="http://schemas.openxmlformats.org/markup-compatibility/2006" xmlns:mv="urn:schemas-microsoft-com:mac:vml" xmlns:p="http://schemas.openxmlformats.org/presentationml/2006/main" xmlns:c="http://schemas.openxmlformats.org/drawingml/2006/chart" xmlns:dgm="http://schemas.openxmlformats.org/drawingml/2006/diagram" xmlns:o="urn:schemas-microsoft-com:office:office" xmlns:v="urn:schemas-microsoft-com:vml" xmlns:pvml="urn:schemas-microsoft-com:office:powerpoint" xmlns:com="http://schemas.openxmlformats.org/drawingml/2006/compatibility" xmlns:p14="http://schemas.microsoft.com/office/powerpoint/2010/main" xmlns:p15="http://schemas.microsoft.com/office/powerpoint/2012/main" xmlns:ahyp="http://schemas.microsoft.com/office/drawing/2018/hyperlinkcolor" matchingName="Main point">
+<p:sldLayout xmlns:a="http://schemas.openxmlformats.org/drawingml/2006/main" xmlns:r="http://schemas.openxmlformats.org/officeDocument/2006/relationships" xmlns:p="http://schemas.openxmlformats.org/presentationml/2006/main" matchingName="Main point">
   <p:cSld name="MAIN_POINT">
     <p:spTree>
       <p:nvGrpSpPr>
-        <p:cNvPr id="34" name="Shape 34"/>
+        <p:cNvPr id="1" name="Shape 34"/>
         <p:cNvGrpSpPr/>
         <p:nvPr/>
       </p:nvGrpSpPr>
@@ -4003,7 +4096,9 @@
       <p:sp>
         <p:nvSpPr>
           <p:cNvPr id="35" name="Google Shape;35;p8"/>
-          <p:cNvSpPr txBox="1"/>
+          <p:cNvSpPr txBox="1">
+            <a:spLocks noGrp="1"/>
+          </p:cNvSpPr>
           <p:nvPr>
             <p:ph type="title"/>
           </p:nvPr>
@@ -4018,7 +4113,7 @@
           </a:prstGeom>
         </p:spPr>
         <p:txBody>
-          <a:bodyPr anchorCtr="0" anchor="ctr" bIns="91425" lIns="91425" spcFirstLastPara="1" rIns="91425" wrap="square" tIns="91425">
+          <a:bodyPr spcFirstLastPara="1" wrap="square" lIns="91425" tIns="91425" rIns="91425" bIns="91425" anchor="ctr" anchorCtr="0">
             <a:normAutofit/>
           </a:bodyPr>
           <a:lstStyle>
@@ -4122,15 +4217,19 @@
               <a:defRPr sz="4800"/>
             </a:lvl9pPr>
           </a:lstStyle>
-          <a:p/>
+          <a:p>
+            <a:endParaRPr/>
+          </a:p>
         </p:txBody>
       </p:sp>
       <p:sp>
         <p:nvSpPr>
           <p:cNvPr id="36" name="Google Shape;36;p8"/>
-          <p:cNvSpPr txBox="1"/>
+          <p:cNvSpPr txBox="1">
+            <a:spLocks noGrp="1"/>
+          </p:cNvSpPr>
           <p:nvPr>
-            <p:ph idx="12" type="sldNum"/>
+            <p:ph type="sldNum" idx="12"/>
           </p:nvPr>
         </p:nvSpPr>
         <p:spPr>
@@ -4143,7 +4242,7 @@
           </a:prstGeom>
         </p:spPr>
         <p:txBody>
-          <a:bodyPr anchorCtr="0" anchor="t" bIns="91425" lIns="91425" spcFirstLastPara="1" rIns="91425" wrap="square" tIns="91425">
+          <a:bodyPr spcFirstLastPara="1" wrap="square" lIns="91425" tIns="91425" rIns="91425" bIns="91425" anchor="t" anchorCtr="0">
             <a:noAutofit/>
           </a:bodyPr>
           <a:lstStyle>
@@ -4185,7 +4284,7 @@
             </a:lvl9pPr>
           </a:lstStyle>
           <a:p>
-            <a:pPr indent="0" lvl="0" marL="0" rtl="0" algn="ctr">
+            <a:pPr marL="0" lvl="0" indent="0" algn="ctr" rtl="0">
               <a:spcBef>
                 <a:spcPts val="0"/>
               </a:spcBef>
@@ -4211,11 +4310,11 @@
 </file>
 
 <file path=ppt/slideLayouts/slideLayout8.xml><?xml version="1.0" encoding="utf-8"?>
-<p:sldLayout xmlns:a="http://schemas.openxmlformats.org/drawingml/2006/main" xmlns:r="http://schemas.openxmlformats.org/officeDocument/2006/relationships" xmlns:mc="http://schemas.openxmlformats.org/markup-compatibility/2006" xmlns:mv="urn:schemas-microsoft-com:mac:vml" xmlns:p="http://schemas.openxmlformats.org/presentationml/2006/main" xmlns:c="http://schemas.openxmlformats.org/drawingml/2006/chart" xmlns:dgm="http://schemas.openxmlformats.org/drawingml/2006/diagram" xmlns:o="urn:schemas-microsoft-com:office:office" xmlns:v="urn:schemas-microsoft-com:vml" xmlns:pvml="urn:schemas-microsoft-com:office:powerpoint" xmlns:com="http://schemas.openxmlformats.org/drawingml/2006/compatibility" xmlns:p14="http://schemas.microsoft.com/office/powerpoint/2010/main" xmlns:p15="http://schemas.microsoft.com/office/powerpoint/2012/main" xmlns:ahyp="http://schemas.microsoft.com/office/drawing/2018/hyperlinkcolor" matchingName="Section title and description">
+<p:sldLayout xmlns:a="http://schemas.openxmlformats.org/drawingml/2006/main" xmlns:r="http://schemas.openxmlformats.org/officeDocument/2006/relationships" xmlns:p="http://schemas.openxmlformats.org/presentationml/2006/main" matchingName="Section title and description">
   <p:cSld name="SECTION_TITLE_AND_DESCRIPTION">
     <p:spTree>
       <p:nvGrpSpPr>
-        <p:cNvPr id="37" name="Shape 37"/>
+        <p:cNvPr id="1" name="Shape 37"/>
         <p:cNvGrpSpPr/>
         <p:nvPr/>
       </p:nvGrpSpPr>
@@ -4249,12 +4348,12 @@
           </a:ln>
         </p:spPr>
         <p:txBody>
-          <a:bodyPr anchorCtr="0" anchor="ctr" bIns="91425" lIns="91425" spcFirstLastPara="1" rIns="91425" wrap="square" tIns="91425">
+          <a:bodyPr spcFirstLastPara="1" wrap="square" lIns="91425" tIns="91425" rIns="91425" bIns="91425" anchor="ctr" anchorCtr="0">
             <a:noAutofit/>
           </a:bodyPr>
           <a:lstStyle/>
           <a:p>
-            <a:pPr indent="0" lvl="0" marL="0" rtl="0" algn="l">
+            <a:pPr marL="0" lvl="0" indent="0" algn="l" rtl="0">
               <a:spcBef>
                 <a:spcPts val="0"/>
               </a:spcBef>
@@ -4263,9 +4362,6 @@
               </a:spcAft>
               <a:buNone/>
             </a:pPr>
-            <a:r>
-              <a:t/>
-            </a:r>
             <a:endParaRPr/>
           </a:p>
         </p:txBody>
@@ -4273,7 +4369,9 @@
       <p:sp>
         <p:nvSpPr>
           <p:cNvPr id="39" name="Google Shape;39;p9"/>
-          <p:cNvSpPr txBox="1"/>
+          <p:cNvSpPr txBox="1">
+            <a:spLocks noGrp="1"/>
+          </p:cNvSpPr>
           <p:nvPr>
             <p:ph type="title"/>
           </p:nvPr>
@@ -4288,7 +4386,7 @@
           </a:prstGeom>
         </p:spPr>
         <p:txBody>
-          <a:bodyPr anchorCtr="0" anchor="b" bIns="91425" lIns="91425" spcFirstLastPara="1" rIns="91425" wrap="square" tIns="91425">
+          <a:bodyPr spcFirstLastPara="1" wrap="square" lIns="91425" tIns="91425" rIns="91425" bIns="91425" anchor="b" anchorCtr="0">
             <a:normAutofit/>
           </a:bodyPr>
           <a:lstStyle>
@@ -4392,15 +4490,19 @@
               <a:defRPr sz="4200"/>
             </a:lvl9pPr>
           </a:lstStyle>
-          <a:p/>
+          <a:p>
+            <a:endParaRPr/>
+          </a:p>
         </p:txBody>
       </p:sp>
       <p:sp>
         <p:nvSpPr>
           <p:cNvPr id="40" name="Google Shape;40;p9"/>
-          <p:cNvSpPr txBox="1"/>
+          <p:cNvSpPr txBox="1">
+            <a:spLocks noGrp="1"/>
+          </p:cNvSpPr>
           <p:nvPr>
-            <p:ph idx="1" type="subTitle"/>
+            <p:ph type="subTitle" idx="1"/>
           </p:nvPr>
         </p:nvSpPr>
         <p:spPr>
@@ -4413,7 +4515,7 @@
           </a:prstGeom>
         </p:spPr>
         <p:txBody>
-          <a:bodyPr anchorCtr="0" anchor="t" bIns="91425" lIns="91425" spcFirstLastPara="1" rIns="91425" wrap="square" tIns="91425">
+          <a:bodyPr spcFirstLastPara="1" wrap="square" lIns="91425" tIns="91425" rIns="91425" bIns="91425" anchor="t" anchorCtr="0">
             <a:normAutofit/>
           </a:bodyPr>
           <a:lstStyle>
@@ -4544,15 +4646,19 @@
               <a:defRPr sz="2100"/>
             </a:lvl9pPr>
           </a:lstStyle>
-          <a:p/>
+          <a:p>
+            <a:endParaRPr/>
+          </a:p>
         </p:txBody>
       </p:sp>
       <p:sp>
         <p:nvSpPr>
           <p:cNvPr id="41" name="Google Shape;41;p9"/>
-          <p:cNvSpPr txBox="1"/>
+          <p:cNvSpPr txBox="1">
+            <a:spLocks noGrp="1"/>
+          </p:cNvSpPr>
           <p:nvPr>
-            <p:ph idx="2" type="body"/>
+            <p:ph type="body" idx="2"/>
           </p:nvPr>
         </p:nvSpPr>
         <p:spPr>
@@ -4565,11 +4671,11 @@
           </a:prstGeom>
         </p:spPr>
         <p:txBody>
-          <a:bodyPr anchorCtr="0" anchor="ctr" bIns="91425" lIns="91425" spcFirstLastPara="1" rIns="91425" wrap="square" tIns="91425">
+          <a:bodyPr spcFirstLastPara="1" wrap="square" lIns="91425" tIns="91425" rIns="91425" bIns="91425" anchor="ctr" anchorCtr="0">
             <a:normAutofit/>
           </a:bodyPr>
           <a:lstStyle>
-            <a:lvl1pPr indent="-349250" lvl="0" marL="457200">
+            <a:lvl1pPr marL="457200" lvl="0" indent="-349250">
               <a:spcBef>
                 <a:spcPts val="0"/>
               </a:spcBef>
@@ -4580,7 +4686,7 @@
               <a:buChar char="●"/>
               <a:defRPr/>
             </a:lvl1pPr>
-            <a:lvl2pPr indent="-323850" lvl="1" marL="914400">
+            <a:lvl2pPr marL="914400" lvl="1" indent="-323850">
               <a:spcBef>
                 <a:spcPts val="0"/>
               </a:spcBef>
@@ -4591,7 +4697,7 @@
               <a:buChar char="○"/>
               <a:defRPr/>
             </a:lvl2pPr>
-            <a:lvl3pPr indent="-323850" lvl="2" marL="1371600">
+            <a:lvl3pPr marL="1371600" lvl="2" indent="-323850">
               <a:spcBef>
                 <a:spcPts val="0"/>
               </a:spcBef>
@@ -4602,7 +4708,7 @@
               <a:buChar char="■"/>
               <a:defRPr/>
             </a:lvl3pPr>
-            <a:lvl4pPr indent="-323850" lvl="3" marL="1828800">
+            <a:lvl4pPr marL="1828800" lvl="3" indent="-323850">
               <a:spcBef>
                 <a:spcPts val="0"/>
               </a:spcBef>
@@ -4613,7 +4719,7 @@
               <a:buChar char="●"/>
               <a:defRPr/>
             </a:lvl4pPr>
-            <a:lvl5pPr indent="-323850" lvl="4" marL="2286000">
+            <a:lvl5pPr marL="2286000" lvl="4" indent="-323850">
               <a:spcBef>
                 <a:spcPts val="0"/>
               </a:spcBef>
@@ -4624,7 +4730,7 @@
               <a:buChar char="○"/>
               <a:defRPr/>
             </a:lvl5pPr>
-            <a:lvl6pPr indent="-323850" lvl="5" marL="2743200">
+            <a:lvl6pPr marL="2743200" lvl="5" indent="-323850">
               <a:spcBef>
                 <a:spcPts val="0"/>
               </a:spcBef>
@@ -4635,7 +4741,7 @@
               <a:buChar char="■"/>
               <a:defRPr/>
             </a:lvl6pPr>
-            <a:lvl7pPr indent="-323850" lvl="6" marL="3200400">
+            <a:lvl7pPr marL="3200400" lvl="6" indent="-323850">
               <a:spcBef>
                 <a:spcPts val="0"/>
               </a:spcBef>
@@ -4646,7 +4752,7 @@
               <a:buChar char="●"/>
               <a:defRPr/>
             </a:lvl7pPr>
-            <a:lvl8pPr indent="-323850" lvl="7" marL="3657600">
+            <a:lvl8pPr marL="3657600" lvl="7" indent="-323850">
               <a:spcBef>
                 <a:spcPts val="0"/>
               </a:spcBef>
@@ -4657,7 +4763,7 @@
               <a:buChar char="○"/>
               <a:defRPr/>
             </a:lvl8pPr>
-            <a:lvl9pPr indent="-323850" lvl="8" marL="4114800">
+            <a:lvl9pPr marL="4114800" lvl="8" indent="-323850">
               <a:spcBef>
                 <a:spcPts val="0"/>
               </a:spcBef>
@@ -4669,15 +4775,19 @@
               <a:defRPr/>
             </a:lvl9pPr>
           </a:lstStyle>
-          <a:p/>
+          <a:p>
+            <a:endParaRPr/>
+          </a:p>
         </p:txBody>
       </p:sp>
       <p:sp>
         <p:nvSpPr>
           <p:cNvPr id="42" name="Google Shape;42;p9"/>
-          <p:cNvSpPr txBox="1"/>
+          <p:cNvSpPr txBox="1">
+            <a:spLocks noGrp="1"/>
+          </p:cNvSpPr>
           <p:nvPr>
-            <p:ph idx="12" type="sldNum"/>
+            <p:ph type="sldNum" idx="12"/>
           </p:nvPr>
         </p:nvSpPr>
         <p:spPr>
@@ -4690,7 +4800,7 @@
           </a:prstGeom>
         </p:spPr>
         <p:txBody>
-          <a:bodyPr anchorCtr="0" anchor="t" bIns="91425" lIns="91425" spcFirstLastPara="1" rIns="91425" wrap="square" tIns="91425">
+          <a:bodyPr spcFirstLastPara="1" wrap="square" lIns="91425" tIns="91425" rIns="91425" bIns="91425" anchor="t" anchorCtr="0">
             <a:noAutofit/>
           </a:bodyPr>
           <a:lstStyle>
@@ -4732,7 +4842,7 @@
             </a:lvl9pPr>
           </a:lstStyle>
           <a:p>
-            <a:pPr indent="0" lvl="0" marL="0" rtl="0" algn="ctr">
+            <a:pPr marL="0" lvl="0" indent="0" algn="ctr" rtl="0">
               <a:spcBef>
                 <a:spcPts val="0"/>
               </a:spcBef>
@@ -4758,11 +4868,11 @@
 </file>
 
 <file path=ppt/slideLayouts/slideLayout9.xml><?xml version="1.0" encoding="utf-8"?>
-<p:sldLayout xmlns:a="http://schemas.openxmlformats.org/drawingml/2006/main" xmlns:r="http://schemas.openxmlformats.org/officeDocument/2006/relationships" xmlns:mc="http://schemas.openxmlformats.org/markup-compatibility/2006" xmlns:mv="urn:schemas-microsoft-com:mac:vml" xmlns:p="http://schemas.openxmlformats.org/presentationml/2006/main" xmlns:c="http://schemas.openxmlformats.org/drawingml/2006/chart" xmlns:dgm="http://schemas.openxmlformats.org/drawingml/2006/diagram" xmlns:o="urn:schemas-microsoft-com:office:office" xmlns:v="urn:schemas-microsoft-com:vml" xmlns:pvml="urn:schemas-microsoft-com:office:powerpoint" xmlns:com="http://schemas.openxmlformats.org/drawingml/2006/compatibility" xmlns:p14="http://schemas.microsoft.com/office/powerpoint/2010/main" xmlns:p15="http://schemas.microsoft.com/office/powerpoint/2012/main" xmlns:ahyp="http://schemas.microsoft.com/office/drawing/2018/hyperlinkcolor" matchingName="Caption">
+<p:sldLayout xmlns:a="http://schemas.openxmlformats.org/drawingml/2006/main" xmlns:r="http://schemas.openxmlformats.org/officeDocument/2006/relationships" xmlns:p="http://schemas.openxmlformats.org/presentationml/2006/main" matchingName="Caption">
   <p:cSld name="CAPTION_ONLY">
     <p:spTree>
       <p:nvGrpSpPr>
-        <p:cNvPr id="43" name="Shape 43"/>
+        <p:cNvPr id="1" name="Shape 43"/>
         <p:cNvGrpSpPr/>
         <p:nvPr/>
       </p:nvGrpSpPr>
@@ -4777,9 +4887,11 @@
       <p:sp>
         <p:nvSpPr>
           <p:cNvPr id="44" name="Google Shape;44;p10"/>
-          <p:cNvSpPr txBox="1"/>
+          <p:cNvSpPr txBox="1">
+            <a:spLocks noGrp="1"/>
+          </p:cNvSpPr>
           <p:nvPr>
-            <p:ph idx="1" type="body"/>
+            <p:ph type="body" idx="1"/>
           </p:nvPr>
         </p:nvSpPr>
         <p:spPr>
@@ -4792,11 +4904,11 @@
           </a:prstGeom>
         </p:spPr>
         <p:txBody>
-          <a:bodyPr anchorCtr="0" anchor="ctr" bIns="91425" lIns="91425" spcFirstLastPara="1" rIns="91425" wrap="square" tIns="91425">
+          <a:bodyPr spcFirstLastPara="1" wrap="square" lIns="91425" tIns="91425" rIns="91425" bIns="91425" anchor="ctr" anchorCtr="0">
             <a:normAutofit/>
           </a:bodyPr>
           <a:lstStyle>
-            <a:lvl1pPr indent="-228600" lvl="0" marL="457200">
+            <a:lvl1pPr marL="457200" lvl="0" indent="-228600">
               <a:lnSpc>
                 <a:spcPct val="100000"/>
               </a:lnSpc>
@@ -4811,15 +4923,19 @@
               <a:defRPr/>
             </a:lvl1pPr>
           </a:lstStyle>
-          <a:p/>
+          <a:p>
+            <a:endParaRPr/>
+          </a:p>
         </p:txBody>
       </p:sp>
       <p:sp>
         <p:nvSpPr>
           <p:cNvPr id="45" name="Google Shape;45;p10"/>
-          <p:cNvSpPr txBox="1"/>
+          <p:cNvSpPr txBox="1">
+            <a:spLocks noGrp="1"/>
+          </p:cNvSpPr>
           <p:nvPr>
-            <p:ph idx="12" type="sldNum"/>
+            <p:ph type="sldNum" idx="12"/>
           </p:nvPr>
         </p:nvSpPr>
         <p:spPr>
@@ -4832,7 +4948,7 @@
           </a:prstGeom>
         </p:spPr>
         <p:txBody>
-          <a:bodyPr anchorCtr="0" anchor="t" bIns="91425" lIns="91425" spcFirstLastPara="1" rIns="91425" wrap="square" tIns="91425">
+          <a:bodyPr spcFirstLastPara="1" wrap="square" lIns="91425" tIns="91425" rIns="91425" bIns="91425" anchor="t" anchorCtr="0">
             <a:noAutofit/>
           </a:bodyPr>
           <a:lstStyle>
@@ -4874,7 +4990,7 @@
             </a:lvl9pPr>
           </a:lstStyle>
           <a:p>
-            <a:pPr indent="0" lvl="0" marL="0" rtl="0" algn="ctr">
+            <a:pPr marL="0" lvl="0" indent="0" algn="ctr" rtl="0">
               <a:spcBef>
                 <a:spcPts val="0"/>
               </a:spcBef>
@@ -4900,18 +5016,19 @@
 </file>
 
 <file path=ppt/slideMasters/slideMaster1.xml><?xml version="1.0" encoding="utf-8"?>
-<p:sldMaster xmlns:a="http://schemas.openxmlformats.org/drawingml/2006/main" xmlns:r="http://schemas.openxmlformats.org/officeDocument/2006/relationships" xmlns:mc="http://schemas.openxmlformats.org/markup-compatibility/2006" xmlns:mv="urn:schemas-microsoft-com:mac:vml" xmlns:p="http://schemas.openxmlformats.org/presentationml/2006/main" xmlns:c="http://schemas.openxmlformats.org/drawingml/2006/chart" xmlns:dgm="http://schemas.openxmlformats.org/drawingml/2006/diagram" xmlns:o="urn:schemas-microsoft-com:office:office" xmlns:v="urn:schemas-microsoft-com:vml" xmlns:pvml="urn:schemas-microsoft-com:office:powerpoint" xmlns:com="http://schemas.openxmlformats.org/drawingml/2006/compatibility" xmlns:p14="http://schemas.microsoft.com/office/powerpoint/2010/main" xmlns:p15="http://schemas.microsoft.com/office/powerpoint/2012/main" xmlns:ahyp="http://schemas.microsoft.com/office/drawing/2018/hyperlinkcolor">
+<p:sldMaster xmlns:a="http://schemas.openxmlformats.org/drawingml/2006/main" xmlns:r="http://schemas.openxmlformats.org/officeDocument/2006/relationships" xmlns:p="http://schemas.openxmlformats.org/presentationml/2006/main">
   <p:cSld name="simple-light-2">
     <p:bg>
       <p:bgPr>
         <a:solidFill>
           <a:schemeClr val="lt1"/>
         </a:solidFill>
+        <a:effectLst/>
       </p:bgPr>
     </p:bg>
     <p:spTree>
       <p:nvGrpSpPr>
-        <p:cNvPr id="5" name="Shape 5"/>
+        <p:cNvPr id="1" name="Shape 5"/>
         <p:cNvGrpSpPr/>
         <p:nvPr/>
       </p:nvGrpSpPr>
@@ -4926,7 +5043,9 @@
       <p:sp>
         <p:nvSpPr>
           <p:cNvPr id="6" name="Google Shape;6;p1"/>
-          <p:cNvSpPr txBox="1"/>
+          <p:cNvSpPr txBox="1">
+            <a:spLocks noGrp="1"/>
+          </p:cNvSpPr>
           <p:nvPr>
             <p:ph type="title"/>
           </p:nvPr>
@@ -4945,7 +5064,7 @@
           </a:ln>
         </p:spPr>
         <p:txBody>
-          <a:bodyPr anchorCtr="0" anchor="t" bIns="91425" lIns="91425" spcFirstLastPara="1" rIns="91425" wrap="square" tIns="91425">
+          <a:bodyPr spcFirstLastPara="1" wrap="square" lIns="91425" tIns="91425" rIns="91425" bIns="91425" anchor="t" anchorCtr="0">
             <a:normAutofit/>
           </a:bodyPr>
           <a:lstStyle>
@@ -4962,7 +5081,7 @@
               <a:buSzPts val="2800"/>
               <a:buFont typeface="DotGothic16"/>
               <a:buNone/>
-              <a:defRPr b="1" sz="2800">
+              <a:defRPr sz="2800" b="1">
                 <a:solidFill>
                   <a:schemeClr val="dk1"/>
                 </a:solidFill>
@@ -4985,7 +5104,7 @@
               <a:buSzPts val="2800"/>
               <a:buFont typeface="DotGothic16"/>
               <a:buNone/>
-              <a:defRPr b="1" sz="2800">
+              <a:defRPr sz="2800" b="1">
                 <a:solidFill>
                   <a:schemeClr val="dk1"/>
                 </a:solidFill>
@@ -5008,7 +5127,7 @@
               <a:buSzPts val="2800"/>
               <a:buFont typeface="DotGothic16"/>
               <a:buNone/>
-              <a:defRPr b="1" sz="2800">
+              <a:defRPr sz="2800" b="1">
                 <a:solidFill>
                   <a:schemeClr val="dk1"/>
                 </a:solidFill>
@@ -5031,7 +5150,7 @@
               <a:buSzPts val="2800"/>
               <a:buFont typeface="DotGothic16"/>
               <a:buNone/>
-              <a:defRPr b="1" sz="2800">
+              <a:defRPr sz="2800" b="1">
                 <a:solidFill>
                   <a:schemeClr val="dk1"/>
                 </a:solidFill>
@@ -5054,7 +5173,7 @@
               <a:buSzPts val="2800"/>
               <a:buFont typeface="DotGothic16"/>
               <a:buNone/>
-              <a:defRPr b="1" sz="2800">
+              <a:defRPr sz="2800" b="1">
                 <a:solidFill>
                   <a:schemeClr val="dk1"/>
                 </a:solidFill>
@@ -5077,7 +5196,7 @@
               <a:buSzPts val="2800"/>
               <a:buFont typeface="DotGothic16"/>
               <a:buNone/>
-              <a:defRPr b="1" sz="2800">
+              <a:defRPr sz="2800" b="1">
                 <a:solidFill>
                   <a:schemeClr val="dk1"/>
                 </a:solidFill>
@@ -5100,7 +5219,7 @@
               <a:buSzPts val="2800"/>
               <a:buFont typeface="DotGothic16"/>
               <a:buNone/>
-              <a:defRPr b="1" sz="2800">
+              <a:defRPr sz="2800" b="1">
                 <a:solidFill>
                   <a:schemeClr val="dk1"/>
                 </a:solidFill>
@@ -5123,7 +5242,7 @@
               <a:buSzPts val="2800"/>
               <a:buFont typeface="DotGothic16"/>
               <a:buNone/>
-              <a:defRPr b="1" sz="2800">
+              <a:defRPr sz="2800" b="1">
                 <a:solidFill>
                   <a:schemeClr val="dk1"/>
                 </a:solidFill>
@@ -5146,7 +5265,7 @@
               <a:buSzPts val="2800"/>
               <a:buFont typeface="DotGothic16"/>
               <a:buNone/>
-              <a:defRPr b="1" sz="2800">
+              <a:defRPr sz="2800" b="1">
                 <a:solidFill>
                   <a:schemeClr val="dk1"/>
                 </a:solidFill>
@@ -5157,15 +5276,19 @@
               </a:defRPr>
             </a:lvl9pPr>
           </a:lstStyle>
-          <a:p/>
+          <a:p>
+            <a:endParaRPr/>
+          </a:p>
         </p:txBody>
       </p:sp>
       <p:sp>
         <p:nvSpPr>
           <p:cNvPr id="7" name="Google Shape;7;p1"/>
-          <p:cNvSpPr txBox="1"/>
+          <p:cNvSpPr txBox="1">
+            <a:spLocks noGrp="1"/>
+          </p:cNvSpPr>
           <p:nvPr>
-            <p:ph idx="1" type="body"/>
+            <p:ph type="body" idx="1"/>
           </p:nvPr>
         </p:nvSpPr>
         <p:spPr>
@@ -5182,11 +5305,11 @@
           </a:ln>
         </p:spPr>
         <p:txBody>
-          <a:bodyPr anchorCtr="0" anchor="t" bIns="91425" lIns="91425" spcFirstLastPara="1" rIns="91425" wrap="square" tIns="91425">
+          <a:bodyPr spcFirstLastPara="1" wrap="square" lIns="91425" tIns="91425" rIns="91425" bIns="91425" anchor="t" anchorCtr="0">
             <a:normAutofit/>
           </a:bodyPr>
           <a:lstStyle>
-            <a:lvl1pPr indent="-349250" lvl="0" marL="457200">
+            <a:lvl1pPr marL="457200" lvl="0" indent="-349250">
               <a:lnSpc>
                 <a:spcPct val="115000"/>
               </a:lnSpc>
@@ -5212,7 +5335,7 @@
                 <a:sym typeface="DotGothic16"/>
               </a:defRPr>
             </a:lvl1pPr>
-            <a:lvl2pPr indent="-323850" lvl="1" marL="914400">
+            <a:lvl2pPr marL="914400" lvl="1" indent="-323850">
               <a:lnSpc>
                 <a:spcPct val="115000"/>
               </a:lnSpc>
@@ -5238,7 +5361,7 @@
                 <a:sym typeface="DotGothic16"/>
               </a:defRPr>
             </a:lvl2pPr>
-            <a:lvl3pPr indent="-323850" lvl="2" marL="1371600">
+            <a:lvl3pPr marL="1371600" lvl="2" indent="-323850">
               <a:lnSpc>
                 <a:spcPct val="115000"/>
               </a:lnSpc>
@@ -5264,7 +5387,7 @@
                 <a:sym typeface="DotGothic16"/>
               </a:defRPr>
             </a:lvl3pPr>
-            <a:lvl4pPr indent="-323850" lvl="3" marL="1828800">
+            <a:lvl4pPr marL="1828800" lvl="3" indent="-323850">
               <a:lnSpc>
                 <a:spcPct val="115000"/>
               </a:lnSpc>
@@ -5290,7 +5413,7 @@
                 <a:sym typeface="DotGothic16"/>
               </a:defRPr>
             </a:lvl4pPr>
-            <a:lvl5pPr indent="-323850" lvl="4" marL="2286000">
+            <a:lvl5pPr marL="2286000" lvl="4" indent="-323850">
               <a:lnSpc>
                 <a:spcPct val="115000"/>
               </a:lnSpc>
@@ -5316,7 +5439,7 @@
                 <a:sym typeface="DotGothic16"/>
               </a:defRPr>
             </a:lvl5pPr>
-            <a:lvl6pPr indent="-323850" lvl="5" marL="2743200">
+            <a:lvl6pPr marL="2743200" lvl="5" indent="-323850">
               <a:lnSpc>
                 <a:spcPct val="115000"/>
               </a:lnSpc>
@@ -5342,7 +5465,7 @@
                 <a:sym typeface="DotGothic16"/>
               </a:defRPr>
             </a:lvl6pPr>
-            <a:lvl7pPr indent="-323850" lvl="6" marL="3200400">
+            <a:lvl7pPr marL="3200400" lvl="6" indent="-323850">
               <a:lnSpc>
                 <a:spcPct val="115000"/>
               </a:lnSpc>
@@ -5368,7 +5491,7 @@
                 <a:sym typeface="DotGothic16"/>
               </a:defRPr>
             </a:lvl7pPr>
-            <a:lvl8pPr indent="-323850" lvl="7" marL="3657600">
+            <a:lvl8pPr marL="3657600" lvl="7" indent="-323850">
               <a:lnSpc>
                 <a:spcPct val="115000"/>
               </a:lnSpc>
@@ -5394,7 +5517,7 @@
                 <a:sym typeface="DotGothic16"/>
               </a:defRPr>
             </a:lvl8pPr>
-            <a:lvl9pPr indent="-323850" lvl="8" marL="4114800">
+            <a:lvl9pPr marL="4114800" lvl="8" indent="-323850">
               <a:lnSpc>
                 <a:spcPct val="115000"/>
               </a:lnSpc>
@@ -5421,15 +5544,19 @@
               </a:defRPr>
             </a:lvl9pPr>
           </a:lstStyle>
-          <a:p/>
+          <a:p>
+            <a:endParaRPr/>
+          </a:p>
         </p:txBody>
       </p:sp>
       <p:sp>
         <p:nvSpPr>
           <p:cNvPr id="8" name="Google Shape;8;p1"/>
-          <p:cNvSpPr txBox="1"/>
+          <p:cNvSpPr txBox="1">
+            <a:spLocks noGrp="1"/>
+          </p:cNvSpPr>
           <p:nvPr>
-            <p:ph idx="12" type="sldNum"/>
+            <p:ph type="sldNum" idx="12"/>
           </p:nvPr>
         </p:nvSpPr>
         <p:spPr>
@@ -5446,13 +5573,13 @@
           </a:ln>
         </p:spPr>
         <p:txBody>
-          <a:bodyPr anchorCtr="0" anchor="t" bIns="91425" lIns="91425" spcFirstLastPara="1" rIns="91425" wrap="square" tIns="91425">
+          <a:bodyPr spcFirstLastPara="1" wrap="square" lIns="91425" tIns="91425" rIns="91425" bIns="91425" anchor="t" anchorCtr="0">
             <a:noAutofit/>
           </a:bodyPr>
           <a:lstStyle>
             <a:lvl1pPr lvl="0" algn="ctr">
               <a:buNone/>
-              <a:defRPr b="1" sz="1800">
+              <a:defRPr sz="1800" b="1">
                 <a:solidFill>
                   <a:srgbClr val="8E7CC3"/>
                 </a:solidFill>
@@ -5464,7 +5591,7 @@
             </a:lvl1pPr>
             <a:lvl2pPr lvl="1" algn="ctr">
               <a:buNone/>
-              <a:defRPr b="1" sz="1800">
+              <a:defRPr sz="1800" b="1">
                 <a:solidFill>
                   <a:srgbClr val="8E7CC3"/>
                 </a:solidFill>
@@ -5476,7 +5603,7 @@
             </a:lvl2pPr>
             <a:lvl3pPr lvl="2" algn="ctr">
               <a:buNone/>
-              <a:defRPr b="1" sz="1800">
+              <a:defRPr sz="1800" b="1">
                 <a:solidFill>
                   <a:srgbClr val="8E7CC3"/>
                 </a:solidFill>
@@ -5488,7 +5615,7 @@
             </a:lvl3pPr>
             <a:lvl4pPr lvl="3" algn="ctr">
               <a:buNone/>
-              <a:defRPr b="1" sz="1800">
+              <a:defRPr sz="1800" b="1">
                 <a:solidFill>
                   <a:srgbClr val="8E7CC3"/>
                 </a:solidFill>
@@ -5500,7 +5627,7 @@
             </a:lvl4pPr>
             <a:lvl5pPr lvl="4" algn="ctr">
               <a:buNone/>
-              <a:defRPr b="1" sz="1800">
+              <a:defRPr sz="1800" b="1">
                 <a:solidFill>
                   <a:srgbClr val="8E7CC3"/>
                 </a:solidFill>
@@ -5512,7 +5639,7 @@
             </a:lvl5pPr>
             <a:lvl6pPr lvl="5" algn="ctr">
               <a:buNone/>
-              <a:defRPr b="1" sz="1800">
+              <a:defRPr sz="1800" b="1">
                 <a:solidFill>
                   <a:srgbClr val="8E7CC3"/>
                 </a:solidFill>
@@ -5524,7 +5651,7 @@
             </a:lvl6pPr>
             <a:lvl7pPr lvl="6" algn="ctr">
               <a:buNone/>
-              <a:defRPr b="1" sz="1800">
+              <a:defRPr sz="1800" b="1">
                 <a:solidFill>
                   <a:srgbClr val="8E7CC3"/>
                 </a:solidFill>
@@ -5536,7 +5663,7 @@
             </a:lvl7pPr>
             <a:lvl8pPr lvl="7" algn="ctr">
               <a:buNone/>
-              <a:defRPr b="1" sz="1800">
+              <a:defRPr sz="1800" b="1">
                 <a:solidFill>
                   <a:srgbClr val="8E7CC3"/>
                 </a:solidFill>
@@ -5548,7 +5675,7 @@
             </a:lvl8pPr>
             <a:lvl9pPr lvl="8" algn="ctr">
               <a:buNone/>
-              <a:defRPr b="1" sz="1800">
+              <a:defRPr sz="1800" b="1">
                 <a:solidFill>
                   <a:srgbClr val="8E7CC3"/>
                 </a:solidFill>
@@ -5560,7 +5687,7 @@
             </a:lvl9pPr>
           </a:lstStyle>
           <a:p>
-            <a:pPr indent="0" lvl="0" marL="0" rtl="0" algn="ctr">
+            <a:pPr marL="0" lvl="0" indent="0" algn="ctr" rtl="0">
               <a:spcBef>
                 <a:spcPts val="0"/>
               </a:spcBef>
@@ -5579,7 +5706,7 @@
       </p:sp>
     </p:spTree>
   </p:cSld>
-  <p:clrMap accent1="accent1" accent2="accent2" accent3="accent3" accent4="accent4" accent5="accent5" accent6="accent6" bg1="lt1" bg2="dk2" tx1="dk1" tx2="lt2" folHlink="folHlink" hlink="hlink"/>
+  <p:clrMap bg1="lt1" tx1="dk1" bg2="dk2" tx2="lt2" accent1="accent1" accent2="accent2" accent3="accent3" accent4="accent4" accent5="accent5" accent6="accent6" hlink="hlink" folHlink="folHlink"/>
   <p:sldLayoutIdLst>
     <p:sldLayoutId id="2147483648" r:id="rId1"/>
     <p:sldLayoutId id="2147483649" r:id="rId2"/>
@@ -5593,10 +5720,10 @@
     <p:sldLayoutId id="2147483657" r:id="rId10"/>
     <p:sldLayoutId id="2147483658" r:id="rId11"/>
   </p:sldLayoutIdLst>
-  <p:hf dt="0" ftr="0" hdr="0"/>
+  <p:hf hdr="0" ftr="0" dt="0"/>
   <p:txStyles>
     <p:titleStyle>
-      <a:defPPr lvl="0" marR="0" rtl="0" algn="l">
+      <a:defPPr marR="0" lvl="0" algn="l" rtl="0">
         <a:lnSpc>
           <a:spcPct val="100000"/>
         </a:lnSpc>
@@ -5607,7 +5734,7 @@
           <a:spcPts val="0"/>
         </a:spcAft>
       </a:defPPr>
-      <a:lvl1pPr lvl="0" marR="0" rtl="0" algn="l">
+      <a:lvl1pPr marR="0" lvl="0" algn="l" rtl="0">
         <a:lnSpc>
           <a:spcPct val="100000"/>
         </a:lnSpc>
@@ -5621,7 +5748,7 @@
           <a:srgbClr val="000000"/>
         </a:buClr>
         <a:buFont typeface="Arial"/>
-        <a:defRPr b="0" i="0" sz="1400" u="none" cap="none" strike="noStrike">
+        <a:defRPr sz="1400" b="0" i="0" u="none" strike="noStrike" cap="none">
           <a:solidFill>
             <a:srgbClr val="000000"/>
           </a:solidFill>
@@ -5631,7 +5758,7 @@
           <a:sym typeface="Arial"/>
         </a:defRPr>
       </a:lvl1pPr>
-      <a:lvl2pPr lvl="1" marR="0" rtl="0" algn="l">
+      <a:lvl2pPr marR="0" lvl="1" algn="l" rtl="0">
         <a:lnSpc>
           <a:spcPct val="100000"/>
         </a:lnSpc>
@@ -5645,7 +5772,7 @@
           <a:srgbClr val="000000"/>
         </a:buClr>
         <a:buFont typeface="Arial"/>
-        <a:defRPr b="0" i="0" sz="1400" u="none" cap="none" strike="noStrike">
+        <a:defRPr sz="1400" b="0" i="0" u="none" strike="noStrike" cap="none">
           <a:solidFill>
             <a:srgbClr val="000000"/>
           </a:solidFill>
@@ -5655,7 +5782,7 @@
           <a:sym typeface="Arial"/>
         </a:defRPr>
       </a:lvl2pPr>
-      <a:lvl3pPr lvl="2" marR="0" rtl="0" algn="l">
+      <a:lvl3pPr marR="0" lvl="2" algn="l" rtl="0">
         <a:lnSpc>
           <a:spcPct val="100000"/>
         </a:lnSpc>
@@ -5669,7 +5796,7 @@
           <a:srgbClr val="000000"/>
         </a:buClr>
         <a:buFont typeface="Arial"/>
-        <a:defRPr b="0" i="0" sz="1400" u="none" cap="none" strike="noStrike">
+        <a:defRPr sz="1400" b="0" i="0" u="none" strike="noStrike" cap="none">
           <a:solidFill>
             <a:srgbClr val="000000"/>
           </a:solidFill>
@@ -5679,7 +5806,7 @@
           <a:sym typeface="Arial"/>
         </a:defRPr>
       </a:lvl3pPr>
-      <a:lvl4pPr lvl="3" marR="0" rtl="0" algn="l">
+      <a:lvl4pPr marR="0" lvl="3" algn="l" rtl="0">
         <a:lnSpc>
           <a:spcPct val="100000"/>
         </a:lnSpc>
@@ -5693,7 +5820,7 @@
           <a:srgbClr val="000000"/>
         </a:buClr>
         <a:buFont typeface="Arial"/>
-        <a:defRPr b="0" i="0" sz="1400" u="none" cap="none" strike="noStrike">
+        <a:defRPr sz="1400" b="0" i="0" u="none" strike="noStrike" cap="none">
           <a:solidFill>
             <a:srgbClr val="000000"/>
           </a:solidFill>
@@ -5703,7 +5830,7 @@
           <a:sym typeface="Arial"/>
         </a:defRPr>
       </a:lvl4pPr>
-      <a:lvl5pPr lvl="4" marR="0" rtl="0" algn="l">
+      <a:lvl5pPr marR="0" lvl="4" algn="l" rtl="0">
         <a:lnSpc>
           <a:spcPct val="100000"/>
         </a:lnSpc>
@@ -5717,7 +5844,7 @@
           <a:srgbClr val="000000"/>
         </a:buClr>
         <a:buFont typeface="Arial"/>
-        <a:defRPr b="0" i="0" sz="1400" u="none" cap="none" strike="noStrike">
+        <a:defRPr sz="1400" b="0" i="0" u="none" strike="noStrike" cap="none">
           <a:solidFill>
             <a:srgbClr val="000000"/>
           </a:solidFill>
@@ -5727,7 +5854,7 @@
           <a:sym typeface="Arial"/>
         </a:defRPr>
       </a:lvl5pPr>
-      <a:lvl6pPr lvl="5" marR="0" rtl="0" algn="l">
+      <a:lvl6pPr marR="0" lvl="5" algn="l" rtl="0">
         <a:lnSpc>
           <a:spcPct val="100000"/>
         </a:lnSpc>
@@ -5741,7 +5868,7 @@
           <a:srgbClr val="000000"/>
         </a:buClr>
         <a:buFont typeface="Arial"/>
-        <a:defRPr b="0" i="0" sz="1400" u="none" cap="none" strike="noStrike">
+        <a:defRPr sz="1400" b="0" i="0" u="none" strike="noStrike" cap="none">
           <a:solidFill>
             <a:srgbClr val="000000"/>
           </a:solidFill>
@@ -5751,7 +5878,7 @@
           <a:sym typeface="Arial"/>
         </a:defRPr>
       </a:lvl6pPr>
-      <a:lvl7pPr lvl="6" marR="0" rtl="0" algn="l">
+      <a:lvl7pPr marR="0" lvl="6" algn="l" rtl="0">
         <a:lnSpc>
           <a:spcPct val="100000"/>
         </a:lnSpc>
@@ -5765,7 +5892,7 @@
           <a:srgbClr val="000000"/>
         </a:buClr>
         <a:buFont typeface="Arial"/>
-        <a:defRPr b="0" i="0" sz="1400" u="none" cap="none" strike="noStrike">
+        <a:defRPr sz="1400" b="0" i="0" u="none" strike="noStrike" cap="none">
           <a:solidFill>
             <a:srgbClr val="000000"/>
           </a:solidFill>
@@ -5775,7 +5902,7 @@
           <a:sym typeface="Arial"/>
         </a:defRPr>
       </a:lvl7pPr>
-      <a:lvl8pPr lvl="7" marR="0" rtl="0" algn="l">
+      <a:lvl8pPr marR="0" lvl="7" algn="l" rtl="0">
         <a:lnSpc>
           <a:spcPct val="100000"/>
         </a:lnSpc>
@@ -5789,7 +5916,7 @@
           <a:srgbClr val="000000"/>
         </a:buClr>
         <a:buFont typeface="Arial"/>
-        <a:defRPr b="0" i="0" sz="1400" u="none" cap="none" strike="noStrike">
+        <a:defRPr sz="1400" b="0" i="0" u="none" strike="noStrike" cap="none">
           <a:solidFill>
             <a:srgbClr val="000000"/>
           </a:solidFill>
@@ -5799,7 +5926,7 @@
           <a:sym typeface="Arial"/>
         </a:defRPr>
       </a:lvl8pPr>
-      <a:lvl9pPr lvl="8" marR="0" rtl="0" algn="l">
+      <a:lvl9pPr marR="0" lvl="8" algn="l" rtl="0">
         <a:lnSpc>
           <a:spcPct val="100000"/>
         </a:lnSpc>
@@ -5813,7 +5940,7 @@
           <a:srgbClr val="000000"/>
         </a:buClr>
         <a:buFont typeface="Arial"/>
-        <a:defRPr b="0" i="0" sz="1400" u="none" cap="none" strike="noStrike">
+        <a:defRPr sz="1400" b="0" i="0" u="none" strike="noStrike" cap="none">
           <a:solidFill>
             <a:srgbClr val="000000"/>
           </a:solidFill>
@@ -5825,7 +5952,7 @@
       </a:lvl9pPr>
     </p:titleStyle>
     <p:bodyStyle>
-      <a:defPPr lvl="0" marR="0" rtl="0" algn="l">
+      <a:defPPr marR="0" lvl="0" algn="l" rtl="0">
         <a:lnSpc>
           <a:spcPct val="100000"/>
         </a:lnSpc>
@@ -5836,7 +5963,7 @@
           <a:spcPts val="0"/>
         </a:spcAft>
       </a:defPPr>
-      <a:lvl1pPr lvl="0" marR="0" rtl="0" algn="l">
+      <a:lvl1pPr marR="0" lvl="0" algn="l" rtl="0">
         <a:lnSpc>
           <a:spcPct val="100000"/>
         </a:lnSpc>
@@ -5850,7 +5977,7 @@
           <a:srgbClr val="000000"/>
         </a:buClr>
         <a:buFont typeface="Arial"/>
-        <a:defRPr b="0" i="0" sz="1400" u="none" cap="none" strike="noStrike">
+        <a:defRPr sz="1400" b="0" i="0" u="none" strike="noStrike" cap="none">
           <a:solidFill>
             <a:srgbClr val="000000"/>
           </a:solidFill>
@@ -5860,7 +5987,7 @@
           <a:sym typeface="Arial"/>
         </a:defRPr>
       </a:lvl1pPr>
-      <a:lvl2pPr lvl="1" marR="0" rtl="0" algn="l">
+      <a:lvl2pPr marR="0" lvl="1" algn="l" rtl="0">
         <a:lnSpc>
           <a:spcPct val="100000"/>
         </a:lnSpc>
@@ -5874,7 +6001,7 @@
           <a:srgbClr val="000000"/>
         </a:buClr>
         <a:buFont typeface="Arial"/>
-        <a:defRPr b="0" i="0" sz="1400" u="none" cap="none" strike="noStrike">
+        <a:defRPr sz="1400" b="0" i="0" u="none" strike="noStrike" cap="none">
           <a:solidFill>
             <a:srgbClr val="000000"/>
           </a:solidFill>
@@ -5884,7 +6011,7 @@
           <a:sym typeface="Arial"/>
         </a:defRPr>
       </a:lvl2pPr>
-      <a:lvl3pPr lvl="2" marR="0" rtl="0" algn="l">
+      <a:lvl3pPr marR="0" lvl="2" algn="l" rtl="0">
         <a:lnSpc>
           <a:spcPct val="100000"/>
         </a:lnSpc>
@@ -5898,7 +6025,7 @@
           <a:srgbClr val="000000"/>
         </a:buClr>
         <a:buFont typeface="Arial"/>
-        <a:defRPr b="0" i="0" sz="1400" u="none" cap="none" strike="noStrike">
+        <a:defRPr sz="1400" b="0" i="0" u="none" strike="noStrike" cap="none">
           <a:solidFill>
             <a:srgbClr val="000000"/>
           </a:solidFill>
@@ -5908,7 +6035,7 @@
           <a:sym typeface="Arial"/>
         </a:defRPr>
       </a:lvl3pPr>
-      <a:lvl4pPr lvl="3" marR="0" rtl="0" algn="l">
+      <a:lvl4pPr marR="0" lvl="3" algn="l" rtl="0">
         <a:lnSpc>
           <a:spcPct val="100000"/>
         </a:lnSpc>
@@ -5922,7 +6049,7 @@
           <a:srgbClr val="000000"/>
         </a:buClr>
         <a:buFont typeface="Arial"/>
-        <a:defRPr b="0" i="0" sz="1400" u="none" cap="none" strike="noStrike">
+        <a:defRPr sz="1400" b="0" i="0" u="none" strike="noStrike" cap="none">
           <a:solidFill>
             <a:srgbClr val="000000"/>
           </a:solidFill>
@@ -5932,7 +6059,7 @@
           <a:sym typeface="Arial"/>
         </a:defRPr>
       </a:lvl4pPr>
-      <a:lvl5pPr lvl="4" marR="0" rtl="0" algn="l">
+      <a:lvl5pPr marR="0" lvl="4" algn="l" rtl="0">
         <a:lnSpc>
           <a:spcPct val="100000"/>
         </a:lnSpc>
@@ -5946,7 +6073,7 @@
           <a:srgbClr val="000000"/>
         </a:buClr>
         <a:buFont typeface="Arial"/>
-        <a:defRPr b="0" i="0" sz="1400" u="none" cap="none" strike="noStrike">
+        <a:defRPr sz="1400" b="0" i="0" u="none" strike="noStrike" cap="none">
           <a:solidFill>
             <a:srgbClr val="000000"/>
           </a:solidFill>
@@ -5956,7 +6083,7 @@
           <a:sym typeface="Arial"/>
         </a:defRPr>
       </a:lvl5pPr>
-      <a:lvl6pPr lvl="5" marR="0" rtl="0" algn="l">
+      <a:lvl6pPr marR="0" lvl="5" algn="l" rtl="0">
         <a:lnSpc>
           <a:spcPct val="100000"/>
         </a:lnSpc>
@@ -5970,7 +6097,7 @@
           <a:srgbClr val="000000"/>
         </a:buClr>
         <a:buFont typeface="Arial"/>
-        <a:defRPr b="0" i="0" sz="1400" u="none" cap="none" strike="noStrike">
+        <a:defRPr sz="1400" b="0" i="0" u="none" strike="noStrike" cap="none">
           <a:solidFill>
             <a:srgbClr val="000000"/>
           </a:solidFill>
@@ -5980,7 +6107,7 @@
           <a:sym typeface="Arial"/>
         </a:defRPr>
       </a:lvl6pPr>
-      <a:lvl7pPr lvl="6" marR="0" rtl="0" algn="l">
+      <a:lvl7pPr marR="0" lvl="6" algn="l" rtl="0">
         <a:lnSpc>
           <a:spcPct val="100000"/>
         </a:lnSpc>
@@ -5994,7 +6121,7 @@
           <a:srgbClr val="000000"/>
         </a:buClr>
         <a:buFont typeface="Arial"/>
-        <a:defRPr b="0" i="0" sz="1400" u="none" cap="none" strike="noStrike">
+        <a:defRPr sz="1400" b="0" i="0" u="none" strike="noStrike" cap="none">
           <a:solidFill>
             <a:srgbClr val="000000"/>
           </a:solidFill>
@@ -6004,7 +6131,7 @@
           <a:sym typeface="Arial"/>
         </a:defRPr>
       </a:lvl7pPr>
-      <a:lvl8pPr lvl="7" marR="0" rtl="0" algn="l">
+      <a:lvl8pPr marR="0" lvl="7" algn="l" rtl="0">
         <a:lnSpc>
           <a:spcPct val="100000"/>
         </a:lnSpc>
@@ -6018,7 +6145,7 @@
           <a:srgbClr val="000000"/>
         </a:buClr>
         <a:buFont typeface="Arial"/>
-        <a:defRPr b="0" i="0" sz="1400" u="none" cap="none" strike="noStrike">
+        <a:defRPr sz="1400" b="0" i="0" u="none" strike="noStrike" cap="none">
           <a:solidFill>
             <a:srgbClr val="000000"/>
           </a:solidFill>
@@ -6028,7 +6155,7 @@
           <a:sym typeface="Arial"/>
         </a:defRPr>
       </a:lvl8pPr>
-      <a:lvl9pPr lvl="8" marR="0" rtl="0" algn="l">
+      <a:lvl9pPr marR="0" lvl="8" algn="l" rtl="0">
         <a:lnSpc>
           <a:spcPct val="100000"/>
         </a:lnSpc>
@@ -6042,7 +6169,7 @@
           <a:srgbClr val="000000"/>
         </a:buClr>
         <a:buFont typeface="Arial"/>
-        <a:defRPr b="0" i="0" sz="1400" u="none" cap="none" strike="noStrike">
+        <a:defRPr sz="1400" b="0" i="0" u="none" strike="noStrike" cap="none">
           <a:solidFill>
             <a:srgbClr val="000000"/>
           </a:solidFill>
@@ -6054,7 +6181,7 @@
       </a:lvl9pPr>
     </p:bodyStyle>
     <p:otherStyle>
-      <a:defPPr lvl="0" marR="0" rtl="0" algn="l">
+      <a:defPPr marR="0" lvl="0" algn="l" rtl="0">
         <a:lnSpc>
           <a:spcPct val="100000"/>
         </a:lnSpc>
@@ -6065,7 +6192,7 @@
           <a:spcPts val="0"/>
         </a:spcAft>
       </a:defPPr>
-      <a:lvl1pPr lvl="0" marR="0" rtl="0" algn="l">
+      <a:lvl1pPr marR="0" lvl="0" algn="l" rtl="0">
         <a:lnSpc>
           <a:spcPct val="100000"/>
         </a:lnSpc>
@@ -6079,7 +6206,7 @@
           <a:srgbClr val="000000"/>
         </a:buClr>
         <a:buFont typeface="Arial"/>
-        <a:defRPr b="0" i="0" sz="1400" u="none" cap="none" strike="noStrike">
+        <a:defRPr sz="1400" b="0" i="0" u="none" strike="noStrike" cap="none">
           <a:solidFill>
             <a:srgbClr val="000000"/>
           </a:solidFill>
@@ -6089,7 +6216,7 @@
           <a:sym typeface="Arial"/>
         </a:defRPr>
       </a:lvl1pPr>
-      <a:lvl2pPr lvl="1" marR="0" rtl="0" algn="l">
+      <a:lvl2pPr marR="0" lvl="1" algn="l" rtl="0">
         <a:lnSpc>
           <a:spcPct val="100000"/>
         </a:lnSpc>
@@ -6103,7 +6230,7 @@
           <a:srgbClr val="000000"/>
         </a:buClr>
         <a:buFont typeface="Arial"/>
-        <a:defRPr b="0" i="0" sz="1400" u="none" cap="none" strike="noStrike">
+        <a:defRPr sz="1400" b="0" i="0" u="none" strike="noStrike" cap="none">
           <a:solidFill>
             <a:srgbClr val="000000"/>
           </a:solidFill>
@@ -6113,7 +6240,7 @@
           <a:sym typeface="Arial"/>
         </a:defRPr>
       </a:lvl2pPr>
-      <a:lvl3pPr lvl="2" marR="0" rtl="0" algn="l">
+      <a:lvl3pPr marR="0" lvl="2" algn="l" rtl="0">
         <a:lnSpc>
           <a:spcPct val="100000"/>
         </a:lnSpc>
@@ -6127,7 +6254,7 @@
           <a:srgbClr val="000000"/>
         </a:buClr>
         <a:buFont typeface="Arial"/>
-        <a:defRPr b="0" i="0" sz="1400" u="none" cap="none" strike="noStrike">
+        <a:defRPr sz="1400" b="0" i="0" u="none" strike="noStrike" cap="none">
           <a:solidFill>
             <a:srgbClr val="000000"/>
           </a:solidFill>
@@ -6137,7 +6264,7 @@
           <a:sym typeface="Arial"/>
         </a:defRPr>
       </a:lvl3pPr>
-      <a:lvl4pPr lvl="3" marR="0" rtl="0" algn="l">
+      <a:lvl4pPr marR="0" lvl="3" algn="l" rtl="0">
         <a:lnSpc>
           <a:spcPct val="100000"/>
         </a:lnSpc>
@@ -6151,7 +6278,7 @@
           <a:srgbClr val="000000"/>
         </a:buClr>
         <a:buFont typeface="Arial"/>
-        <a:defRPr b="0" i="0" sz="1400" u="none" cap="none" strike="noStrike">
+        <a:defRPr sz="1400" b="0" i="0" u="none" strike="noStrike" cap="none">
           <a:solidFill>
             <a:srgbClr val="000000"/>
           </a:solidFill>
@@ -6161,7 +6288,7 @@
           <a:sym typeface="Arial"/>
         </a:defRPr>
       </a:lvl4pPr>
-      <a:lvl5pPr lvl="4" marR="0" rtl="0" algn="l">
+      <a:lvl5pPr marR="0" lvl="4" algn="l" rtl="0">
         <a:lnSpc>
           <a:spcPct val="100000"/>
         </a:lnSpc>
@@ -6175,7 +6302,7 @@
           <a:srgbClr val="000000"/>
         </a:buClr>
         <a:buFont typeface="Arial"/>
-        <a:defRPr b="0" i="0" sz="1400" u="none" cap="none" strike="noStrike">
+        <a:defRPr sz="1400" b="0" i="0" u="none" strike="noStrike" cap="none">
           <a:solidFill>
             <a:srgbClr val="000000"/>
           </a:solidFill>
@@ -6185,7 +6312,7 @@
           <a:sym typeface="Arial"/>
         </a:defRPr>
       </a:lvl5pPr>
-      <a:lvl6pPr lvl="5" marR="0" rtl="0" algn="l">
+      <a:lvl6pPr marR="0" lvl="5" algn="l" rtl="0">
         <a:lnSpc>
           <a:spcPct val="100000"/>
         </a:lnSpc>
@@ -6199,7 +6326,7 @@
           <a:srgbClr val="000000"/>
         </a:buClr>
         <a:buFont typeface="Arial"/>
-        <a:defRPr b="0" i="0" sz="1400" u="none" cap="none" strike="noStrike">
+        <a:defRPr sz="1400" b="0" i="0" u="none" strike="noStrike" cap="none">
           <a:solidFill>
             <a:srgbClr val="000000"/>
           </a:solidFill>
@@ -6209,7 +6336,7 @@
           <a:sym typeface="Arial"/>
         </a:defRPr>
       </a:lvl6pPr>
-      <a:lvl7pPr lvl="6" marR="0" rtl="0" algn="l">
+      <a:lvl7pPr marR="0" lvl="6" algn="l" rtl="0">
         <a:lnSpc>
           <a:spcPct val="100000"/>
         </a:lnSpc>
@@ -6223,7 +6350,7 @@
           <a:srgbClr val="000000"/>
         </a:buClr>
         <a:buFont typeface="Arial"/>
-        <a:defRPr b="0" i="0" sz="1400" u="none" cap="none" strike="noStrike">
+        <a:defRPr sz="1400" b="0" i="0" u="none" strike="noStrike" cap="none">
           <a:solidFill>
             <a:srgbClr val="000000"/>
           </a:solidFill>
@@ -6233,7 +6360,7 @@
           <a:sym typeface="Arial"/>
         </a:defRPr>
       </a:lvl7pPr>
-      <a:lvl8pPr lvl="7" marR="0" rtl="0" algn="l">
+      <a:lvl8pPr marR="0" lvl="7" algn="l" rtl="0">
         <a:lnSpc>
           <a:spcPct val="100000"/>
         </a:lnSpc>
@@ -6247,7 +6374,7 @@
           <a:srgbClr val="000000"/>
         </a:buClr>
         <a:buFont typeface="Arial"/>
-        <a:defRPr b="0" i="0" sz="1400" u="none" cap="none" strike="noStrike">
+        <a:defRPr sz="1400" b="0" i="0" u="none" strike="noStrike" cap="none">
           <a:solidFill>
             <a:srgbClr val="000000"/>
           </a:solidFill>
@@ -6257,7 +6384,7 @@
           <a:sym typeface="Arial"/>
         </a:defRPr>
       </a:lvl8pPr>
-      <a:lvl9pPr lvl="8" marR="0" rtl="0" algn="l">
+      <a:lvl9pPr marR="0" lvl="8" algn="l" rtl="0">
         <a:lnSpc>
           <a:spcPct val="100000"/>
         </a:lnSpc>
@@ -6271,7 +6398,7 @@
           <a:srgbClr val="000000"/>
         </a:buClr>
         <a:buFont typeface="Arial"/>
-        <a:defRPr b="0" i="0" sz="1400" u="none" cap="none" strike="noStrike">
+        <a:defRPr sz="1400" b="0" i="0" u="none" strike="noStrike" cap="none">
           <a:solidFill>
             <a:srgbClr val="000000"/>
           </a:solidFill>
@@ -6287,11 +6414,11 @@
 </file>
 
 <file path=ppt/slides/slide1.xml><?xml version="1.0" encoding="utf-8"?>
-<p:sld xmlns:a="http://schemas.openxmlformats.org/drawingml/2006/main" xmlns:r="http://schemas.openxmlformats.org/officeDocument/2006/relationships" xmlns:mc="http://schemas.openxmlformats.org/markup-compatibility/2006" xmlns:mv="urn:schemas-microsoft-com:mac:vml" xmlns:p="http://schemas.openxmlformats.org/presentationml/2006/main" xmlns:c="http://schemas.openxmlformats.org/drawingml/2006/chart" xmlns:dgm="http://schemas.openxmlformats.org/drawingml/2006/diagram" xmlns:o="urn:schemas-microsoft-com:office:office" xmlns:v="urn:schemas-microsoft-com:vml" xmlns:pvml="urn:schemas-microsoft-com:office:powerpoint" xmlns:com="http://schemas.openxmlformats.org/drawingml/2006/compatibility" xmlns:p14="http://schemas.microsoft.com/office/powerpoint/2010/main" xmlns:p15="http://schemas.microsoft.com/office/powerpoint/2012/main" xmlns:ahyp="http://schemas.microsoft.com/office/drawing/2018/hyperlinkcolor">
+<p:sld xmlns:a="http://schemas.openxmlformats.org/drawingml/2006/main" xmlns:r="http://schemas.openxmlformats.org/officeDocument/2006/relationships" xmlns:p="http://schemas.openxmlformats.org/presentationml/2006/main">
   <p:cSld>
     <p:spTree>
       <p:nvGrpSpPr>
-        <p:cNvPr id="55" name="Shape 55"/>
+        <p:cNvPr id="1" name="Shape 55"/>
         <p:cNvGrpSpPr/>
         <p:nvPr/>
       </p:nvGrpSpPr>
@@ -6306,9 +6433,11 @@
       <p:sp>
         <p:nvSpPr>
           <p:cNvPr id="56" name="Google Shape;56;p13"/>
-          <p:cNvSpPr txBox="1"/>
+          <p:cNvSpPr txBox="1">
+            <a:spLocks noGrp="1"/>
+          </p:cNvSpPr>
           <p:nvPr>
-            <p:ph idx="4294967295" type="title"/>
+            <p:ph type="title" idx="4294967295"/>
           </p:nvPr>
         </p:nvSpPr>
         <p:spPr>
@@ -6321,12 +6450,12 @@
           </a:prstGeom>
         </p:spPr>
         <p:txBody>
-          <a:bodyPr anchorCtr="0" anchor="t" bIns="91425" lIns="91425" spcFirstLastPara="1" rIns="91425" wrap="square" tIns="91425">
+          <a:bodyPr spcFirstLastPara="1" wrap="square" lIns="91425" tIns="91425" rIns="91425" bIns="91425" anchor="t" anchorCtr="0">
             <a:normAutofit/>
           </a:bodyPr>
           <a:lstStyle/>
           <a:p>
-            <a:pPr indent="0" lvl="0" marL="0" rtl="0" algn="ctr">
+            <a:pPr marL="0" lvl="0" indent="0" algn="ctr" rtl="0">
               <a:spcBef>
                 <a:spcPts val="0"/>
               </a:spcBef>
@@ -6350,7 +6479,7 @@
             </a:endParaRPr>
           </a:p>
           <a:p>
-            <a:pPr indent="0" lvl="0" marL="0" rtl="0" algn="ctr">
+            <a:pPr marL="0" lvl="0" indent="0" algn="ctr" rtl="0">
               <a:spcBef>
                 <a:spcPts val="0"/>
               </a:spcBef>
@@ -6378,9 +6507,11 @@
       <p:sp>
         <p:nvSpPr>
           <p:cNvPr id="57" name="Google Shape;57;p13"/>
-          <p:cNvSpPr txBox="1"/>
+          <p:cNvSpPr txBox="1">
+            <a:spLocks noGrp="1"/>
+          </p:cNvSpPr>
           <p:nvPr>
-            <p:ph idx="1" type="body"/>
+            <p:ph type="body" idx="1"/>
           </p:nvPr>
         </p:nvSpPr>
         <p:spPr>
@@ -6393,12 +6524,12 @@
           </a:prstGeom>
         </p:spPr>
         <p:txBody>
-          <a:bodyPr anchorCtr="0" anchor="t" bIns="91425" lIns="91425" spcFirstLastPara="1" rIns="91425" wrap="square" tIns="91425">
+          <a:bodyPr spcFirstLastPara="1" wrap="square" lIns="91425" tIns="91425" rIns="91425" bIns="91425" anchor="t" anchorCtr="0">
             <a:normAutofit/>
           </a:bodyPr>
           <a:lstStyle/>
           <a:p>
-            <a:pPr indent="0" lvl="0" marL="0" rtl="0" algn="l">
+            <a:pPr marL="0" lvl="0" indent="0" algn="l" rtl="0">
               <a:spcBef>
                 <a:spcPts val="0"/>
               </a:spcBef>
@@ -6408,21 +6539,21 @@
               <a:buNone/>
             </a:pPr>
             <a:r>
-              <a:rPr b="1" lang="zh-TW" sz="2000">
+              <a:rPr lang="zh-TW" sz="2000" b="1">
                 <a:solidFill>
                   <a:srgbClr val="0000FF"/>
                 </a:solidFill>
               </a:rPr>
               <a:t>學習重點一：import</a:t>
             </a:r>
-            <a:endParaRPr b="1" sz="2000">
+            <a:endParaRPr sz="2000" b="1">
               <a:solidFill>
                 <a:srgbClr val="0000FF"/>
               </a:solidFill>
             </a:endParaRPr>
           </a:p>
           <a:p>
-            <a:pPr indent="-342900" lvl="0" marL="457200" rtl="0" algn="l">
+            <a:pPr marL="457200" lvl="0" indent="-342900" algn="l" rtl="0">
               <a:spcBef>
                 <a:spcPts val="1200"/>
               </a:spcBef>
@@ -6450,7 +6581,7 @@
             </a:endParaRPr>
           </a:p>
           <a:p>
-            <a:pPr indent="0" lvl="0" marL="457200" rtl="0" algn="l">
+            <a:pPr marL="457200" lvl="0" indent="0" algn="l" rtl="0">
               <a:spcBef>
                 <a:spcPts val="1200"/>
               </a:spcBef>
@@ -6474,7 +6605,7 @@
             </a:endParaRPr>
           </a:p>
           <a:p>
-            <a:pPr indent="-342900" lvl="0" marL="457200" rtl="0" algn="l">
+            <a:pPr marL="457200" lvl="0" indent="-342900" algn="l" rtl="0">
               <a:spcBef>
                 <a:spcPts val="1200"/>
               </a:spcBef>
@@ -6502,7 +6633,7 @@
             </a:endParaRPr>
           </a:p>
           <a:p>
-            <a:pPr indent="0" lvl="0" marL="457200" rtl="0" algn="l">
+            <a:pPr marL="457200" lvl="0" indent="0" algn="l" rtl="0">
               <a:spcBef>
                 <a:spcPts val="1200"/>
               </a:spcBef>
@@ -6526,7 +6657,7 @@
             </a:endParaRPr>
           </a:p>
           <a:p>
-            <a:pPr indent="-342900" lvl="0" marL="457200" rtl="0" algn="l">
+            <a:pPr marL="457200" lvl="0" indent="-342900" algn="l" rtl="0">
               <a:spcBef>
                 <a:spcPts val="1200"/>
               </a:spcBef>
@@ -6554,7 +6685,7 @@
             </a:endParaRPr>
           </a:p>
           <a:p>
-            <a:pPr indent="0" lvl="0" marL="457200" rtl="0" algn="l">
+            <a:pPr marL="457200" lvl="0" indent="0" algn="l" rtl="0">
               <a:spcBef>
                 <a:spcPts val="1200"/>
               </a:spcBef>
@@ -6578,7 +6709,7 @@
             </a:endParaRPr>
           </a:p>
           <a:p>
-            <a:pPr indent="0" lvl="0" marL="0" rtl="0" algn="l">
+            <a:pPr marL="0" lvl="0" indent="0" algn="l" rtl="0">
               <a:spcBef>
                 <a:spcPts val="1200"/>
               </a:spcBef>
@@ -6587,9 +6718,6 @@
               </a:spcAft>
               <a:buNone/>
             </a:pPr>
-            <a:r>
-              <a:t/>
-            </a:r>
             <a:endParaRPr b="1">
               <a:solidFill>
                 <a:schemeClr val="dk1"/>
@@ -6597,7 +6725,7 @@
             </a:endParaRPr>
           </a:p>
           <a:p>
-            <a:pPr indent="0" lvl="0" marL="0" rtl="0" algn="l">
+            <a:pPr marL="0" lvl="0" indent="0" algn="l" rtl="0">
               <a:spcBef>
                 <a:spcPts val="1200"/>
               </a:spcBef>
@@ -6607,21 +6735,21 @@
               <a:buNone/>
             </a:pPr>
             <a:r>
-              <a:rPr b="1" lang="zh-TW" sz="2000">
+              <a:rPr lang="zh-TW" sz="2000" b="1">
                 <a:solidFill>
                   <a:srgbClr val="0000FF"/>
                 </a:solidFill>
               </a:rPr>
               <a:t>學習重點二：random套件</a:t>
             </a:r>
-            <a:endParaRPr b="1" sz="2000">
+            <a:endParaRPr sz="2000" b="1">
               <a:solidFill>
                 <a:srgbClr val="0000FF"/>
               </a:solidFill>
             </a:endParaRPr>
           </a:p>
           <a:p>
-            <a:pPr indent="-342900" lvl="0" marL="457200" rtl="0" algn="l">
+            <a:pPr marL="457200" lvl="0" indent="-342900" algn="l" rtl="0">
               <a:spcBef>
                 <a:spcPts val="1200"/>
               </a:spcBef>
@@ -6649,7 +6777,7 @@
             </a:endParaRPr>
           </a:p>
           <a:p>
-            <a:pPr indent="457200" lvl="0" marL="457200" rtl="0" algn="l">
+            <a:pPr marL="457200" lvl="0" indent="457200" algn="l" rtl="0">
               <a:spcBef>
                 <a:spcPts val="1200"/>
               </a:spcBef>
@@ -6673,7 +6801,7 @@
             </a:endParaRPr>
           </a:p>
           <a:p>
-            <a:pPr indent="-342900" lvl="0" marL="457200" rtl="0" algn="l">
+            <a:pPr marL="457200" lvl="0" indent="-342900" algn="l" rtl="0">
               <a:spcBef>
                 <a:spcPts val="1200"/>
               </a:spcBef>
@@ -6701,7 +6829,7 @@
             </a:endParaRPr>
           </a:p>
           <a:p>
-            <a:pPr indent="0" lvl="0" marL="457200" rtl="0" algn="l">
+            <a:pPr marL="457200" lvl="0" indent="0" algn="l" rtl="0">
               <a:spcBef>
                 <a:spcPts val="1200"/>
               </a:spcBef>
@@ -6718,7 +6846,7 @@
               </a:rPr>
               <a:t>	隨機產生一個浮點數x，{ x | 0.0 &lt;= x &lt; 1.0 }</a:t>
             </a:r>
-            <a:endParaRPr b="1" sz="1800">
+            <a:endParaRPr sz="1800" b="1">
               <a:solidFill>
                 <a:schemeClr val="dk1"/>
               </a:solidFill>
@@ -6764,7 +6892,7 @@
           <a:blip r:embed="rId4">
             <a:alphaModFix/>
           </a:blip>
-          <a:srcRect b="55669" l="26070" r="38679" t="7015"/>
+          <a:srcRect l="26070" t="7015" r="38679" b="55669"/>
           <a:stretch/>
         </p:blipFill>
         <p:spPr>
@@ -6791,7 +6919,7 @@
           <a:blip r:embed="rId4">
             <a:alphaModFix/>
           </a:blip>
-          <a:srcRect b="20160" l="52034" r="4776" t="38271"/>
+          <a:srcRect l="52034" t="38271" r="4776" b="20160"/>
           <a:stretch/>
         </p:blipFill>
         <p:spPr>
@@ -6818,7 +6946,7 @@
           <a:blip r:embed="rId4">
             <a:alphaModFix/>
           </a:blip>
-          <a:srcRect b="6838" l="8723" r="51553" t="45603"/>
+          <a:srcRect l="8723" t="45603" r="51553" b="6838"/>
           <a:stretch/>
         </p:blipFill>
         <p:spPr>
@@ -6838,9 +6966,11 @@
       <p:sp>
         <p:nvSpPr>
           <p:cNvPr id="62" name="Google Shape;62;p13"/>
-          <p:cNvSpPr txBox="1"/>
+          <p:cNvSpPr txBox="1">
+            <a:spLocks noGrp="1"/>
+          </p:cNvSpPr>
           <p:nvPr>
-            <p:ph idx="12" type="sldNum"/>
+            <p:ph type="sldNum" idx="12"/>
           </p:nvPr>
         </p:nvSpPr>
         <p:spPr>
@@ -6853,12 +6983,12 @@
           </a:prstGeom>
         </p:spPr>
         <p:txBody>
-          <a:bodyPr anchorCtr="0" anchor="t" bIns="91425" lIns="91425" spcFirstLastPara="1" rIns="91425" wrap="square" tIns="91425">
+          <a:bodyPr spcFirstLastPara="1" wrap="square" lIns="91425" tIns="91425" rIns="91425" bIns="91425" anchor="t" anchorCtr="0">
             <a:noAutofit/>
           </a:bodyPr>
           <a:lstStyle/>
           <a:p>
-            <a:pPr indent="0" lvl="0" marL="0" rtl="0" algn="ctr">
+            <a:pPr marL="0" lvl="0" indent="0" algn="ctr" rtl="0">
               <a:spcBef>
                 <a:spcPts val="0"/>
               </a:spcBef>
@@ -6868,8 +6998,8 @@
               <a:buNone/>
             </a:pPr>
             <a:fld id="{00000000-1234-1234-1234-123412341234}" type="slidenum">
-              <a:rPr lang="zh-TW"/>
-              <a:t>‹#›</a:t>
+              <a:rPr lang="en-US" altLang="zh-TW"/>
+              <a:t>1</a:t>
             </a:fld>
             <a:endParaRPr/>
           </a:p>
@@ -6884,11 +7014,11 @@
 </file>
 
 <file path=ppt/slides/slide2.xml><?xml version="1.0" encoding="utf-8"?>
-<p:sld xmlns:a="http://schemas.openxmlformats.org/drawingml/2006/main" xmlns:r="http://schemas.openxmlformats.org/officeDocument/2006/relationships" xmlns:mc="http://schemas.openxmlformats.org/markup-compatibility/2006" xmlns:mv="urn:schemas-microsoft-com:mac:vml" xmlns:p="http://schemas.openxmlformats.org/presentationml/2006/main" xmlns:c="http://schemas.openxmlformats.org/drawingml/2006/chart" xmlns:dgm="http://schemas.openxmlformats.org/drawingml/2006/diagram" xmlns:o="urn:schemas-microsoft-com:office:office" xmlns:v="urn:schemas-microsoft-com:vml" xmlns:pvml="urn:schemas-microsoft-com:office:powerpoint" xmlns:com="http://schemas.openxmlformats.org/drawingml/2006/compatibility" xmlns:p14="http://schemas.microsoft.com/office/powerpoint/2010/main" xmlns:p15="http://schemas.microsoft.com/office/powerpoint/2012/main" xmlns:ahyp="http://schemas.microsoft.com/office/drawing/2018/hyperlinkcolor">
+<p:sld xmlns:a="http://schemas.openxmlformats.org/drawingml/2006/main" xmlns:r="http://schemas.openxmlformats.org/officeDocument/2006/relationships" xmlns:p="http://schemas.openxmlformats.org/presentationml/2006/main">
   <p:cSld>
     <p:spTree>
       <p:nvGrpSpPr>
-        <p:cNvPr id="66" name="Shape 66"/>
+        <p:cNvPr id="1" name="Shape 66"/>
         <p:cNvGrpSpPr/>
         <p:nvPr/>
       </p:nvGrpSpPr>
@@ -6903,9 +7033,11 @@
       <p:sp>
         <p:nvSpPr>
           <p:cNvPr id="67" name="Google Shape;67;p14"/>
-          <p:cNvSpPr txBox="1"/>
+          <p:cNvSpPr txBox="1">
+            <a:spLocks noGrp="1"/>
+          </p:cNvSpPr>
           <p:nvPr>
-            <p:ph idx="1" type="body"/>
+            <p:ph type="body" idx="1"/>
           </p:nvPr>
         </p:nvSpPr>
         <p:spPr>
@@ -6921,12 +7053,12 @@
           </a:ln>
         </p:spPr>
         <p:txBody>
-          <a:bodyPr anchorCtr="0" anchor="t" bIns="91425" lIns="91425" spcFirstLastPara="1" rIns="91425" wrap="square" tIns="91425">
+          <a:bodyPr spcFirstLastPara="1" wrap="square" lIns="91425" tIns="91425" rIns="91425" bIns="91425" anchor="t" anchorCtr="0">
             <a:normAutofit/>
           </a:bodyPr>
           <a:lstStyle/>
           <a:p>
-            <a:pPr indent="0" lvl="0" marL="0" rtl="0" algn="l">
+            <a:pPr marL="0" lvl="0" indent="0" algn="l" rtl="0">
               <a:spcBef>
                 <a:spcPts val="0"/>
               </a:spcBef>
@@ -6936,21 +7068,21 @@
               <a:buNone/>
             </a:pPr>
             <a:r>
-              <a:rPr b="1" lang="zh-TW" sz="2000">
+              <a:rPr lang="zh-TW" sz="2000" b="1">
                 <a:solidFill>
                   <a:srgbClr val="0000FF"/>
                 </a:solidFill>
               </a:rPr>
               <a:t>學習重點三：</a:t>
             </a:r>
-            <a:endParaRPr b="1" sz="2000">
+            <a:endParaRPr sz="2000" b="1">
               <a:solidFill>
                 <a:srgbClr val="0000FF"/>
               </a:solidFill>
             </a:endParaRPr>
           </a:p>
           <a:p>
-            <a:pPr indent="0" lvl="0" marL="0" rtl="0" algn="l">
+            <a:pPr marL="0" lvl="0" indent="0" algn="l" rtl="0">
               <a:spcBef>
                 <a:spcPts val="1200"/>
               </a:spcBef>
@@ -6960,14 +7092,14 @@
               <a:buNone/>
             </a:pPr>
             <a:r>
-              <a:rPr b="1" lang="zh-TW" sz="2000">
+              <a:rPr lang="zh-TW" sz="2000" b="1">
                 <a:solidFill>
                   <a:srgbClr val="0000FF"/>
                 </a:solidFill>
               </a:rPr>
               <a:t>剪刀石頭布遊戲製作流程圖</a:t>
             </a:r>
-            <a:endParaRPr b="1" sz="2000">
+            <a:endParaRPr sz="2000" b="1">
               <a:solidFill>
                 <a:srgbClr val="0000FF"/>
               </a:solidFill>
@@ -7006,23 +7138,23 @@
             <a:solidFill>
               <a:srgbClr val="CFE2F3"/>
             </a:solidFill>
-            <a:ln cap="flat" cmpd="sng" w="19050">
+            <a:ln w="19050" cap="flat" cmpd="sng">
               <a:solidFill>
                 <a:schemeClr val="dk2"/>
               </a:solidFill>
               <a:prstDash val="solid"/>
               <a:round/>
-              <a:headEnd len="sm" w="sm" type="none"/>
-              <a:tailEnd len="sm" w="sm" type="none"/>
+              <a:headEnd type="none" w="sm" len="sm"/>
+              <a:tailEnd type="none" w="sm" len="sm"/>
             </a:ln>
           </p:spPr>
           <p:txBody>
-            <a:bodyPr anchorCtr="0" anchor="ctr" bIns="91425" lIns="91425" spcFirstLastPara="1" rIns="91425" wrap="square" tIns="91425">
+            <a:bodyPr spcFirstLastPara="1" wrap="square" lIns="91425" tIns="91425" rIns="91425" bIns="91425" anchor="ctr" anchorCtr="0">
               <a:noAutofit/>
             </a:bodyPr>
             <a:lstStyle/>
             <a:p>
-              <a:pPr indent="0" lvl="0" marL="0" rtl="0" algn="ctr">
+              <a:pPr marL="0" lvl="0" indent="0" algn="ctr" rtl="0">
                 <a:spcBef>
                   <a:spcPts val="0"/>
                 </a:spcBef>
@@ -7032,7 +7164,7 @@
                 <a:buNone/>
               </a:pPr>
               <a:r>
-                <a:rPr b="1" lang="zh-TW">
+                <a:rPr lang="zh-TW" b="1">
                   <a:latin typeface="DotGothic16"/>
                   <a:ea typeface="DotGothic16"/>
                   <a:cs typeface="DotGothic16"/>
@@ -7064,14 +7196,14 @@
               <a:avLst/>
             </a:prstGeom>
             <a:noFill/>
-            <a:ln cap="flat" cmpd="sng" w="19050">
+            <a:ln w="19050" cap="flat" cmpd="sng">
               <a:solidFill>
                 <a:schemeClr val="dk2"/>
               </a:solidFill>
               <a:prstDash val="solid"/>
               <a:round/>
-              <a:headEnd len="med" w="med" type="none"/>
-              <a:tailEnd len="med" w="med" type="triangle"/>
+              <a:headEnd type="none" w="med" len="med"/>
+              <a:tailEnd type="triangle" w="med" len="med"/>
             </a:ln>
           </p:spPr>
         </p:cxnSp>
@@ -7088,29 +7220,29 @@
             </a:xfrm>
             <a:prstGeom prst="parallelogram">
               <a:avLst>
-                <a:gd fmla="val 25000" name="adj"/>
+                <a:gd name="adj" fmla="val 25000"/>
               </a:avLst>
             </a:prstGeom>
             <a:solidFill>
               <a:srgbClr val="F4CCCC"/>
             </a:solidFill>
-            <a:ln cap="flat" cmpd="sng" w="19050">
+            <a:ln w="19050" cap="flat" cmpd="sng">
               <a:solidFill>
                 <a:schemeClr val="dk2"/>
               </a:solidFill>
               <a:prstDash val="solid"/>
               <a:round/>
-              <a:headEnd len="sm" w="sm" type="none"/>
-              <a:tailEnd len="sm" w="sm" type="none"/>
+              <a:headEnd type="none" w="sm" len="sm"/>
+              <a:tailEnd type="none" w="sm" len="sm"/>
             </a:ln>
           </p:spPr>
           <p:txBody>
-            <a:bodyPr anchorCtr="0" anchor="ctr" bIns="91425" lIns="91425" spcFirstLastPara="1" rIns="91425" wrap="square" tIns="91425">
+            <a:bodyPr spcFirstLastPara="1" wrap="square" lIns="91425" tIns="91425" rIns="91425" bIns="91425" anchor="ctr" anchorCtr="0">
               <a:noAutofit/>
             </a:bodyPr>
             <a:lstStyle/>
             <a:p>
-              <a:pPr indent="0" lvl="0" marL="0" rtl="0" algn="ctr">
+              <a:pPr marL="0" lvl="0" indent="0" algn="ctr" rtl="0">
                 <a:spcBef>
                   <a:spcPts val="0"/>
                 </a:spcBef>
@@ -7120,7 +7252,7 @@
                 <a:buNone/>
               </a:pPr>
               <a:r>
-                <a:rPr b="1" lang="zh-TW">
+                <a:rPr lang="zh-TW" b="1">
                   <a:solidFill>
                     <a:schemeClr val="dk1"/>
                   </a:solidFill>
@@ -7153,29 +7285,29 @@
             </a:xfrm>
             <a:prstGeom prst="parallelogram">
               <a:avLst>
-                <a:gd fmla="val 25000" name="adj"/>
+                <a:gd name="adj" fmla="val 25000"/>
               </a:avLst>
             </a:prstGeom>
             <a:solidFill>
               <a:srgbClr val="F4CCCC"/>
             </a:solidFill>
-            <a:ln cap="flat" cmpd="sng" w="19050">
+            <a:ln w="19050" cap="flat" cmpd="sng">
               <a:solidFill>
                 <a:schemeClr val="dk2"/>
               </a:solidFill>
               <a:prstDash val="solid"/>
               <a:round/>
-              <a:headEnd len="sm" w="sm" type="none"/>
-              <a:tailEnd len="sm" w="sm" type="none"/>
+              <a:headEnd type="none" w="sm" len="sm"/>
+              <a:tailEnd type="none" w="sm" len="sm"/>
             </a:ln>
           </p:spPr>
           <p:txBody>
-            <a:bodyPr anchorCtr="0" anchor="ctr" bIns="91425" lIns="91425" spcFirstLastPara="1" rIns="91425" wrap="square" tIns="91425">
+            <a:bodyPr spcFirstLastPara="1" wrap="square" lIns="91425" tIns="91425" rIns="91425" bIns="91425" anchor="ctr" anchorCtr="0">
               <a:noAutofit/>
             </a:bodyPr>
             <a:lstStyle/>
             <a:p>
-              <a:pPr indent="0" lvl="0" marL="0" rtl="0" algn="ctr">
+              <a:pPr marL="0" lvl="0" indent="0" algn="ctr" rtl="0">
                 <a:spcBef>
                   <a:spcPts val="0"/>
                 </a:spcBef>
@@ -7185,7 +7317,7 @@
                 <a:buNone/>
               </a:pPr>
               <a:r>
-                <a:rPr b="1" lang="zh-TW">
+                <a:rPr lang="zh-TW" b="1">
                   <a:solidFill>
                     <a:schemeClr val="dk1"/>
                   </a:solidFill>
@@ -7207,7 +7339,7 @@
               </a:endParaRPr>
             </a:p>
             <a:p>
-              <a:pPr indent="0" lvl="0" marL="0" rtl="0" algn="ctr">
+              <a:pPr marL="0" lvl="0" indent="0" algn="ctr" rtl="0">
                 <a:spcBef>
                   <a:spcPts val="0"/>
                 </a:spcBef>
@@ -7217,7 +7349,7 @@
                 <a:buNone/>
               </a:pPr>
               <a:r>
-                <a:rPr b="1" lang="zh-TW">
+                <a:rPr lang="zh-TW" b="1">
                   <a:solidFill>
                     <a:schemeClr val="dk1"/>
                   </a:solidFill>
@@ -7255,14 +7387,14 @@
               <a:avLst/>
             </a:prstGeom>
             <a:noFill/>
-            <a:ln cap="flat" cmpd="sng" w="19050">
+            <a:ln w="19050" cap="flat" cmpd="sng">
               <a:solidFill>
                 <a:schemeClr val="dk2"/>
               </a:solidFill>
               <a:prstDash val="solid"/>
               <a:round/>
-              <a:headEnd len="med" w="med" type="none"/>
-              <a:tailEnd len="med" w="med" type="triangle"/>
+              <a:headEnd type="none" w="med" len="med"/>
+              <a:tailEnd type="triangle" w="med" len="med"/>
             </a:ln>
           </p:spPr>
         </p:cxnSp>
@@ -7283,23 +7415,23 @@
             <a:solidFill>
               <a:srgbClr val="FFF2CC"/>
             </a:solidFill>
-            <a:ln cap="flat" cmpd="sng" w="19050">
+            <a:ln w="19050" cap="flat" cmpd="sng">
               <a:solidFill>
                 <a:schemeClr val="dk2"/>
               </a:solidFill>
               <a:prstDash val="solid"/>
               <a:round/>
-              <a:headEnd len="sm" w="sm" type="none"/>
-              <a:tailEnd len="sm" w="sm" type="none"/>
+              <a:headEnd type="none" w="sm" len="sm"/>
+              <a:tailEnd type="none" w="sm" len="sm"/>
             </a:ln>
           </p:spPr>
           <p:txBody>
-            <a:bodyPr anchorCtr="0" anchor="ctr" bIns="91425" lIns="91425" spcFirstLastPara="1" rIns="91425" wrap="square" tIns="91425">
+            <a:bodyPr spcFirstLastPara="1" wrap="square" lIns="91425" tIns="91425" rIns="91425" bIns="91425" anchor="ctr" anchorCtr="0">
               <a:noAutofit/>
             </a:bodyPr>
             <a:lstStyle/>
             <a:p>
-              <a:pPr indent="0" lvl="0" marL="0" rtl="0" algn="ctr">
+              <a:pPr marL="0" lvl="0" indent="0" algn="ctr" rtl="0">
                 <a:spcBef>
                   <a:spcPts val="0"/>
                 </a:spcBef>
@@ -7309,7 +7441,7 @@
                 <a:buNone/>
               </a:pPr>
               <a:r>
-                <a:rPr b="1" lang="zh-TW">
+                <a:rPr lang="zh-TW" b="1">
                   <a:latin typeface="DotGothic16"/>
                   <a:ea typeface="DotGothic16"/>
                   <a:cs typeface="DotGothic16"/>
@@ -7343,14 +7475,14 @@
               <a:avLst/>
             </a:prstGeom>
             <a:noFill/>
-            <a:ln cap="flat" cmpd="sng" w="19050">
+            <a:ln w="19050" cap="flat" cmpd="sng">
               <a:solidFill>
                 <a:schemeClr val="dk2"/>
               </a:solidFill>
               <a:prstDash val="solid"/>
               <a:round/>
-              <a:headEnd len="med" w="med" type="none"/>
-              <a:tailEnd len="med" w="med" type="triangle"/>
+              <a:headEnd type="none" w="med" len="med"/>
+              <a:tailEnd type="triangle" w="med" len="med"/>
             </a:ln>
           </p:spPr>
         </p:cxnSp>
@@ -7371,23 +7503,23 @@
             <a:solidFill>
               <a:srgbClr val="D9EAD3"/>
             </a:solidFill>
-            <a:ln cap="flat" cmpd="sng" w="19050">
+            <a:ln w="19050" cap="flat" cmpd="sng">
               <a:solidFill>
                 <a:schemeClr val="dk2"/>
               </a:solidFill>
               <a:prstDash val="solid"/>
               <a:round/>
-              <a:headEnd len="sm" w="sm" type="none"/>
-              <a:tailEnd len="sm" w="sm" type="none"/>
+              <a:headEnd type="none" w="sm" len="sm"/>
+              <a:tailEnd type="none" w="sm" len="sm"/>
             </a:ln>
           </p:spPr>
           <p:txBody>
-            <a:bodyPr anchorCtr="0" anchor="ctr" bIns="91425" lIns="91425" spcFirstLastPara="1" rIns="91425" wrap="square" tIns="91425">
+            <a:bodyPr spcFirstLastPara="1" wrap="square" lIns="91425" tIns="91425" rIns="91425" bIns="91425" anchor="ctr" anchorCtr="0">
               <a:noAutofit/>
             </a:bodyPr>
             <a:lstStyle/>
             <a:p>
-              <a:pPr indent="0" lvl="0" marL="0" rtl="0" algn="ctr">
+              <a:pPr marL="0" lvl="0" indent="0" algn="ctr" rtl="0">
                 <a:spcBef>
                   <a:spcPts val="0"/>
                 </a:spcBef>
@@ -7397,7 +7529,7 @@
                 <a:buNone/>
               </a:pPr>
               <a:r>
-                <a:rPr b="1" lang="zh-TW">
+                <a:rPr lang="zh-TW" b="1">
                   <a:solidFill>
                     <a:schemeClr val="dk1"/>
                   </a:solidFill>
@@ -7419,7 +7551,7 @@
               </a:endParaRPr>
             </a:p>
             <a:p>
-              <a:pPr indent="0" lvl="0" marL="0" rtl="0" algn="ctr">
+              <a:pPr marL="0" lvl="0" indent="0" algn="ctr" rtl="0">
                 <a:spcBef>
                   <a:spcPts val="0"/>
                 </a:spcBef>
@@ -7429,7 +7561,7 @@
                 <a:buNone/>
               </a:pPr>
               <a:r>
-                <a:rPr b="1" lang="zh-TW">
+                <a:rPr lang="zh-TW" b="1">
                   <a:solidFill>
                     <a:schemeClr val="dk1"/>
                   </a:solidFill>
@@ -7470,14 +7602,14 @@
               <a:avLst/>
             </a:prstGeom>
             <a:noFill/>
-            <a:ln cap="flat" cmpd="sng" w="19050">
+            <a:ln w="19050" cap="flat" cmpd="sng">
               <a:solidFill>
                 <a:schemeClr val="dk2"/>
               </a:solidFill>
               <a:prstDash val="solid"/>
               <a:round/>
-              <a:headEnd len="med" w="med" type="none"/>
-              <a:tailEnd len="med" w="med" type="triangle"/>
+              <a:headEnd type="none" w="med" len="med"/>
+              <a:tailEnd type="triangle" w="med" len="med"/>
             </a:ln>
           </p:spPr>
         </p:cxnSp>
@@ -7499,14 +7631,14 @@
               <a:avLst/>
             </a:prstGeom>
             <a:noFill/>
-            <a:ln cap="flat" cmpd="sng" w="19050">
+            <a:ln w="19050" cap="flat" cmpd="sng">
               <a:solidFill>
                 <a:schemeClr val="dk2"/>
               </a:solidFill>
               <a:prstDash val="solid"/>
               <a:round/>
-              <a:headEnd len="med" w="med" type="none"/>
-              <a:tailEnd len="med" w="med" type="triangle"/>
+              <a:headEnd type="none" w="med" len="med"/>
+              <a:tailEnd type="triangle" w="med" len="med"/>
             </a:ln>
           </p:spPr>
         </p:cxnSp>
@@ -7523,29 +7655,29 @@
             </a:xfrm>
             <a:prstGeom prst="parallelogram">
               <a:avLst>
-                <a:gd fmla="val 25000" name="adj"/>
+                <a:gd name="adj" fmla="val 25000"/>
               </a:avLst>
             </a:prstGeom>
             <a:solidFill>
               <a:srgbClr val="F4CCCC"/>
             </a:solidFill>
-            <a:ln cap="flat" cmpd="sng" w="19050">
+            <a:ln w="19050" cap="flat" cmpd="sng">
               <a:solidFill>
                 <a:schemeClr val="dk2"/>
               </a:solidFill>
               <a:prstDash val="solid"/>
               <a:round/>
-              <a:headEnd len="sm" w="sm" type="none"/>
-              <a:tailEnd len="sm" w="sm" type="none"/>
+              <a:headEnd type="none" w="sm" len="sm"/>
+              <a:tailEnd type="none" w="sm" len="sm"/>
             </a:ln>
           </p:spPr>
           <p:txBody>
-            <a:bodyPr anchorCtr="0" anchor="ctr" bIns="91425" lIns="91425" spcFirstLastPara="1" rIns="91425" wrap="square" tIns="91425">
+            <a:bodyPr spcFirstLastPara="1" wrap="square" lIns="91425" tIns="91425" rIns="91425" bIns="91425" anchor="ctr" anchorCtr="0">
               <a:noAutofit/>
             </a:bodyPr>
             <a:lstStyle/>
             <a:p>
-              <a:pPr indent="0" lvl="0" marL="0" rtl="0" algn="ctr">
+              <a:pPr marL="0" lvl="0" indent="0" algn="ctr" rtl="0">
                 <a:spcBef>
                   <a:spcPts val="0"/>
                 </a:spcBef>
@@ -7555,7 +7687,7 @@
                 <a:buNone/>
               </a:pPr>
               <a:r>
-                <a:rPr b="1" lang="zh-TW">
+                <a:rPr lang="zh-TW" b="1">
                   <a:solidFill>
                     <a:schemeClr val="dk1"/>
                   </a:solidFill>
@@ -7592,23 +7724,23 @@
             <a:solidFill>
               <a:srgbClr val="FFF2CC"/>
             </a:solidFill>
-            <a:ln cap="flat" cmpd="sng" w="19050">
+            <a:ln w="19050" cap="flat" cmpd="sng">
               <a:solidFill>
                 <a:schemeClr val="dk2"/>
               </a:solidFill>
               <a:prstDash val="solid"/>
               <a:round/>
-              <a:headEnd len="sm" w="sm" type="none"/>
-              <a:tailEnd len="sm" w="sm" type="none"/>
+              <a:headEnd type="none" w="sm" len="sm"/>
+              <a:tailEnd type="none" w="sm" len="sm"/>
             </a:ln>
           </p:spPr>
           <p:txBody>
-            <a:bodyPr anchorCtr="0" anchor="ctr" bIns="91425" lIns="91425" spcFirstLastPara="1" rIns="91425" wrap="square" tIns="91425">
+            <a:bodyPr spcFirstLastPara="1" wrap="square" lIns="91425" tIns="91425" rIns="91425" bIns="91425" anchor="ctr" anchorCtr="0">
               <a:noAutofit/>
             </a:bodyPr>
             <a:lstStyle/>
             <a:p>
-              <a:pPr indent="0" lvl="0" marL="0" rtl="0" algn="ctr">
+              <a:pPr marL="0" lvl="0" indent="0" algn="ctr" rtl="0">
                 <a:spcBef>
                   <a:spcPts val="0"/>
                 </a:spcBef>
@@ -7618,7 +7750,7 @@
                 <a:buNone/>
               </a:pPr>
               <a:r>
-                <a:rPr b="1" lang="zh-TW" sz="900">
+                <a:rPr lang="zh-TW" sz="900" b="1">
                   <a:solidFill>
                     <a:schemeClr val="dk1"/>
                   </a:solidFill>
@@ -7629,7 +7761,7 @@
                 </a:rPr>
                 <a:t>user==0  robot==1</a:t>
               </a:r>
-              <a:endParaRPr b="1" sz="900">
+              <a:endParaRPr sz="900" b="1">
                 <a:solidFill>
                   <a:schemeClr val="dk1"/>
                 </a:solidFill>
@@ -7640,7 +7772,7 @@
               </a:endParaRPr>
             </a:p>
             <a:p>
-              <a:pPr indent="0" lvl="0" marL="0" rtl="0" algn="ctr">
+              <a:pPr marL="0" lvl="0" indent="0" algn="ctr" rtl="0">
                 <a:spcBef>
                   <a:spcPts val="0"/>
                 </a:spcBef>
@@ -7650,7 +7782,7 @@
                 <a:buNone/>
               </a:pPr>
               <a:r>
-                <a:rPr b="1" lang="zh-TW" sz="900">
+                <a:rPr lang="zh-TW" sz="900" b="1">
                   <a:solidFill>
                     <a:schemeClr val="dk1"/>
                   </a:solidFill>
@@ -7661,7 +7793,7 @@
                 </a:rPr>
                 <a:t>user==1  robot==2</a:t>
               </a:r>
-              <a:endParaRPr b="1" sz="1200">
+              <a:endParaRPr sz="1200" b="1">
                 <a:latin typeface="DotGothic16"/>
                 <a:ea typeface="DotGothic16"/>
                 <a:cs typeface="DotGothic16"/>
@@ -7669,7 +7801,7 @@
               </a:endParaRPr>
             </a:p>
             <a:p>
-              <a:pPr indent="0" lvl="0" marL="0" rtl="0" algn="ctr">
+              <a:pPr marL="0" lvl="0" indent="0" algn="ctr" rtl="0">
                 <a:spcBef>
                   <a:spcPts val="0"/>
                 </a:spcBef>
@@ -7679,7 +7811,7 @@
                 <a:buNone/>
               </a:pPr>
               <a:r>
-                <a:rPr b="1" lang="zh-TW" sz="900">
+                <a:rPr lang="zh-TW" sz="900" b="1">
                   <a:latin typeface="DotGothic16"/>
                   <a:ea typeface="DotGothic16"/>
                   <a:cs typeface="DotGothic16"/>
@@ -7687,7 +7819,7 @@
                 </a:rPr>
                 <a:t>user==2  robot==0</a:t>
               </a:r>
-              <a:endParaRPr b="1" sz="900">
+              <a:endParaRPr sz="900" b="1">
                 <a:latin typeface="DotGothic16"/>
                 <a:ea typeface="DotGothic16"/>
                 <a:cs typeface="DotGothic16"/>
@@ -7713,14 +7845,14 @@
               <a:avLst/>
             </a:prstGeom>
             <a:noFill/>
-            <a:ln cap="flat" cmpd="sng" w="19050">
+            <a:ln w="19050" cap="flat" cmpd="sng">
               <a:solidFill>
                 <a:schemeClr val="dk2"/>
               </a:solidFill>
               <a:prstDash val="solid"/>
               <a:round/>
-              <a:headEnd len="med" w="med" type="none"/>
-              <a:tailEnd len="med" w="med" type="triangle"/>
+              <a:headEnd type="none" w="med" len="med"/>
+              <a:tailEnd type="triangle" w="med" len="med"/>
             </a:ln>
           </p:spPr>
         </p:cxnSp>
@@ -7736,9 +7868,13 @@
               <a:ext cx="926569" cy="1715004"/>
             </a:xfrm>
             <a:custGeom>
-              <a:rect b="b" l="l" r="r" t="t"/>
+              <a:avLst/>
+              <a:gdLst/>
+              <a:ahLst/>
+              <a:cxnLst/>
+              <a:rect l="l" t="t" r="r" b="b"/>
               <a:pathLst>
-                <a:path extrusionOk="0" h="71399" w="60689">
+                <a:path w="60689" h="71399" extrusionOk="0">
                   <a:moveTo>
                     <a:pt x="60689" y="71399"/>
                   </a:moveTo>
@@ -7752,14 +7888,14 @@
               </a:pathLst>
             </a:custGeom>
             <a:noFill/>
-            <a:ln cap="flat" cmpd="sng" w="19050">
+            <a:ln w="19050" cap="flat" cmpd="sng">
               <a:solidFill>
                 <a:schemeClr val="dk2"/>
               </a:solidFill>
               <a:prstDash val="solid"/>
               <a:round/>
-              <a:headEnd len="med" w="med" type="none"/>
-              <a:tailEnd len="med" w="med" type="stealth"/>
+              <a:headEnd type="none" w="med" len="med"/>
+              <a:tailEnd type="stealth" w="med" len="med"/>
             </a:ln>
           </p:spPr>
         </p:sp>
@@ -7781,14 +7917,14 @@
               <a:avLst/>
             </a:prstGeom>
             <a:noFill/>
-            <a:ln cap="flat" cmpd="sng" w="19050">
+            <a:ln w="19050" cap="flat" cmpd="sng">
               <a:solidFill>
                 <a:schemeClr val="dk2"/>
               </a:solidFill>
               <a:prstDash val="solid"/>
               <a:round/>
-              <a:headEnd len="med" w="med" type="none"/>
-              <a:tailEnd len="med" w="med" type="triangle"/>
+              <a:headEnd type="none" w="med" len="med"/>
+              <a:tailEnd type="triangle" w="med" len="med"/>
             </a:ln>
           </p:spPr>
         </p:cxnSp>
@@ -7805,29 +7941,29 @@
             </a:xfrm>
             <a:prstGeom prst="parallelogram">
               <a:avLst>
-                <a:gd fmla="val 25000" name="adj"/>
+                <a:gd name="adj" fmla="val 25000"/>
               </a:avLst>
             </a:prstGeom>
             <a:solidFill>
               <a:srgbClr val="F4CCCC"/>
             </a:solidFill>
-            <a:ln cap="flat" cmpd="sng" w="19050">
+            <a:ln w="19050" cap="flat" cmpd="sng">
               <a:solidFill>
                 <a:schemeClr val="dk2"/>
               </a:solidFill>
               <a:prstDash val="solid"/>
               <a:round/>
-              <a:headEnd len="sm" w="sm" type="none"/>
-              <a:tailEnd len="sm" w="sm" type="none"/>
+              <a:headEnd type="none" w="sm" len="sm"/>
+              <a:tailEnd type="none" w="sm" len="sm"/>
             </a:ln>
           </p:spPr>
           <p:txBody>
-            <a:bodyPr anchorCtr="0" anchor="ctr" bIns="91425" lIns="91425" spcFirstLastPara="1" rIns="91425" wrap="square" tIns="91425">
+            <a:bodyPr spcFirstLastPara="1" wrap="square" lIns="91425" tIns="91425" rIns="91425" bIns="91425" anchor="ctr" anchorCtr="0">
               <a:noAutofit/>
             </a:bodyPr>
             <a:lstStyle/>
             <a:p>
-              <a:pPr indent="0" lvl="0" marL="0" rtl="0" algn="ctr">
+              <a:pPr marL="0" lvl="0" indent="0" algn="ctr" rtl="0">
                 <a:spcBef>
                   <a:spcPts val="0"/>
                 </a:spcBef>
@@ -7837,7 +7973,7 @@
                 <a:buNone/>
               </a:pPr>
               <a:r>
-                <a:rPr b="1" lang="zh-TW">
+                <a:rPr lang="zh-TW" b="1">
                   <a:solidFill>
                     <a:schemeClr val="dk1"/>
                   </a:solidFill>
@@ -7869,9 +8005,13 @@
               <a:ext cx="1142470" cy="3031423"/>
             </a:xfrm>
             <a:custGeom>
-              <a:rect b="b" l="l" r="r" t="t"/>
+              <a:avLst/>
+              <a:gdLst/>
+              <a:ahLst/>
+              <a:cxnLst/>
+              <a:rect l="l" t="t" r="r" b="b"/>
               <a:pathLst>
-                <a:path extrusionOk="0" h="71399" w="60689">
+                <a:path w="60689" h="71399" extrusionOk="0">
                   <a:moveTo>
                     <a:pt x="60689" y="71399"/>
                   </a:moveTo>
@@ -7885,14 +8025,14 @@
               </a:pathLst>
             </a:custGeom>
             <a:noFill/>
-            <a:ln cap="flat" cmpd="sng" w="19050">
+            <a:ln w="19050" cap="flat" cmpd="sng">
               <a:solidFill>
                 <a:schemeClr val="dk2"/>
               </a:solidFill>
               <a:prstDash val="solid"/>
               <a:round/>
-              <a:headEnd len="med" w="med" type="none"/>
-              <a:tailEnd len="med" w="med" type="none"/>
+              <a:headEnd type="none" w="med" len="med"/>
+              <a:tailEnd type="none" w="med" len="med"/>
             </a:ln>
           </p:spPr>
         </p:sp>
@@ -7913,14 +8053,14 @@
               <a:avLst/>
             </a:prstGeom>
             <a:noFill/>
-            <a:ln cap="flat" cmpd="sng" w="19050">
+            <a:ln w="19050" cap="flat" cmpd="sng">
               <a:solidFill>
                 <a:schemeClr val="dk2"/>
               </a:solidFill>
               <a:prstDash val="solid"/>
               <a:round/>
-              <a:headEnd len="med" w="med" type="none"/>
-              <a:tailEnd len="med" w="med" type="triangle"/>
+              <a:headEnd type="none" w="med" len="med"/>
+              <a:tailEnd type="triangle" w="med" len="med"/>
             </a:ln>
           </p:spPr>
         </p:cxnSp>
@@ -7941,23 +8081,23 @@
             <a:solidFill>
               <a:srgbClr val="FFF2CC"/>
             </a:solidFill>
-            <a:ln cap="flat" cmpd="sng" w="19050">
+            <a:ln w="19050" cap="flat" cmpd="sng">
               <a:solidFill>
                 <a:schemeClr val="dk2"/>
               </a:solidFill>
               <a:prstDash val="solid"/>
               <a:round/>
-              <a:headEnd len="sm" w="sm" type="none"/>
-              <a:tailEnd len="sm" w="sm" type="none"/>
+              <a:headEnd type="none" w="sm" len="sm"/>
+              <a:tailEnd type="none" w="sm" len="sm"/>
             </a:ln>
           </p:spPr>
           <p:txBody>
-            <a:bodyPr anchorCtr="0" anchor="ctr" bIns="91425" lIns="91425" spcFirstLastPara="1" rIns="91425" wrap="square" tIns="91425">
+            <a:bodyPr spcFirstLastPara="1" wrap="square" lIns="91425" tIns="91425" rIns="91425" bIns="91425" anchor="ctr" anchorCtr="0">
               <a:noAutofit/>
             </a:bodyPr>
             <a:lstStyle/>
             <a:p>
-              <a:pPr indent="0" lvl="0" marL="0" rtl="0" algn="ctr">
+              <a:pPr marL="0" lvl="0" indent="0" algn="ctr" rtl="0">
                 <a:spcBef>
                   <a:spcPts val="0"/>
                 </a:spcBef>
@@ -7967,7 +8107,7 @@
                 <a:buNone/>
               </a:pPr>
               <a:r>
-                <a:rPr b="1" lang="zh-TW" sz="900">
+                <a:rPr lang="zh-TW" sz="900" b="1">
                   <a:solidFill>
                     <a:schemeClr val="dk1"/>
                   </a:solidFill>
@@ -7978,7 +8118,7 @@
                 </a:rPr>
                 <a:t>user==2  robot==1</a:t>
               </a:r>
-              <a:endParaRPr b="1" sz="900">
+              <a:endParaRPr sz="900" b="1">
                 <a:solidFill>
                   <a:schemeClr val="dk1"/>
                 </a:solidFill>
@@ -7989,7 +8129,7 @@
               </a:endParaRPr>
             </a:p>
             <a:p>
-              <a:pPr indent="0" lvl="0" marL="0" rtl="0" algn="ctr">
+              <a:pPr marL="0" lvl="0" indent="0" algn="ctr" rtl="0">
                 <a:spcBef>
                   <a:spcPts val="0"/>
                 </a:spcBef>
@@ -7999,7 +8139,7 @@
                 <a:buNone/>
               </a:pPr>
               <a:r>
-                <a:rPr b="1" lang="zh-TW" sz="900">
+                <a:rPr lang="zh-TW" sz="900" b="1">
                   <a:solidFill>
                     <a:schemeClr val="dk1"/>
                   </a:solidFill>
@@ -8010,7 +8150,7 @@
                 </a:rPr>
                 <a:t>user==1  robot==0</a:t>
               </a:r>
-              <a:endParaRPr b="1" sz="900">
+              <a:endParaRPr sz="900" b="1">
                 <a:solidFill>
                   <a:schemeClr val="dk1"/>
                 </a:solidFill>
@@ -8021,7 +8161,7 @@
               </a:endParaRPr>
             </a:p>
             <a:p>
-              <a:pPr indent="0" lvl="0" marL="0" rtl="0" algn="ctr">
+              <a:pPr marL="0" lvl="0" indent="0" algn="ctr" rtl="0">
                 <a:spcBef>
                   <a:spcPts val="0"/>
                 </a:spcBef>
@@ -8031,7 +8171,7 @@
                 <a:buNone/>
               </a:pPr>
               <a:r>
-                <a:rPr b="1" lang="zh-TW" sz="900">
+                <a:rPr lang="zh-TW" sz="900" b="1">
                   <a:latin typeface="DotGothic16"/>
                   <a:ea typeface="DotGothic16"/>
                   <a:cs typeface="DotGothic16"/>
@@ -8039,7 +8179,7 @@
                 </a:rPr>
                 <a:t>user==0  robot==2</a:t>
               </a:r>
-              <a:endParaRPr b="1" sz="900">
+              <a:endParaRPr sz="900" b="1">
                 <a:latin typeface="DotGothic16"/>
                 <a:ea typeface="DotGothic16"/>
                 <a:cs typeface="DotGothic16"/>
@@ -8066,14 +8206,14 @@
               <a:avLst/>
             </a:prstGeom>
             <a:noFill/>
-            <a:ln cap="flat" cmpd="sng" w="19050">
+            <a:ln w="19050" cap="flat" cmpd="sng">
               <a:solidFill>
                 <a:schemeClr val="dk2"/>
               </a:solidFill>
               <a:prstDash val="solid"/>
               <a:round/>
-              <a:headEnd len="med" w="med" type="none"/>
-              <a:tailEnd len="med" w="med" type="triangle"/>
+              <a:headEnd type="none" w="med" len="med"/>
+              <a:tailEnd type="triangle" w="med" len="med"/>
             </a:ln>
           </p:spPr>
         </p:cxnSp>
@@ -8090,29 +8230,29 @@
             </a:xfrm>
             <a:prstGeom prst="parallelogram">
               <a:avLst>
-                <a:gd fmla="val 25000" name="adj"/>
+                <a:gd name="adj" fmla="val 25000"/>
               </a:avLst>
             </a:prstGeom>
             <a:solidFill>
               <a:srgbClr val="F4CCCC"/>
             </a:solidFill>
-            <a:ln cap="flat" cmpd="sng" w="19050">
+            <a:ln w="19050" cap="flat" cmpd="sng">
               <a:solidFill>
                 <a:schemeClr val="dk2"/>
               </a:solidFill>
               <a:prstDash val="solid"/>
               <a:round/>
-              <a:headEnd len="sm" w="sm" type="none"/>
-              <a:tailEnd len="sm" w="sm" type="none"/>
+              <a:headEnd type="none" w="sm" len="sm"/>
+              <a:tailEnd type="none" w="sm" len="sm"/>
             </a:ln>
           </p:spPr>
           <p:txBody>
-            <a:bodyPr anchorCtr="0" anchor="ctr" bIns="91425" lIns="91425" spcFirstLastPara="1" rIns="91425" wrap="square" tIns="91425">
+            <a:bodyPr spcFirstLastPara="1" wrap="square" lIns="91425" tIns="91425" rIns="91425" bIns="91425" anchor="ctr" anchorCtr="0">
               <a:noAutofit/>
             </a:bodyPr>
             <a:lstStyle/>
             <a:p>
-              <a:pPr indent="0" lvl="0" marL="0" rtl="0" algn="ctr">
+              <a:pPr marL="0" lvl="0" indent="0" algn="ctr" rtl="0">
                 <a:spcBef>
                   <a:spcPts val="0"/>
                 </a:spcBef>
@@ -8122,7 +8262,7 @@
                 <a:buNone/>
               </a:pPr>
               <a:r>
-                <a:rPr b="1" lang="zh-TW">
+                <a:rPr lang="zh-TW" b="1" dirty="0">
                   <a:solidFill>
                     <a:schemeClr val="dk1"/>
                   </a:solidFill>
@@ -8131,9 +8271,21 @@
                   <a:cs typeface="Open Sans"/>
                   <a:sym typeface="Open Sans"/>
                 </a:rPr>
-                <a:t>輸出敗北</a:t>
+                <a:t>輸出</a:t>
               </a:r>
-              <a:endParaRPr>
+              <a:r>
+                <a:rPr lang="zh-TW" altLang="en-US" b="1" dirty="0">
+                  <a:solidFill>
+                    <a:schemeClr val="dk1"/>
+                  </a:solidFill>
+                  <a:latin typeface="Open Sans"/>
+                  <a:ea typeface="Open Sans"/>
+                  <a:cs typeface="Open Sans"/>
+                  <a:sym typeface="Open Sans"/>
+                </a:rPr>
+                <a:t>勝利</a:t>
+              </a:r>
+              <a:endParaRPr dirty="0">
                 <a:latin typeface="Open Sans"/>
                 <a:ea typeface="Open Sans"/>
                 <a:cs typeface="Open Sans"/>
@@ -8154,9 +8306,13 @@
               <a:ext cx="1142470" cy="4329100"/>
             </a:xfrm>
             <a:custGeom>
-              <a:rect b="b" l="l" r="r" t="t"/>
+              <a:avLst/>
+              <a:gdLst/>
+              <a:ahLst/>
+              <a:cxnLst/>
+              <a:rect l="l" t="t" r="r" b="b"/>
               <a:pathLst>
-                <a:path extrusionOk="0" h="71399" w="60689">
+                <a:path w="60689" h="71399" extrusionOk="0">
                   <a:moveTo>
                     <a:pt x="60689" y="71399"/>
                   </a:moveTo>
@@ -8170,14 +8326,14 @@
               </a:pathLst>
             </a:custGeom>
             <a:noFill/>
-            <a:ln cap="flat" cmpd="sng" w="19050">
+            <a:ln w="19050" cap="flat" cmpd="sng">
               <a:solidFill>
                 <a:schemeClr val="dk2"/>
               </a:solidFill>
               <a:prstDash val="solid"/>
               <a:round/>
-              <a:headEnd len="med" w="med" type="none"/>
-              <a:tailEnd len="med" w="med" type="none"/>
+              <a:headEnd type="none" w="med" len="med"/>
+              <a:tailEnd type="none" w="med" len="med"/>
             </a:ln>
           </p:spPr>
         </p:sp>
@@ -8199,14 +8355,14 @@
               <a:avLst/>
             </a:prstGeom>
             <a:noFill/>
-            <a:ln cap="flat" cmpd="sng" w="19050">
+            <a:ln w="19050" cap="flat" cmpd="sng">
               <a:solidFill>
                 <a:schemeClr val="dk2"/>
               </a:solidFill>
               <a:prstDash val="solid"/>
               <a:round/>
-              <a:headEnd len="med" w="med" type="none"/>
-              <a:tailEnd len="med" w="med" type="triangle"/>
+              <a:headEnd type="none" w="med" len="med"/>
+              <a:tailEnd type="triangle" w="med" len="med"/>
             </a:ln>
           </p:spPr>
         </p:cxnSp>
@@ -8223,29 +8379,29 @@
             </a:xfrm>
             <a:prstGeom prst="parallelogram">
               <a:avLst>
-                <a:gd fmla="val 25000" name="adj"/>
+                <a:gd name="adj" fmla="val 25000"/>
               </a:avLst>
             </a:prstGeom>
             <a:solidFill>
               <a:srgbClr val="F4CCCC"/>
             </a:solidFill>
-            <a:ln cap="flat" cmpd="sng" w="19050">
+            <a:ln w="19050" cap="flat" cmpd="sng">
               <a:solidFill>
                 <a:schemeClr val="dk2"/>
               </a:solidFill>
               <a:prstDash val="solid"/>
               <a:round/>
-              <a:headEnd len="sm" w="sm" type="none"/>
-              <a:tailEnd len="sm" w="sm" type="none"/>
+              <a:headEnd type="none" w="sm" len="sm"/>
+              <a:tailEnd type="none" w="sm" len="sm"/>
             </a:ln>
           </p:spPr>
           <p:txBody>
-            <a:bodyPr anchorCtr="0" anchor="ctr" bIns="91425" lIns="91425" spcFirstLastPara="1" rIns="91425" wrap="square" tIns="91425">
+            <a:bodyPr spcFirstLastPara="1" wrap="square" lIns="91425" tIns="91425" rIns="91425" bIns="91425" anchor="ctr" anchorCtr="0">
               <a:noAutofit/>
             </a:bodyPr>
             <a:lstStyle/>
             <a:p>
-              <a:pPr indent="0" lvl="0" marL="0" rtl="0" algn="ctr">
+              <a:pPr marL="0" lvl="0" indent="0" algn="ctr" rtl="0">
                 <a:spcBef>
                   <a:spcPts val="0"/>
                 </a:spcBef>
@@ -8255,7 +8411,7 @@
                 <a:buNone/>
               </a:pPr>
               <a:r>
-                <a:rPr b="1" lang="zh-TW">
+                <a:rPr lang="zh-TW" b="1">
                   <a:solidFill>
                     <a:schemeClr val="dk1"/>
                   </a:solidFill>
@@ -8293,23 +8449,23 @@
           <a:solidFill>
             <a:srgbClr val="CFE2F3"/>
           </a:solidFill>
-          <a:ln cap="flat" cmpd="sng" w="19050">
+          <a:ln w="19050" cap="flat" cmpd="sng">
             <a:solidFill>
               <a:schemeClr val="dk2"/>
             </a:solidFill>
             <a:prstDash val="solid"/>
             <a:round/>
-            <a:headEnd len="sm" w="sm" type="none"/>
-            <a:tailEnd len="sm" w="sm" type="none"/>
+            <a:headEnd type="none" w="sm" len="sm"/>
+            <a:tailEnd type="none" w="sm" len="sm"/>
           </a:ln>
         </p:spPr>
         <p:txBody>
-          <a:bodyPr anchorCtr="0" anchor="ctr" bIns="91425" lIns="91425" spcFirstLastPara="1" rIns="91425" wrap="square" tIns="91425">
+          <a:bodyPr spcFirstLastPara="1" wrap="square" lIns="91425" tIns="91425" rIns="91425" bIns="91425" anchor="ctr" anchorCtr="0">
             <a:noAutofit/>
           </a:bodyPr>
           <a:lstStyle/>
           <a:p>
-            <a:pPr indent="0" lvl="0" marL="0" rtl="0" algn="ctr">
+            <a:pPr marL="0" lvl="0" indent="0" algn="ctr" rtl="0">
               <a:spcBef>
                 <a:spcPts val="0"/>
               </a:spcBef>
@@ -8319,22 +8475,13 @@
               <a:buNone/>
             </a:pPr>
             <a:r>
-              <a:rPr b="1" lang="zh-TW">
+              <a:rPr lang="zh-TW" b="1">
                 <a:latin typeface="Open Sans"/>
                 <a:ea typeface="Open Sans"/>
                 <a:cs typeface="Open Sans"/>
                 <a:sym typeface="Open Sans"/>
               </a:rPr>
-              <a:t>遊戲</a:t>
-            </a:r>
-            <a:r>
-              <a:rPr b="1" lang="zh-TW">
-                <a:latin typeface="Open Sans"/>
-                <a:ea typeface="Open Sans"/>
-                <a:cs typeface="Open Sans"/>
-                <a:sym typeface="Open Sans"/>
-              </a:rPr>
-              <a:t>結束</a:t>
+              <a:t>遊戲結束</a:t>
             </a:r>
             <a:endParaRPr b="1">
               <a:latin typeface="Open Sans"/>
@@ -8363,23 +8510,25 @@
             <a:avLst/>
           </a:prstGeom>
           <a:noFill/>
-          <a:ln cap="flat" cmpd="sng" w="19050">
+          <a:ln w="19050" cap="flat" cmpd="sng">
             <a:solidFill>
               <a:schemeClr val="dk2"/>
             </a:solidFill>
             <a:prstDash val="solid"/>
             <a:round/>
-            <a:headEnd len="med" w="med" type="none"/>
-            <a:tailEnd len="med" w="med" type="triangle"/>
+            <a:headEnd type="none" w="med" len="med"/>
+            <a:tailEnd type="triangle" w="med" len="med"/>
           </a:ln>
         </p:spPr>
       </p:cxnSp>
       <p:sp>
         <p:nvSpPr>
           <p:cNvPr id="95" name="Google Shape;95;p14"/>
-          <p:cNvSpPr txBox="1"/>
+          <p:cNvSpPr txBox="1">
+            <a:spLocks noGrp="1"/>
+          </p:cNvSpPr>
           <p:nvPr>
-            <p:ph idx="12" type="sldNum"/>
+            <p:ph type="sldNum" idx="12"/>
           </p:nvPr>
         </p:nvSpPr>
         <p:spPr>
@@ -8392,12 +8541,12 @@
           </a:prstGeom>
         </p:spPr>
         <p:txBody>
-          <a:bodyPr anchorCtr="0" anchor="t" bIns="91425" lIns="91425" spcFirstLastPara="1" rIns="91425" wrap="square" tIns="91425">
+          <a:bodyPr spcFirstLastPara="1" wrap="square" lIns="91425" tIns="91425" rIns="91425" bIns="91425" anchor="t" anchorCtr="0">
             <a:noAutofit/>
           </a:bodyPr>
           <a:lstStyle/>
           <a:p>
-            <a:pPr indent="0" lvl="0" marL="0" rtl="0" algn="ctr">
+            <a:pPr marL="0" lvl="0" indent="0" algn="ctr" rtl="0">
               <a:spcBef>
                 <a:spcPts val="0"/>
               </a:spcBef>
@@ -8407,8 +8556,8 @@
               <a:buNone/>
             </a:pPr>
             <a:fld id="{00000000-1234-1234-1234-123412341234}" type="slidenum">
-              <a:rPr lang="zh-TW"/>
-              <a:t>‹#›</a:t>
+              <a:rPr lang="en-US" altLang="zh-TW"/>
+              <a:t>2</a:t>
             </a:fld>
             <a:endParaRPr/>
           </a:p>
@@ -8423,11 +8572,11 @@
 </file>
 
 <file path=ppt/slides/slide3.xml><?xml version="1.0" encoding="utf-8"?>
-<p:sld xmlns:a="http://schemas.openxmlformats.org/drawingml/2006/main" xmlns:r="http://schemas.openxmlformats.org/officeDocument/2006/relationships" xmlns:mc="http://schemas.openxmlformats.org/markup-compatibility/2006" xmlns:mv="urn:schemas-microsoft-com:mac:vml" xmlns:p="http://schemas.openxmlformats.org/presentationml/2006/main" xmlns:c="http://schemas.openxmlformats.org/drawingml/2006/chart" xmlns:dgm="http://schemas.openxmlformats.org/drawingml/2006/diagram" xmlns:o="urn:schemas-microsoft-com:office:office" xmlns:v="urn:schemas-microsoft-com:vml" xmlns:pvml="urn:schemas-microsoft-com:office:powerpoint" xmlns:com="http://schemas.openxmlformats.org/drawingml/2006/compatibility" xmlns:p14="http://schemas.microsoft.com/office/powerpoint/2010/main" xmlns:p15="http://schemas.microsoft.com/office/powerpoint/2012/main" xmlns:ahyp="http://schemas.microsoft.com/office/drawing/2018/hyperlinkcolor">
+<p:sld xmlns:a="http://schemas.openxmlformats.org/drawingml/2006/main" xmlns:r="http://schemas.openxmlformats.org/officeDocument/2006/relationships" xmlns:p="http://schemas.openxmlformats.org/presentationml/2006/main">
   <p:cSld>
     <p:spTree>
       <p:nvGrpSpPr>
-        <p:cNvPr id="99" name="Shape 99"/>
+        <p:cNvPr id="1" name="Shape 99"/>
         <p:cNvGrpSpPr/>
         <p:nvPr/>
       </p:nvGrpSpPr>
@@ -8442,9 +8591,11 @@
       <p:sp>
         <p:nvSpPr>
           <p:cNvPr id="100" name="Google Shape;100;p15"/>
-          <p:cNvSpPr txBox="1"/>
+          <p:cNvSpPr txBox="1">
+            <a:spLocks noGrp="1"/>
+          </p:cNvSpPr>
           <p:nvPr>
-            <p:ph idx="1" type="body"/>
+            <p:ph type="body" idx="1"/>
           </p:nvPr>
         </p:nvSpPr>
         <p:spPr>
@@ -8457,12 +8608,12 @@
           </a:prstGeom>
         </p:spPr>
         <p:txBody>
-          <a:bodyPr anchorCtr="0" anchor="t" bIns="91425" lIns="91425" spcFirstLastPara="1" rIns="91425" wrap="square" tIns="91425">
+          <a:bodyPr spcFirstLastPara="1" wrap="square" lIns="91425" tIns="91425" rIns="91425" bIns="91425" anchor="t" anchorCtr="0">
             <a:normAutofit lnSpcReduction="10000"/>
           </a:bodyPr>
           <a:lstStyle/>
           <a:p>
-            <a:pPr indent="0" lvl="0" marL="0" rtl="0" algn="l">
+            <a:pPr marL="0" lvl="0" indent="0" algn="l" rtl="0">
               <a:spcBef>
                 <a:spcPts val="0"/>
               </a:spcBef>
@@ -8472,21 +8623,21 @@
               <a:buNone/>
             </a:pPr>
             <a:r>
-              <a:rPr b="1" lang="zh-TW" sz="2000">
+              <a:rPr lang="zh-TW" sz="2000" b="1">
                 <a:solidFill>
                   <a:srgbClr val="0000FF"/>
                 </a:solidFill>
               </a:rPr>
               <a:t>學習重點四：GUI </a:t>
             </a:r>
-            <a:endParaRPr b="1" sz="2000">
+            <a:endParaRPr sz="2000" b="1">
               <a:solidFill>
                 <a:srgbClr val="0000FF"/>
               </a:solidFill>
             </a:endParaRPr>
           </a:p>
           <a:p>
-            <a:pPr indent="-342900" lvl="0" marL="914400" rtl="0" algn="l">
+            <a:pPr marL="914400" lvl="0" indent="-342900" algn="l" rtl="0">
               <a:spcBef>
                 <a:spcPts val="1200"/>
               </a:spcBef>
@@ -8514,7 +8665,7 @@
             </a:endParaRPr>
           </a:p>
           <a:p>
-            <a:pPr indent="457200" lvl="0" marL="914400" rtl="0" algn="l">
+            <a:pPr marL="914400" lvl="0" indent="457200" algn="l" rtl="0">
               <a:spcBef>
                 <a:spcPts val="1200"/>
               </a:spcBef>
@@ -8538,7 +8689,7 @@
             </a:endParaRPr>
           </a:p>
           <a:p>
-            <a:pPr indent="-342900" lvl="0" marL="914400" rtl="0" algn="l">
+            <a:pPr marL="914400" lvl="0" indent="-342900" algn="l" rtl="0">
               <a:spcBef>
                 <a:spcPts val="1200"/>
               </a:spcBef>
@@ -8566,7 +8717,7 @@
             </a:endParaRPr>
           </a:p>
           <a:p>
-            <a:pPr indent="457200" lvl="0" marL="914400" rtl="0" algn="l">
+            <a:pPr marL="914400" lvl="0" indent="457200" algn="l" rtl="0">
               <a:spcBef>
                 <a:spcPts val="1200"/>
               </a:spcBef>
@@ -8590,7 +8741,7 @@
             </a:endParaRPr>
           </a:p>
           <a:p>
-            <a:pPr indent="0" lvl="0" marL="0" rtl="0" algn="l">
+            <a:pPr marL="0" lvl="0" indent="0" algn="l" rtl="0">
               <a:spcBef>
                 <a:spcPts val="1200"/>
               </a:spcBef>
@@ -8600,21 +8751,21 @@
               <a:buNone/>
             </a:pPr>
             <a:r>
-              <a:rPr b="1" lang="zh-TW" sz="2000">
+              <a:rPr lang="zh-TW" sz="2000" b="1">
                 <a:solidFill>
                   <a:srgbClr val="0000FF"/>
                 </a:solidFill>
               </a:rPr>
               <a:t>學習重點五：tkinter套件</a:t>
             </a:r>
-            <a:endParaRPr b="1" sz="2000">
+            <a:endParaRPr sz="2000" b="1">
               <a:solidFill>
                 <a:srgbClr val="0000FF"/>
               </a:solidFill>
             </a:endParaRPr>
           </a:p>
           <a:p>
-            <a:pPr indent="-342900" lvl="0" marL="914400" rtl="0" algn="l">
+            <a:pPr marL="914400" lvl="0" indent="-342900" algn="l" rtl="0">
               <a:spcBef>
                 <a:spcPts val="1200"/>
               </a:spcBef>
@@ -8642,7 +8793,7 @@
             </a:endParaRPr>
           </a:p>
           <a:p>
-            <a:pPr indent="-342900" lvl="0" marL="914400" rtl="0" algn="l">
+            <a:pPr marL="914400" lvl="0" indent="-342900" algn="l" rtl="0">
               <a:spcBef>
                 <a:spcPts val="0"/>
               </a:spcBef>
@@ -8670,7 +8821,7 @@
             </a:endParaRPr>
           </a:p>
           <a:p>
-            <a:pPr indent="-342900" lvl="0" marL="914400" rtl="0" algn="l">
+            <a:pPr marL="914400" lvl="0" indent="-342900" algn="l" rtl="0">
               <a:spcBef>
                 <a:spcPts val="0"/>
               </a:spcBef>
@@ -8698,7 +8849,7 @@
             </a:endParaRPr>
           </a:p>
           <a:p>
-            <a:pPr indent="-342900" lvl="0" marL="914400" rtl="0" algn="l">
+            <a:pPr marL="914400" lvl="0" indent="-342900" algn="l" rtl="0">
               <a:spcBef>
                 <a:spcPts val="0"/>
               </a:spcBef>
@@ -8726,7 +8877,7 @@
             </a:endParaRPr>
           </a:p>
           <a:p>
-            <a:pPr indent="-342900" lvl="0" marL="914400" rtl="0" algn="l">
+            <a:pPr marL="914400" lvl="0" indent="-342900" algn="l" rtl="0">
               <a:spcBef>
                 <a:spcPts val="0"/>
               </a:spcBef>
@@ -8754,7 +8905,7 @@
             </a:endParaRPr>
           </a:p>
           <a:p>
-            <a:pPr indent="-342900" lvl="0" marL="914400" rtl="0" algn="l">
+            <a:pPr marL="914400" lvl="0" indent="-342900" algn="l" rtl="0">
               <a:spcBef>
                 <a:spcPts val="0"/>
               </a:spcBef>
@@ -8782,7 +8933,7 @@
             </a:endParaRPr>
           </a:p>
           <a:p>
-            <a:pPr indent="-342900" lvl="0" marL="914400" rtl="0" algn="l">
+            <a:pPr marL="914400" lvl="0" indent="-342900" algn="l" rtl="0">
               <a:spcBef>
                 <a:spcPts val="0"/>
               </a:spcBef>
@@ -8810,7 +8961,7 @@
             </a:endParaRPr>
           </a:p>
           <a:p>
-            <a:pPr indent="-342900" lvl="0" marL="914400" rtl="0" algn="l">
+            <a:pPr marL="914400" lvl="0" indent="-342900" algn="l" rtl="0">
               <a:spcBef>
                 <a:spcPts val="0"/>
               </a:spcBef>
@@ -8838,7 +8989,7 @@
             </a:endParaRPr>
           </a:p>
           <a:p>
-            <a:pPr indent="-342900" lvl="0" marL="914400" rtl="0" algn="l">
+            <a:pPr marL="914400" lvl="0" indent="-342900" algn="l" rtl="0">
               <a:spcBef>
                 <a:spcPts val="0"/>
               </a:spcBef>
@@ -8866,7 +9017,7 @@
             </a:endParaRPr>
           </a:p>
           <a:p>
-            <a:pPr indent="-342900" lvl="0" marL="914400" rtl="0" algn="l">
+            <a:pPr marL="914400" lvl="0" indent="-342900" algn="l" rtl="0">
               <a:spcBef>
                 <a:spcPts val="0"/>
               </a:spcBef>
@@ -8894,7 +9045,7 @@
             </a:endParaRPr>
           </a:p>
           <a:p>
-            <a:pPr indent="-342900" lvl="0" marL="914400" rtl="0" algn="l">
+            <a:pPr marL="914400" lvl="0" indent="-342900" algn="l" rtl="0">
               <a:spcBef>
                 <a:spcPts val="0"/>
               </a:spcBef>
@@ -8922,7 +9073,7 @@
             </a:endParaRPr>
           </a:p>
           <a:p>
-            <a:pPr indent="-342900" lvl="0" marL="914400" rtl="0" algn="l">
+            <a:pPr marL="914400" lvl="0" indent="-342900" algn="l" rtl="0">
               <a:spcBef>
                 <a:spcPts val="0"/>
               </a:spcBef>
@@ -8950,7 +9101,7 @@
             </a:endParaRPr>
           </a:p>
           <a:p>
-            <a:pPr indent="-342900" lvl="0" marL="914400" rtl="0" algn="l">
+            <a:pPr marL="914400" lvl="0" indent="-342900" algn="l" rtl="0">
               <a:spcBef>
                 <a:spcPts val="0"/>
               </a:spcBef>
@@ -8982,9 +9133,11 @@
       <p:sp>
         <p:nvSpPr>
           <p:cNvPr id="101" name="Google Shape;101;p15"/>
-          <p:cNvSpPr txBox="1"/>
+          <p:cNvSpPr txBox="1">
+            <a:spLocks noGrp="1"/>
+          </p:cNvSpPr>
           <p:nvPr>
-            <p:ph idx="12" type="sldNum"/>
+            <p:ph type="sldNum" idx="12"/>
           </p:nvPr>
         </p:nvSpPr>
         <p:spPr>
@@ -8997,12 +9150,12 @@
           </a:prstGeom>
         </p:spPr>
         <p:txBody>
-          <a:bodyPr anchorCtr="0" anchor="t" bIns="91425" lIns="91425" spcFirstLastPara="1" rIns="91425" wrap="square" tIns="91425">
+          <a:bodyPr spcFirstLastPara="1" wrap="square" lIns="91425" tIns="91425" rIns="91425" bIns="91425" anchor="t" anchorCtr="0">
             <a:noAutofit/>
           </a:bodyPr>
           <a:lstStyle/>
           <a:p>
-            <a:pPr indent="0" lvl="0" marL="0" rtl="0" algn="ctr">
+            <a:pPr marL="0" lvl="0" indent="0" algn="ctr" rtl="0">
               <a:spcBef>
                 <a:spcPts val="0"/>
               </a:spcBef>
@@ -9012,8 +9165,8 @@
               <a:buNone/>
             </a:pPr>
             <a:fld id="{00000000-1234-1234-1234-123412341234}" type="slidenum">
-              <a:rPr lang="zh-TW"/>
-              <a:t>‹#›</a:t>
+              <a:rPr lang="en-US" altLang="zh-TW"/>
+              <a:t>3</a:t>
             </a:fld>
             <a:endParaRPr/>
           </a:p>
@@ -9029,7 +9182,7 @@
           <a:blip r:embed="rId3">
             <a:alphaModFix/>
           </a:blip>
-          <a:srcRect b="21271" l="0" r="0" t="19378"/>
+          <a:srcRect t="19378" b="21271"/>
           <a:stretch/>
         </p:blipFill>
         <p:spPr>
@@ -9055,11 +9208,11 @@
 </file>
 
 <file path=ppt/slides/slide4.xml><?xml version="1.0" encoding="utf-8"?>
-<p:sld xmlns:a="http://schemas.openxmlformats.org/drawingml/2006/main" xmlns:r="http://schemas.openxmlformats.org/officeDocument/2006/relationships" xmlns:mc="http://schemas.openxmlformats.org/markup-compatibility/2006" xmlns:mv="urn:schemas-microsoft-com:mac:vml" xmlns:p="http://schemas.openxmlformats.org/presentationml/2006/main" xmlns:c="http://schemas.openxmlformats.org/drawingml/2006/chart" xmlns:dgm="http://schemas.openxmlformats.org/drawingml/2006/diagram" xmlns:o="urn:schemas-microsoft-com:office:office" xmlns:v="urn:schemas-microsoft-com:vml" xmlns:pvml="urn:schemas-microsoft-com:office:powerpoint" xmlns:com="http://schemas.openxmlformats.org/drawingml/2006/compatibility" xmlns:p14="http://schemas.microsoft.com/office/powerpoint/2010/main" xmlns:p15="http://schemas.microsoft.com/office/powerpoint/2012/main" xmlns:ahyp="http://schemas.microsoft.com/office/drawing/2018/hyperlinkcolor">
+<p:sld xmlns:a="http://schemas.openxmlformats.org/drawingml/2006/main" xmlns:r="http://schemas.openxmlformats.org/officeDocument/2006/relationships" xmlns:p="http://schemas.openxmlformats.org/presentationml/2006/main">
   <p:cSld>
     <p:spTree>
       <p:nvGrpSpPr>
-        <p:cNvPr id="106" name="Shape 106"/>
+        <p:cNvPr id="1" name="Shape 106"/>
         <p:cNvGrpSpPr/>
         <p:nvPr/>
       </p:nvGrpSpPr>
@@ -9074,9 +9227,11 @@
       <p:sp>
         <p:nvSpPr>
           <p:cNvPr id="107" name="Google Shape;107;p16"/>
-          <p:cNvSpPr txBox="1"/>
+          <p:cNvSpPr txBox="1">
+            <a:spLocks noGrp="1"/>
+          </p:cNvSpPr>
           <p:nvPr>
-            <p:ph idx="1" type="body"/>
+            <p:ph type="body" idx="1"/>
           </p:nvPr>
         </p:nvSpPr>
         <p:spPr>
@@ -9089,12 +9244,12 @@
           </a:prstGeom>
         </p:spPr>
         <p:txBody>
-          <a:bodyPr anchorCtr="0" anchor="t" bIns="91425" lIns="91425" spcFirstLastPara="1" rIns="91425" wrap="square" tIns="91425">
+          <a:bodyPr spcFirstLastPara="1" wrap="square" lIns="91425" tIns="91425" rIns="91425" bIns="91425" anchor="t" anchorCtr="0">
             <a:normAutofit/>
           </a:bodyPr>
           <a:lstStyle/>
           <a:p>
-            <a:pPr indent="0" lvl="0" marL="0" rtl="0" algn="l">
+            <a:pPr marL="0" lvl="0" indent="0" algn="l" rtl="0">
               <a:spcBef>
                 <a:spcPts val="0"/>
               </a:spcBef>
@@ -9104,21 +9259,21 @@
               <a:buNone/>
             </a:pPr>
             <a:r>
-              <a:rPr b="1" lang="zh-TW" sz="2000">
+              <a:rPr lang="zh-TW" sz="2000" b="1">
                 <a:solidFill>
                   <a:srgbClr val="0000FF"/>
                 </a:solidFill>
               </a:rPr>
               <a:t>學習重點六：遊戲框架</a:t>
             </a:r>
-            <a:endParaRPr b="1" sz="2000">
+            <a:endParaRPr sz="2000" b="1">
               <a:solidFill>
                 <a:srgbClr val="0000FF"/>
               </a:solidFill>
             </a:endParaRPr>
           </a:p>
           <a:p>
-            <a:pPr indent="0" lvl="0" marL="0" rtl="0" algn="l">
+            <a:pPr marL="0" lvl="0" indent="0" algn="l" rtl="0">
               <a:spcBef>
                 <a:spcPts val="1200"/>
               </a:spcBef>
@@ -9127,10 +9282,7 @@
               </a:spcAft>
               <a:buNone/>
             </a:pPr>
-            <a:r>
-              <a:t/>
-            </a:r>
-            <a:endParaRPr b="1" sz="2000">
+            <a:endParaRPr sz="2000" b="1">
               <a:solidFill>
                 <a:srgbClr val="0000FF"/>
               </a:solidFill>
@@ -9141,9 +9293,11 @@
       <p:sp>
         <p:nvSpPr>
           <p:cNvPr id="108" name="Google Shape;108;p16"/>
-          <p:cNvSpPr txBox="1"/>
+          <p:cNvSpPr txBox="1">
+            <a:spLocks noGrp="1"/>
+          </p:cNvSpPr>
           <p:nvPr>
-            <p:ph idx="12" type="sldNum"/>
+            <p:ph type="sldNum" idx="12"/>
           </p:nvPr>
         </p:nvSpPr>
         <p:spPr>
@@ -9156,12 +9310,12 @@
           </a:prstGeom>
         </p:spPr>
         <p:txBody>
-          <a:bodyPr anchorCtr="0" anchor="t" bIns="91425" lIns="91425" spcFirstLastPara="1" rIns="91425" wrap="square" tIns="91425">
+          <a:bodyPr spcFirstLastPara="1" wrap="square" lIns="91425" tIns="91425" rIns="91425" bIns="91425" anchor="t" anchorCtr="0">
             <a:noAutofit/>
           </a:bodyPr>
           <a:lstStyle/>
           <a:p>
-            <a:pPr indent="0" lvl="0" marL="0" rtl="0" algn="ctr">
+            <a:pPr marL="0" lvl="0" indent="0" algn="ctr" rtl="0">
               <a:spcBef>
                 <a:spcPts val="0"/>
               </a:spcBef>
@@ -9171,8 +9325,8 @@
               <a:buNone/>
             </a:pPr>
             <a:fld id="{00000000-1234-1234-1234-123412341234}" type="slidenum">
-              <a:rPr lang="zh-TW"/>
-              <a:t>‹#›</a:t>
+              <a:rPr lang="en-US" altLang="zh-TW"/>
+              <a:t>4</a:t>
             </a:fld>
             <a:endParaRPr/>
           </a:p>
@@ -9188,7 +9342,7 @@
           <a:blip r:embed="rId3">
             <a:alphaModFix/>
           </a:blip>
-          <a:srcRect b="5858" l="5208" r="6060" t="5770"/>
+          <a:srcRect l="5208" t="5770" r="6060" b="5858"/>
           <a:stretch/>
         </p:blipFill>
         <p:spPr>
@@ -9200,14 +9354,14 @@
             <a:avLst/>
           </a:prstGeom>
           <a:noFill/>
-          <a:ln cap="flat" cmpd="sng" w="38100">
+          <a:ln w="38100" cap="flat" cmpd="sng">
             <a:solidFill>
               <a:srgbClr val="0000FF"/>
             </a:solidFill>
             <a:prstDash val="solid"/>
             <a:round/>
-            <a:headEnd len="sm" w="sm" type="none"/>
-            <a:tailEnd len="sm" w="sm" type="none"/>
+            <a:headEnd type="none" w="sm" len="sm"/>
+            <a:tailEnd type="none" w="sm" len="sm"/>
           </a:ln>
         </p:spPr>
       </p:pic>
@@ -9220,11 +9374,11 @@
 </file>
 
 <file path=ppt/slides/slide5.xml><?xml version="1.0" encoding="utf-8"?>
-<p:sld xmlns:a="http://schemas.openxmlformats.org/drawingml/2006/main" xmlns:r="http://schemas.openxmlformats.org/officeDocument/2006/relationships" xmlns:mc="http://schemas.openxmlformats.org/markup-compatibility/2006" xmlns:mv="urn:schemas-microsoft-com:mac:vml" xmlns:p="http://schemas.openxmlformats.org/presentationml/2006/main" xmlns:c="http://schemas.openxmlformats.org/drawingml/2006/chart" xmlns:dgm="http://schemas.openxmlformats.org/drawingml/2006/diagram" xmlns:o="urn:schemas-microsoft-com:office:office" xmlns:v="urn:schemas-microsoft-com:vml" xmlns:pvml="urn:schemas-microsoft-com:office:powerpoint" xmlns:com="http://schemas.openxmlformats.org/drawingml/2006/compatibility" xmlns:p14="http://schemas.microsoft.com/office/powerpoint/2010/main" xmlns:p15="http://schemas.microsoft.com/office/powerpoint/2012/main" xmlns:ahyp="http://schemas.microsoft.com/office/drawing/2018/hyperlinkcolor">
+<p:sld xmlns:a="http://schemas.openxmlformats.org/drawingml/2006/main" xmlns:r="http://schemas.openxmlformats.org/officeDocument/2006/relationships" xmlns:p="http://schemas.openxmlformats.org/presentationml/2006/main">
   <p:cSld>
     <p:spTree>
       <p:nvGrpSpPr>
-        <p:cNvPr id="113" name="Shape 113"/>
+        <p:cNvPr id="1" name="Shape 113"/>
         <p:cNvGrpSpPr/>
         <p:nvPr/>
       </p:nvGrpSpPr>
@@ -9239,9 +9393,11 @@
       <p:sp>
         <p:nvSpPr>
           <p:cNvPr id="114" name="Google Shape;114;p17"/>
-          <p:cNvSpPr txBox="1"/>
+          <p:cNvSpPr txBox="1">
+            <a:spLocks noGrp="1"/>
+          </p:cNvSpPr>
           <p:nvPr>
-            <p:ph idx="1" type="body"/>
+            <p:ph type="body" idx="1"/>
           </p:nvPr>
         </p:nvSpPr>
         <p:spPr>
@@ -9254,12 +9410,12 @@
           </a:prstGeom>
         </p:spPr>
         <p:txBody>
-          <a:bodyPr anchorCtr="0" anchor="t" bIns="91425" lIns="91425" spcFirstLastPara="1" rIns="91425" wrap="square" tIns="91425">
+          <a:bodyPr spcFirstLastPara="1" wrap="square" lIns="91425" tIns="91425" rIns="91425" bIns="91425" anchor="t" anchorCtr="0">
             <a:normAutofit/>
           </a:bodyPr>
           <a:lstStyle/>
           <a:p>
-            <a:pPr indent="0" lvl="0" marL="0" rtl="0" algn="l">
+            <a:pPr marL="0" lvl="0" indent="0" algn="l" rtl="0">
               <a:spcBef>
                 <a:spcPts val="0"/>
               </a:spcBef>
@@ -9269,22 +9425,14 @@
               <a:buNone/>
             </a:pPr>
             <a:r>
-              <a:rPr b="1" lang="zh-TW" sz="2000">
+              <a:rPr lang="zh-TW" sz="2000" b="1">
                 <a:solidFill>
                   <a:srgbClr val="0000FF"/>
                 </a:solidFill>
               </a:rPr>
-              <a:t>學習重點七：load_img </a:t>
+              <a:t>學習重點七：load_img 程式碼</a:t>
             </a:r>
-            <a:r>
-              <a:rPr b="1" lang="zh-TW" sz="2000">
-                <a:solidFill>
-                  <a:srgbClr val="0000FF"/>
-                </a:solidFill>
-              </a:rPr>
-              <a:t>程式碼</a:t>
-            </a:r>
-            <a:endParaRPr b="1" sz="2000">
+            <a:endParaRPr sz="2000" b="1">
               <a:solidFill>
                 <a:srgbClr val="0000FF"/>
               </a:solidFill>
@@ -9295,9 +9443,11 @@
       <p:sp>
         <p:nvSpPr>
           <p:cNvPr id="115" name="Google Shape;115;p17"/>
-          <p:cNvSpPr txBox="1"/>
+          <p:cNvSpPr txBox="1">
+            <a:spLocks noGrp="1"/>
+          </p:cNvSpPr>
           <p:nvPr>
-            <p:ph idx="1" type="body"/>
+            <p:ph type="body" idx="1"/>
           </p:nvPr>
         </p:nvSpPr>
         <p:spPr>
@@ -9310,12 +9460,12 @@
           </a:prstGeom>
         </p:spPr>
         <p:txBody>
-          <a:bodyPr anchorCtr="0" anchor="t" bIns="91425" lIns="91425" spcFirstLastPara="1" rIns="91425" wrap="square" tIns="91425">
+          <a:bodyPr spcFirstLastPara="1" wrap="square" lIns="91425" tIns="91425" rIns="91425" bIns="91425" anchor="t" anchorCtr="0">
             <a:normAutofit/>
           </a:bodyPr>
           <a:lstStyle/>
           <a:p>
-            <a:pPr indent="0" lvl="0" marL="0" rtl="0" algn="l">
+            <a:pPr marL="0" lvl="0" indent="0" algn="l" rtl="0">
               <a:spcBef>
                 <a:spcPts val="0"/>
               </a:spcBef>
@@ -9325,14 +9475,14 @@
               <a:buNone/>
             </a:pPr>
             <a:r>
-              <a:rPr b="1" lang="zh-TW" sz="2000">
+              <a:rPr lang="zh-TW" sz="2000" b="1">
                 <a:solidFill>
                   <a:srgbClr val="0000FF"/>
                 </a:solidFill>
               </a:rPr>
               <a:t>學習重點八：set_title_frame 程式碼</a:t>
             </a:r>
-            <a:endParaRPr b="1" sz="2000">
+            <a:endParaRPr sz="2000" b="1">
               <a:solidFill>
                 <a:srgbClr val="0000FF"/>
               </a:solidFill>
@@ -9343,9 +9493,11 @@
       <p:sp>
         <p:nvSpPr>
           <p:cNvPr id="116" name="Google Shape;116;p17"/>
-          <p:cNvSpPr txBox="1"/>
+          <p:cNvSpPr txBox="1">
+            <a:spLocks noGrp="1"/>
+          </p:cNvSpPr>
           <p:nvPr>
-            <p:ph idx="12" type="sldNum"/>
+            <p:ph type="sldNum" idx="12"/>
           </p:nvPr>
         </p:nvSpPr>
         <p:spPr>
@@ -9358,12 +9510,12 @@
           </a:prstGeom>
         </p:spPr>
         <p:txBody>
-          <a:bodyPr anchorCtr="0" anchor="t" bIns="91425" lIns="91425" spcFirstLastPara="1" rIns="91425" wrap="square" tIns="91425">
+          <a:bodyPr spcFirstLastPara="1" wrap="square" lIns="91425" tIns="91425" rIns="91425" bIns="91425" anchor="t" anchorCtr="0">
             <a:noAutofit/>
           </a:bodyPr>
           <a:lstStyle/>
           <a:p>
-            <a:pPr indent="0" lvl="0" marL="0" rtl="0" algn="ctr">
+            <a:pPr marL="0" lvl="0" indent="0" algn="ctr" rtl="0">
               <a:spcBef>
                 <a:spcPts val="0"/>
               </a:spcBef>
@@ -9373,8 +9525,8 @@
               <a:buNone/>
             </a:pPr>
             <a:fld id="{00000000-1234-1234-1234-123412341234}" type="slidenum">
-              <a:rPr lang="zh-TW"/>
-              <a:t>‹#›</a:t>
+              <a:rPr lang="en-US" altLang="zh-TW"/>
+              <a:t>5</a:t>
             </a:fld>
             <a:endParaRPr/>
           </a:p>
@@ -9390,7 +9542,7 @@
           <a:blip r:embed="rId3">
             <a:alphaModFix/>
           </a:blip>
-          <a:srcRect b="16475" l="5817" r="5640" t="30787"/>
+          <a:srcRect l="5817" t="30787" r="5640" b="16475"/>
           <a:stretch/>
         </p:blipFill>
         <p:spPr>
@@ -9402,14 +9554,14 @@
             <a:avLst/>
           </a:prstGeom>
           <a:noFill/>
-          <a:ln cap="flat" cmpd="sng" w="38100">
+          <a:ln w="38100" cap="flat" cmpd="sng">
             <a:solidFill>
               <a:srgbClr val="0000FF"/>
             </a:solidFill>
             <a:prstDash val="solid"/>
             <a:round/>
-            <a:headEnd len="sm" w="sm" type="none"/>
-            <a:tailEnd len="sm" w="sm" type="none"/>
+            <a:headEnd type="none" w="sm" len="sm"/>
+            <a:tailEnd type="none" w="sm" len="sm"/>
           </a:ln>
         </p:spPr>
       </p:pic>
@@ -9423,7 +9575,7 @@
           <a:blip r:embed="rId4">
             <a:alphaModFix/>
           </a:blip>
-          <a:srcRect b="16149" l="5984" r="5480" t="28276"/>
+          <a:srcRect l="5984" t="28276" r="5480" b="16149"/>
           <a:stretch/>
         </p:blipFill>
         <p:spPr>
@@ -9435,23 +9587,25 @@
             <a:avLst/>
           </a:prstGeom>
           <a:noFill/>
-          <a:ln cap="flat" cmpd="sng" w="38100">
+          <a:ln w="38100" cap="flat" cmpd="sng">
             <a:solidFill>
               <a:srgbClr val="0000FF"/>
             </a:solidFill>
             <a:prstDash val="solid"/>
             <a:round/>
-            <a:headEnd len="sm" w="sm" type="none"/>
-            <a:tailEnd len="sm" w="sm" type="none"/>
+            <a:headEnd type="none" w="sm" len="sm"/>
+            <a:tailEnd type="none" w="sm" len="sm"/>
           </a:ln>
         </p:spPr>
       </p:pic>
       <p:sp>
         <p:nvSpPr>
           <p:cNvPr id="119" name="Google Shape;119;p17"/>
-          <p:cNvSpPr txBox="1"/>
+          <p:cNvSpPr txBox="1">
+            <a:spLocks noGrp="1"/>
+          </p:cNvSpPr>
           <p:nvPr>
-            <p:ph idx="1" type="body"/>
+            <p:ph type="body" idx="1"/>
           </p:nvPr>
         </p:nvSpPr>
         <p:spPr>
@@ -9464,12 +9618,12 @@
           </a:prstGeom>
         </p:spPr>
         <p:txBody>
-          <a:bodyPr anchorCtr="0" anchor="t" bIns="91425" lIns="91425" spcFirstLastPara="1" rIns="91425" wrap="square" tIns="91425">
+          <a:bodyPr spcFirstLastPara="1" wrap="square" lIns="91425" tIns="91425" rIns="91425" bIns="91425" anchor="t" anchorCtr="0">
             <a:normAutofit/>
           </a:bodyPr>
           <a:lstStyle/>
           <a:p>
-            <a:pPr indent="0" lvl="0" marL="0" rtl="0" algn="l">
+            <a:pPr marL="0" lvl="0" indent="0" algn="l" rtl="0">
               <a:spcBef>
                 <a:spcPts val="0"/>
               </a:spcBef>
@@ -9479,14 +9633,14 @@
               <a:buNone/>
             </a:pPr>
             <a:r>
-              <a:rPr b="1" lang="zh-TW" sz="2000">
+              <a:rPr lang="zh-TW" sz="2000" b="1">
                 <a:solidFill>
                   <a:srgbClr val="0000FF"/>
                 </a:solidFill>
               </a:rPr>
               <a:t>學習重點九：set_robot_frame 程式碼</a:t>
             </a:r>
-            <a:endParaRPr b="1" sz="2000">
+            <a:endParaRPr sz="2000" b="1">
               <a:solidFill>
                 <a:srgbClr val="0000FF"/>
               </a:solidFill>
@@ -9504,7 +9658,7 @@
           <a:blip r:embed="rId5">
             <a:alphaModFix/>
           </a:blip>
-          <a:srcRect b="7809" l="6091" r="5374" t="14168"/>
+          <a:srcRect l="6091" t="14168" r="5374" b="7809"/>
           <a:stretch/>
         </p:blipFill>
         <p:spPr>
@@ -9516,14 +9670,14 @@
             <a:avLst/>
           </a:prstGeom>
           <a:noFill/>
-          <a:ln cap="flat" cmpd="sng" w="38100">
+          <a:ln w="38100" cap="flat" cmpd="sng">
             <a:solidFill>
               <a:srgbClr val="0000FF"/>
             </a:solidFill>
             <a:prstDash val="solid"/>
             <a:round/>
-            <a:headEnd len="sm" w="sm" type="none"/>
-            <a:tailEnd len="sm" w="sm" type="none"/>
+            <a:headEnd type="none" w="sm" len="sm"/>
+            <a:tailEnd type="none" w="sm" len="sm"/>
           </a:ln>
         </p:spPr>
       </p:pic>
@@ -9536,11 +9690,11 @@
 </file>
 
 <file path=ppt/slides/slide6.xml><?xml version="1.0" encoding="utf-8"?>
-<p:sld xmlns:a="http://schemas.openxmlformats.org/drawingml/2006/main" xmlns:r="http://schemas.openxmlformats.org/officeDocument/2006/relationships" xmlns:mc="http://schemas.openxmlformats.org/markup-compatibility/2006" xmlns:mv="urn:schemas-microsoft-com:mac:vml" xmlns:p="http://schemas.openxmlformats.org/presentationml/2006/main" xmlns:c="http://schemas.openxmlformats.org/drawingml/2006/chart" xmlns:dgm="http://schemas.openxmlformats.org/drawingml/2006/diagram" xmlns:o="urn:schemas-microsoft-com:office:office" xmlns:v="urn:schemas-microsoft-com:vml" xmlns:pvml="urn:schemas-microsoft-com:office:powerpoint" xmlns:com="http://schemas.openxmlformats.org/drawingml/2006/compatibility" xmlns:p14="http://schemas.microsoft.com/office/powerpoint/2010/main" xmlns:p15="http://schemas.microsoft.com/office/powerpoint/2012/main" xmlns:ahyp="http://schemas.microsoft.com/office/drawing/2018/hyperlinkcolor">
+<p:sld xmlns:a="http://schemas.openxmlformats.org/drawingml/2006/main" xmlns:r="http://schemas.openxmlformats.org/officeDocument/2006/relationships" xmlns:p="http://schemas.openxmlformats.org/presentationml/2006/main">
   <p:cSld>
     <p:spTree>
       <p:nvGrpSpPr>
-        <p:cNvPr id="124" name="Shape 124"/>
+        <p:cNvPr id="1" name="Shape 124"/>
         <p:cNvGrpSpPr/>
         <p:nvPr/>
       </p:nvGrpSpPr>
@@ -9555,9 +9709,11 @@
       <p:sp>
         <p:nvSpPr>
           <p:cNvPr id="125" name="Google Shape;125;p18"/>
-          <p:cNvSpPr txBox="1"/>
+          <p:cNvSpPr txBox="1">
+            <a:spLocks noGrp="1"/>
+          </p:cNvSpPr>
           <p:nvPr>
-            <p:ph idx="1" type="body"/>
+            <p:ph type="body" idx="1"/>
           </p:nvPr>
         </p:nvSpPr>
         <p:spPr>
@@ -9570,12 +9726,12 @@
           </a:prstGeom>
         </p:spPr>
         <p:txBody>
-          <a:bodyPr anchorCtr="0" anchor="t" bIns="91425" lIns="91425" spcFirstLastPara="1" rIns="91425" wrap="square" tIns="91425">
+          <a:bodyPr spcFirstLastPara="1" wrap="square" lIns="91425" tIns="91425" rIns="91425" bIns="91425" anchor="t" anchorCtr="0">
             <a:normAutofit/>
           </a:bodyPr>
           <a:lstStyle/>
           <a:p>
-            <a:pPr indent="0" lvl="0" marL="0" rtl="0" algn="l">
+            <a:pPr marL="0" lvl="0" indent="0" algn="l" rtl="0">
               <a:spcBef>
                 <a:spcPts val="0"/>
               </a:spcBef>
@@ -9585,38 +9741,14 @@
               <a:buNone/>
             </a:pPr>
             <a:r>
-              <a:rPr b="1" lang="zh-TW" sz="2000">
+              <a:rPr lang="zh-TW" sz="2000" b="1">
                 <a:solidFill>
                   <a:srgbClr val="0000FF"/>
                 </a:solidFill>
               </a:rPr>
-              <a:t>學習重點十</a:t>
+              <a:t>學習重點十：set_user_frame 程式碼</a:t>
             </a:r>
-            <a:r>
-              <a:rPr b="1" lang="zh-TW" sz="2000">
-                <a:solidFill>
-                  <a:srgbClr val="0000FF"/>
-                </a:solidFill>
-              </a:rPr>
-              <a:t>：</a:t>
-            </a:r>
-            <a:r>
-              <a:rPr b="1" lang="zh-TW" sz="2000">
-                <a:solidFill>
-                  <a:srgbClr val="0000FF"/>
-                </a:solidFill>
-              </a:rPr>
-              <a:t>set_user_frame </a:t>
-            </a:r>
-            <a:r>
-              <a:rPr b="1" lang="zh-TW" sz="2000">
-                <a:solidFill>
-                  <a:srgbClr val="0000FF"/>
-                </a:solidFill>
-              </a:rPr>
-              <a:t>程式碼</a:t>
-            </a:r>
-            <a:endParaRPr b="1" sz="2000">
+            <a:endParaRPr sz="2000" b="1">
               <a:solidFill>
                 <a:srgbClr val="0000FF"/>
               </a:solidFill>
@@ -9627,9 +9759,11 @@
       <p:sp>
         <p:nvSpPr>
           <p:cNvPr id="126" name="Google Shape;126;p18"/>
-          <p:cNvSpPr txBox="1"/>
+          <p:cNvSpPr txBox="1">
+            <a:spLocks noGrp="1"/>
+          </p:cNvSpPr>
           <p:nvPr>
-            <p:ph idx="12" type="sldNum"/>
+            <p:ph type="sldNum" idx="12"/>
           </p:nvPr>
         </p:nvSpPr>
         <p:spPr>
@@ -9642,12 +9776,12 @@
           </a:prstGeom>
         </p:spPr>
         <p:txBody>
-          <a:bodyPr anchorCtr="0" anchor="t" bIns="91425" lIns="91425" spcFirstLastPara="1" rIns="91425" wrap="square" tIns="91425">
+          <a:bodyPr spcFirstLastPara="1" wrap="square" lIns="91425" tIns="91425" rIns="91425" bIns="91425" anchor="t" anchorCtr="0">
             <a:noAutofit/>
           </a:bodyPr>
           <a:lstStyle/>
           <a:p>
-            <a:pPr indent="0" lvl="0" marL="0" rtl="0" algn="ctr">
+            <a:pPr marL="0" lvl="0" indent="0" algn="ctr" rtl="0">
               <a:spcBef>
                 <a:spcPts val="0"/>
               </a:spcBef>
@@ -9657,8 +9791,8 @@
               <a:buNone/>
             </a:pPr>
             <a:fld id="{00000000-1234-1234-1234-123412341234}" type="slidenum">
-              <a:rPr lang="zh-TW"/>
-              <a:t>‹#›</a:t>
+              <a:rPr lang="en-US" altLang="zh-TW"/>
+              <a:t>6</a:t>
             </a:fld>
             <a:endParaRPr/>
           </a:p>
@@ -9674,7 +9808,7 @@
           <a:blip r:embed="rId3">
             <a:alphaModFix/>
           </a:blip>
-          <a:srcRect b="6873" l="5702" r="5337" t="12266"/>
+          <a:srcRect l="5702" t="12266" r="5337" b="6873"/>
           <a:stretch/>
         </p:blipFill>
         <p:spPr>
@@ -9686,23 +9820,25 @@
             <a:avLst/>
           </a:prstGeom>
           <a:noFill/>
-          <a:ln cap="flat" cmpd="sng" w="38100">
+          <a:ln w="38100" cap="flat" cmpd="sng">
             <a:solidFill>
               <a:srgbClr val="0000FF"/>
             </a:solidFill>
             <a:prstDash val="solid"/>
             <a:round/>
-            <a:headEnd len="sm" w="sm" type="none"/>
-            <a:tailEnd len="sm" w="sm" type="none"/>
+            <a:headEnd type="none" w="sm" len="sm"/>
+            <a:tailEnd type="none" w="sm" len="sm"/>
           </a:ln>
         </p:spPr>
       </p:pic>
       <p:sp>
         <p:nvSpPr>
           <p:cNvPr id="128" name="Google Shape;128;p18"/>
-          <p:cNvSpPr txBox="1"/>
+          <p:cNvSpPr txBox="1">
+            <a:spLocks noGrp="1"/>
+          </p:cNvSpPr>
           <p:nvPr>
-            <p:ph idx="1" type="body"/>
+            <p:ph type="body" idx="1"/>
           </p:nvPr>
         </p:nvSpPr>
         <p:spPr>
@@ -9715,12 +9851,12 @@
           </a:prstGeom>
         </p:spPr>
         <p:txBody>
-          <a:bodyPr anchorCtr="0" anchor="t" bIns="91425" lIns="91425" spcFirstLastPara="1" rIns="91425" wrap="square" tIns="91425">
+          <a:bodyPr spcFirstLastPara="1" wrap="square" lIns="91425" tIns="91425" rIns="91425" bIns="91425" anchor="t" anchorCtr="0">
             <a:normAutofit/>
           </a:bodyPr>
           <a:lstStyle/>
           <a:p>
-            <a:pPr indent="0" lvl="0" marL="0" rtl="0" algn="l">
+            <a:pPr marL="0" lvl="0" indent="0" algn="l" rtl="0">
               <a:spcBef>
                 <a:spcPts val="0"/>
               </a:spcBef>
@@ -9730,30 +9866,14 @@
               <a:buNone/>
             </a:pPr>
             <a:r>
-              <a:rPr b="1" lang="zh-TW" sz="2000">
+              <a:rPr lang="zh-TW" sz="2000" b="1">
                 <a:solidFill>
                   <a:srgbClr val="0000FF"/>
                 </a:solidFill>
               </a:rPr>
-              <a:t>學習重點</a:t>
+              <a:t>學習重點十一：set_result_frame 程式碼</a:t>
             </a:r>
-            <a:r>
-              <a:rPr b="1" lang="zh-TW" sz="2000">
-                <a:solidFill>
-                  <a:srgbClr val="0000FF"/>
-                </a:solidFill>
-              </a:rPr>
-              <a:t>十一</a:t>
-            </a:r>
-            <a:r>
-              <a:rPr b="1" lang="zh-TW" sz="2000">
-                <a:solidFill>
-                  <a:srgbClr val="0000FF"/>
-                </a:solidFill>
-              </a:rPr>
-              <a:t>：set_result_frame 程式碼</a:t>
-            </a:r>
-            <a:endParaRPr b="1" sz="2000">
+            <a:endParaRPr sz="2000" b="1">
               <a:solidFill>
                 <a:srgbClr val="0000FF"/>
               </a:solidFill>
@@ -9771,7 +9891,7 @@
           <a:blip r:embed="rId4">
             <a:alphaModFix/>
           </a:blip>
-          <a:srcRect b="10805" l="5814" r="5823" t="19571"/>
+          <a:srcRect l="5814" t="19571" r="5823" b="10805"/>
           <a:stretch/>
         </p:blipFill>
         <p:spPr>
@@ -9783,14 +9903,14 @@
             <a:avLst/>
           </a:prstGeom>
           <a:noFill/>
-          <a:ln cap="flat" cmpd="sng" w="38100">
+          <a:ln w="38100" cap="flat" cmpd="sng">
             <a:solidFill>
               <a:srgbClr val="0000FF"/>
             </a:solidFill>
             <a:prstDash val="solid"/>
             <a:round/>
-            <a:headEnd len="sm" w="sm" type="none"/>
-            <a:tailEnd len="sm" w="sm" type="none"/>
+            <a:headEnd type="none" w="sm" len="sm"/>
+            <a:tailEnd type="none" w="sm" len="sm"/>
           </a:ln>
         </p:spPr>
       </p:pic>
@@ -9803,11 +9923,11 @@
 </file>
 
 <file path=ppt/slides/slide7.xml><?xml version="1.0" encoding="utf-8"?>
-<p:sld xmlns:a="http://schemas.openxmlformats.org/drawingml/2006/main" xmlns:r="http://schemas.openxmlformats.org/officeDocument/2006/relationships" xmlns:mc="http://schemas.openxmlformats.org/markup-compatibility/2006" xmlns:mv="urn:schemas-microsoft-com:mac:vml" xmlns:p="http://schemas.openxmlformats.org/presentationml/2006/main" xmlns:c="http://schemas.openxmlformats.org/drawingml/2006/chart" xmlns:dgm="http://schemas.openxmlformats.org/drawingml/2006/diagram" xmlns:o="urn:schemas-microsoft-com:office:office" xmlns:v="urn:schemas-microsoft-com:vml" xmlns:pvml="urn:schemas-microsoft-com:office:powerpoint" xmlns:com="http://schemas.openxmlformats.org/drawingml/2006/compatibility" xmlns:p14="http://schemas.microsoft.com/office/powerpoint/2010/main" xmlns:p15="http://schemas.microsoft.com/office/powerpoint/2012/main" xmlns:ahyp="http://schemas.microsoft.com/office/drawing/2018/hyperlinkcolor">
+<p:sld xmlns:a="http://schemas.openxmlformats.org/drawingml/2006/main" xmlns:r="http://schemas.openxmlformats.org/officeDocument/2006/relationships" xmlns:p="http://schemas.openxmlformats.org/presentationml/2006/main">
   <p:cSld>
     <p:spTree>
       <p:nvGrpSpPr>
-        <p:cNvPr id="133" name="Shape 133"/>
+        <p:cNvPr id="1" name="Shape 133"/>
         <p:cNvGrpSpPr/>
         <p:nvPr/>
       </p:nvGrpSpPr>
@@ -9822,9 +9942,11 @@
       <p:sp>
         <p:nvSpPr>
           <p:cNvPr id="134" name="Google Shape;134;p19"/>
-          <p:cNvSpPr txBox="1"/>
+          <p:cNvSpPr txBox="1">
+            <a:spLocks noGrp="1"/>
+          </p:cNvSpPr>
           <p:nvPr>
-            <p:ph idx="1" type="body"/>
+            <p:ph type="body" idx="1"/>
           </p:nvPr>
         </p:nvSpPr>
         <p:spPr>
@@ -9837,12 +9959,12 @@
           </a:prstGeom>
         </p:spPr>
         <p:txBody>
-          <a:bodyPr anchorCtr="0" anchor="t" bIns="91425" lIns="91425" spcFirstLastPara="1" rIns="91425" wrap="square" tIns="91425">
+          <a:bodyPr spcFirstLastPara="1" wrap="square" lIns="91425" tIns="91425" rIns="91425" bIns="91425" anchor="t" anchorCtr="0">
             <a:normAutofit/>
           </a:bodyPr>
           <a:lstStyle/>
           <a:p>
-            <a:pPr indent="0" lvl="0" marL="0" rtl="0" algn="l">
+            <a:pPr marL="0" lvl="0" indent="0" algn="l" rtl="0">
               <a:spcBef>
                 <a:spcPts val="0"/>
               </a:spcBef>
@@ -9852,54 +9974,14 @@
               <a:buNone/>
             </a:pPr>
             <a:r>
-              <a:rPr b="1" lang="zh-TW" sz="2000">
+              <a:rPr lang="zh-TW" sz="2000" b="1">
                 <a:solidFill>
                   <a:srgbClr val="0000FF"/>
                 </a:solidFill>
               </a:rPr>
-              <a:t>學習重點</a:t>
+              <a:t>學習重點十二：click_scissors 程式碼 (石頭、布比照)</a:t>
             </a:r>
-            <a:r>
-              <a:rPr b="1" lang="zh-TW" sz="2000">
-                <a:solidFill>
-                  <a:srgbClr val="0000FF"/>
-                </a:solidFill>
-              </a:rPr>
-              <a:t>十二</a:t>
-            </a:r>
-            <a:r>
-              <a:rPr b="1" lang="zh-TW" sz="2000">
-                <a:solidFill>
-                  <a:srgbClr val="0000FF"/>
-                </a:solidFill>
-              </a:rPr>
-              <a:t>：</a:t>
-            </a:r>
-            <a:r>
-              <a:rPr b="1" lang="zh-TW" sz="2000">
-                <a:solidFill>
-                  <a:srgbClr val="0000FF"/>
-                </a:solidFill>
-              </a:rPr>
-              <a:t>click_scissors</a:t>
-            </a:r>
-            <a:r>
-              <a:rPr b="1" lang="zh-TW" sz="2000">
-                <a:solidFill>
-                  <a:srgbClr val="0000FF"/>
-                </a:solidFill>
-              </a:rPr>
-              <a:t> 程式碼 (</a:t>
-            </a:r>
-            <a:r>
-              <a:rPr b="1" lang="zh-TW" sz="2000">
-                <a:solidFill>
-                  <a:srgbClr val="0000FF"/>
-                </a:solidFill>
-              </a:rPr>
-              <a:t>石頭、布比照)</a:t>
-            </a:r>
-            <a:endParaRPr b="1" sz="2000">
+            <a:endParaRPr sz="2000" b="1">
               <a:solidFill>
                 <a:srgbClr val="0000FF"/>
               </a:solidFill>
@@ -9910,9 +9992,11 @@
       <p:sp>
         <p:nvSpPr>
           <p:cNvPr id="135" name="Google Shape;135;p19"/>
-          <p:cNvSpPr txBox="1"/>
+          <p:cNvSpPr txBox="1">
+            <a:spLocks noGrp="1"/>
+          </p:cNvSpPr>
           <p:nvPr>
-            <p:ph idx="12" type="sldNum"/>
+            <p:ph type="sldNum" idx="12"/>
           </p:nvPr>
         </p:nvSpPr>
         <p:spPr>
@@ -9925,12 +10009,12 @@
           </a:prstGeom>
         </p:spPr>
         <p:txBody>
-          <a:bodyPr anchorCtr="0" anchor="t" bIns="91425" lIns="91425" spcFirstLastPara="1" rIns="91425" wrap="square" tIns="91425">
+          <a:bodyPr spcFirstLastPara="1" wrap="square" lIns="91425" tIns="91425" rIns="91425" bIns="91425" anchor="t" anchorCtr="0">
             <a:noAutofit/>
           </a:bodyPr>
           <a:lstStyle/>
           <a:p>
-            <a:pPr indent="0" lvl="0" marL="0" rtl="0" algn="ctr">
+            <a:pPr marL="0" lvl="0" indent="0" algn="ctr" rtl="0">
               <a:spcBef>
                 <a:spcPts val="0"/>
               </a:spcBef>
@@ -9940,8 +10024,8 @@
               <a:buNone/>
             </a:pPr>
             <a:fld id="{00000000-1234-1234-1234-123412341234}" type="slidenum">
-              <a:rPr lang="zh-TW"/>
-              <a:t>‹#›</a:t>
+              <a:rPr lang="en-US" altLang="zh-TW"/>
+              <a:t>7</a:t>
             </a:fld>
             <a:endParaRPr/>
           </a:p>
@@ -9957,7 +10041,7 @@
           <a:blip r:embed="rId3">
             <a:alphaModFix/>
           </a:blip>
-          <a:srcRect b="6190" l="5814" r="5823" t="6243"/>
+          <a:srcRect l="5814" t="6243" r="5823" b="6190"/>
           <a:stretch/>
         </p:blipFill>
         <p:spPr>
@@ -9969,14 +10053,14 @@
             <a:avLst/>
           </a:prstGeom>
           <a:noFill/>
-          <a:ln cap="flat" cmpd="sng" w="38100">
+          <a:ln w="38100" cap="flat" cmpd="sng">
             <a:solidFill>
               <a:srgbClr val="0000FF"/>
             </a:solidFill>
             <a:prstDash val="solid"/>
             <a:round/>
-            <a:headEnd len="sm" w="sm" type="none"/>
-            <a:tailEnd len="sm" w="sm" type="none"/>
+            <a:headEnd type="none" w="sm" len="sm"/>
+            <a:tailEnd type="none" w="sm" len="sm"/>
           </a:ln>
         </p:spPr>
       </p:pic>
@@ -9990,7 +10074,7 @@
           <a:blip r:embed="rId4">
             <a:alphaModFix/>
           </a:blip>
-          <a:srcRect b="6838" l="8723" r="51553" t="45603"/>
+          <a:srcRect l="8723" t="45603" r="51553" b="6838"/>
           <a:stretch/>
         </p:blipFill>
         <p:spPr>
@@ -10017,7 +10101,7 @@
           <a:blip r:embed="rId4">
             <a:alphaModFix/>
           </a:blip>
-          <a:srcRect b="55669" l="26070" r="38679" t="7015"/>
+          <a:srcRect l="26070" t="7015" r="38679" b="55669"/>
           <a:stretch/>
         </p:blipFill>
         <p:spPr>
@@ -10044,7 +10128,7 @@
           <a:blip r:embed="rId4">
             <a:alphaModFix/>
           </a:blip>
-          <a:srcRect b="20160" l="52034" r="4776" t="38271"/>
+          <a:srcRect l="52034" t="38271" r="4776" b="20160"/>
           <a:stretch/>
         </p:blipFill>
         <p:spPr>
@@ -10070,11 +10154,11 @@
 </file>
 
 <file path=ppt/slides/slide8.xml><?xml version="1.0" encoding="utf-8"?>
-<p:sld xmlns:a="http://schemas.openxmlformats.org/drawingml/2006/main" xmlns:r="http://schemas.openxmlformats.org/officeDocument/2006/relationships" xmlns:mc="http://schemas.openxmlformats.org/markup-compatibility/2006" xmlns:mv="urn:schemas-microsoft-com:mac:vml" xmlns:p="http://schemas.openxmlformats.org/presentationml/2006/main" xmlns:c="http://schemas.openxmlformats.org/drawingml/2006/chart" xmlns:dgm="http://schemas.openxmlformats.org/drawingml/2006/diagram" xmlns:o="urn:schemas-microsoft-com:office:office" xmlns:v="urn:schemas-microsoft-com:vml" xmlns:pvml="urn:schemas-microsoft-com:office:powerpoint" xmlns:com="http://schemas.openxmlformats.org/drawingml/2006/compatibility" xmlns:p14="http://schemas.microsoft.com/office/powerpoint/2010/main" xmlns:p15="http://schemas.microsoft.com/office/powerpoint/2012/main" xmlns:ahyp="http://schemas.microsoft.com/office/drawing/2018/hyperlinkcolor">
+<p:sld xmlns:a="http://schemas.openxmlformats.org/drawingml/2006/main" xmlns:r="http://schemas.openxmlformats.org/officeDocument/2006/relationships" xmlns:p="http://schemas.openxmlformats.org/presentationml/2006/main">
   <p:cSld>
     <p:spTree>
       <p:nvGrpSpPr>
-        <p:cNvPr id="143" name="Shape 143"/>
+        <p:cNvPr id="1" name="Shape 143"/>
         <p:cNvGrpSpPr/>
         <p:nvPr/>
       </p:nvGrpSpPr>
@@ -10089,9 +10173,11 @@
       <p:sp>
         <p:nvSpPr>
           <p:cNvPr id="144" name="Google Shape;144;p20"/>
-          <p:cNvSpPr txBox="1"/>
+          <p:cNvSpPr txBox="1">
+            <a:spLocks noGrp="1"/>
+          </p:cNvSpPr>
           <p:nvPr>
-            <p:ph idx="1" type="body"/>
+            <p:ph type="body" idx="1"/>
           </p:nvPr>
         </p:nvSpPr>
         <p:spPr>
@@ -10104,12 +10190,12 @@
           </a:prstGeom>
         </p:spPr>
         <p:txBody>
-          <a:bodyPr anchorCtr="0" anchor="t" bIns="91425" lIns="91425" spcFirstLastPara="1" rIns="91425" wrap="square" tIns="91425">
+          <a:bodyPr spcFirstLastPara="1" wrap="square" lIns="91425" tIns="91425" rIns="91425" bIns="91425" anchor="t" anchorCtr="0">
             <a:normAutofit/>
           </a:bodyPr>
           <a:lstStyle/>
           <a:p>
-            <a:pPr indent="0" lvl="0" marL="0" rtl="0" algn="l">
+            <a:pPr marL="0" lvl="0" indent="0" algn="l" rtl="0">
               <a:spcBef>
                 <a:spcPts val="0"/>
               </a:spcBef>
@@ -10119,38 +10205,14 @@
               <a:buNone/>
             </a:pPr>
             <a:r>
-              <a:rPr b="1" lang="zh-TW" sz="2000">
+              <a:rPr lang="zh-TW" sz="2000" b="1">
                 <a:solidFill>
                   <a:srgbClr val="0000FF"/>
                 </a:solidFill>
               </a:rPr>
-              <a:t>學習重點</a:t>
+              <a:t>學習重點十三：reset_func 程式碼</a:t>
             </a:r>
-            <a:r>
-              <a:rPr b="1" lang="zh-TW" sz="2000">
-                <a:solidFill>
-                  <a:srgbClr val="0000FF"/>
-                </a:solidFill>
-              </a:rPr>
-              <a:t>十三</a:t>
-            </a:r>
-            <a:r>
-              <a:rPr b="1" lang="zh-TW" sz="2000">
-                <a:solidFill>
-                  <a:srgbClr val="0000FF"/>
-                </a:solidFill>
-              </a:rPr>
-              <a:t>：</a:t>
-            </a:r>
-            <a:r>
-              <a:rPr b="1" lang="zh-TW" sz="2000">
-                <a:solidFill>
-                  <a:srgbClr val="0000FF"/>
-                </a:solidFill>
-              </a:rPr>
-              <a:t>reset_func 程式碼</a:t>
-            </a:r>
-            <a:endParaRPr b="1" sz="2000">
+            <a:endParaRPr sz="2000" b="1">
               <a:solidFill>
                 <a:srgbClr val="0000FF"/>
               </a:solidFill>
@@ -10161,9 +10223,11 @@
       <p:sp>
         <p:nvSpPr>
           <p:cNvPr id="145" name="Google Shape;145;p20"/>
-          <p:cNvSpPr txBox="1"/>
+          <p:cNvSpPr txBox="1">
+            <a:spLocks noGrp="1"/>
+          </p:cNvSpPr>
           <p:nvPr>
-            <p:ph idx="1" type="body"/>
+            <p:ph type="body" idx="1"/>
           </p:nvPr>
         </p:nvSpPr>
         <p:spPr>
@@ -10176,12 +10240,12 @@
           </a:prstGeom>
         </p:spPr>
         <p:txBody>
-          <a:bodyPr anchorCtr="0" anchor="t" bIns="91425" lIns="91425" spcFirstLastPara="1" rIns="91425" wrap="square" tIns="91425">
+          <a:bodyPr spcFirstLastPara="1" wrap="square" lIns="91425" tIns="91425" rIns="91425" bIns="91425" anchor="t" anchorCtr="0">
             <a:normAutofit/>
           </a:bodyPr>
           <a:lstStyle/>
           <a:p>
-            <a:pPr indent="0" lvl="0" marL="0" rtl="0" algn="l">
+            <a:pPr marL="0" lvl="0" indent="0" algn="l" rtl="0">
               <a:spcBef>
                 <a:spcPts val="0"/>
               </a:spcBef>
@@ -10191,38 +10255,14 @@
               <a:buNone/>
             </a:pPr>
             <a:r>
-              <a:rPr b="1" lang="zh-TW" sz="2000">
+              <a:rPr lang="zh-TW" sz="2000" b="1">
                 <a:solidFill>
                   <a:srgbClr val="0000FF"/>
                 </a:solidFill>
               </a:rPr>
-              <a:t>學習重點</a:t>
+              <a:t>學習重點十四：update_scoreboard 程式碼</a:t>
             </a:r>
-            <a:r>
-              <a:rPr b="1" lang="zh-TW" sz="2000">
-                <a:solidFill>
-                  <a:srgbClr val="0000FF"/>
-                </a:solidFill>
-              </a:rPr>
-              <a:t>十四</a:t>
-            </a:r>
-            <a:r>
-              <a:rPr b="1" lang="zh-TW" sz="2000">
-                <a:solidFill>
-                  <a:srgbClr val="0000FF"/>
-                </a:solidFill>
-              </a:rPr>
-              <a:t>：</a:t>
-            </a:r>
-            <a:r>
-              <a:rPr b="1" lang="zh-TW" sz="2000">
-                <a:solidFill>
-                  <a:srgbClr val="0000FF"/>
-                </a:solidFill>
-              </a:rPr>
-              <a:t>update_scoreboard 程式碼</a:t>
-            </a:r>
-            <a:endParaRPr b="1" sz="2000">
+            <a:endParaRPr sz="2000" b="1">
               <a:solidFill>
                 <a:srgbClr val="0000FF"/>
               </a:solidFill>
@@ -10233,9 +10273,11 @@
       <p:sp>
         <p:nvSpPr>
           <p:cNvPr id="146" name="Google Shape;146;p20"/>
-          <p:cNvSpPr txBox="1"/>
+          <p:cNvSpPr txBox="1">
+            <a:spLocks noGrp="1"/>
+          </p:cNvSpPr>
           <p:nvPr>
-            <p:ph idx="12" type="sldNum"/>
+            <p:ph type="sldNum" idx="12"/>
           </p:nvPr>
         </p:nvSpPr>
         <p:spPr>
@@ -10248,12 +10290,12 @@
           </a:prstGeom>
         </p:spPr>
         <p:txBody>
-          <a:bodyPr anchorCtr="0" anchor="t" bIns="91425" lIns="91425" spcFirstLastPara="1" rIns="91425" wrap="square" tIns="91425">
+          <a:bodyPr spcFirstLastPara="1" wrap="square" lIns="91425" tIns="91425" rIns="91425" bIns="91425" anchor="t" anchorCtr="0">
             <a:noAutofit/>
           </a:bodyPr>
           <a:lstStyle/>
           <a:p>
-            <a:pPr indent="0" lvl="0" marL="0" rtl="0" algn="ctr">
+            <a:pPr marL="0" lvl="0" indent="0" algn="ctr" rtl="0">
               <a:spcBef>
                 <a:spcPts val="0"/>
               </a:spcBef>
@@ -10263,8 +10305,8 @@
               <a:buNone/>
             </a:pPr>
             <a:fld id="{00000000-1234-1234-1234-123412341234}" type="slidenum">
-              <a:rPr lang="zh-TW"/>
-              <a:t>‹#›</a:t>
+              <a:rPr lang="en-US" altLang="zh-TW"/>
+              <a:t>8</a:t>
             </a:fld>
             <a:endParaRPr/>
           </a:p>
@@ -10280,7 +10322,7 @@
           <a:blip r:embed="rId3">
             <a:alphaModFix/>
           </a:blip>
-          <a:srcRect b="11022" l="8060" r="7884" t="21149"/>
+          <a:srcRect l="8060" t="21149" r="7884" b="11022"/>
           <a:stretch/>
         </p:blipFill>
         <p:spPr>
@@ -10292,14 +10334,14 @@
             <a:avLst/>
           </a:prstGeom>
           <a:noFill/>
-          <a:ln cap="flat" cmpd="sng" w="38100">
+          <a:ln w="38100" cap="flat" cmpd="sng">
             <a:solidFill>
               <a:srgbClr val="0000FF"/>
             </a:solidFill>
             <a:prstDash val="solid"/>
             <a:round/>
-            <a:headEnd len="sm" w="sm" type="none"/>
-            <a:tailEnd len="sm" w="sm" type="none"/>
+            <a:headEnd type="none" w="sm" len="sm"/>
+            <a:tailEnd type="none" w="sm" len="sm"/>
           </a:ln>
         </p:spPr>
       </p:pic>
@@ -10313,7 +10355,7 @@
           <a:blip r:embed="rId4">
             <a:alphaModFix/>
           </a:blip>
-          <a:srcRect b="14337" l="10992" r="10820" t="21341"/>
+          <a:srcRect l="10992" t="21341" r="10820" b="14337"/>
           <a:stretch/>
         </p:blipFill>
         <p:spPr>
@@ -10325,14 +10367,14 @@
             <a:avLst/>
           </a:prstGeom>
           <a:noFill/>
-          <a:ln cap="flat" cmpd="sng" w="38100">
+          <a:ln w="38100" cap="flat" cmpd="sng">
             <a:solidFill>
               <a:srgbClr val="0000FF"/>
             </a:solidFill>
             <a:prstDash val="solid"/>
             <a:round/>
-            <a:headEnd len="sm" w="sm" type="none"/>
-            <a:tailEnd len="sm" w="sm" type="none"/>
+            <a:headEnd type="none" w="sm" len="sm"/>
+            <a:tailEnd type="none" w="sm" len="sm"/>
           </a:ln>
         </p:spPr>
       </p:pic>
@@ -10345,7 +10387,7 @@
 </file>
 
 <file path=ppt/theme/theme1.xml><?xml version="1.0" encoding="utf-8"?>
-<a:theme xmlns:a="http://schemas.openxmlformats.org/drawingml/2006/main" xmlns:r="http://schemas.openxmlformats.org/officeDocument/2006/relationships" name="Simple Light">
+<a:theme xmlns:a="http://schemas.openxmlformats.org/drawingml/2006/main" name="Simple Light">
   <a:themeElements>
     <a:clrScheme name="Simple Light">
       <a:dk1>
@@ -10620,11 +10662,13 @@
       </a:bgFillStyleLst>
     </a:fmtScheme>
   </a:themeElements>
+  <a:objectDefaults/>
+  <a:extraClrSchemeLst/>
 </a:theme>
 </file>
 
 <file path=ppt/theme/theme2.xml><?xml version="1.0" encoding="utf-8"?>
-<a:theme xmlns:a="http://schemas.openxmlformats.org/drawingml/2006/main" xmlns:r="http://schemas.openxmlformats.org/officeDocument/2006/relationships">
+<a:theme xmlns:a="http://schemas.openxmlformats.org/drawingml/2006/main">
   <a:themeElements>
     <a:clrScheme name="Default">
       <a:dk1>
@@ -10899,5 +10943,7 @@
       </a:bgFillStyleLst>
     </a:fmtScheme>
   </a:themeElements>
+  <a:objectDefaults/>
+  <a:extraClrSchemeLst/>
 </a:theme>
 </file>